--- a/prezentacija.pptx
+++ b/prezentacija.pptx
@@ -18,6 +18,18 @@
     <p:sldId id="266" r:id="rId12"/>
     <p:sldId id="267" r:id="rId13"/>
     <p:sldId id="268" r:id="rId14"/>
+    <p:sldId id="269" r:id="rId15"/>
+    <p:sldId id="270" r:id="rId16"/>
+    <p:sldId id="271" r:id="rId17"/>
+    <p:sldId id="272" r:id="rId18"/>
+    <p:sldId id="273" r:id="rId19"/>
+    <p:sldId id="274" r:id="rId20"/>
+    <p:sldId id="275" r:id="rId21"/>
+    <p:sldId id="276" r:id="rId22"/>
+    <p:sldId id="277" r:id="rId23"/>
+    <p:sldId id="278" r:id="rId24"/>
+    <p:sldId id="279" r:id="rId25"/>
+    <p:sldId id="280" r:id="rId26"/>
   </p:sldIdLst>
   <p:sldSz cx="12192000" cy="6858000"/>
   <p:notesSz cx="6858000" cy="9144000"/>
@@ -134,6 +146,18 @@
             <p14:sldId id="266"/>
             <p14:sldId id="267"/>
             <p14:sldId id="268"/>
+            <p14:sldId id="269"/>
+            <p14:sldId id="270"/>
+            <p14:sldId id="271"/>
+            <p14:sldId id="272"/>
+            <p14:sldId id="273"/>
+            <p14:sldId id="274"/>
+            <p14:sldId id="275"/>
+            <p14:sldId id="276"/>
+            <p14:sldId id="277"/>
+            <p14:sldId id="278"/>
+            <p14:sldId id="279"/>
+            <p14:sldId id="280"/>
           </p14:sldIdLst>
         </p14:section>
       </p14:sectionLst>
@@ -141,6 +165,11 @@
     <p:ext uri="{EFAFB233-063F-42B5-8137-9DF3F51BA10A}">
       <p15:sldGuideLst xmlns:p15="http://schemas.microsoft.com/office/powerpoint/2012/main">
         <p15:guide id="1" pos="3840" userDrawn="1">
+          <p15:clr>
+            <a:srgbClr val="A4A3A4"/>
+          </p15:clr>
+        </p15:guide>
+        <p15:guide id="2" orient="horz" pos="2160">
           <p15:clr>
             <a:srgbClr val="A4A3A4"/>
           </p15:clr>
@@ -343,7 +372,7 @@
             <a:fld id="{B61BEF0D-F0BB-DE4B-95CE-6DB70DBA9567}" type="datetimeFigureOut">
               <a:rPr lang="en-US" smtClean="0"/>
               <a:pPr/>
-              <a:t>9/23/2017</a:t>
+              <a:t>9/24/2017</a:t>
             </a:fld>
             <a:endParaRPr lang="en-US"/>
           </a:p>
@@ -781,7 +810,7 @@
             <a:fld id="{B61BEF0D-F0BB-DE4B-95CE-6DB70DBA9567}" type="datetimeFigureOut">
               <a:rPr lang="en-US" smtClean="0"/>
               <a:pPr/>
-              <a:t>9/23/2017</a:t>
+              <a:t>9/24/2017</a:t>
             </a:fld>
             <a:endParaRPr lang="en-US"/>
           </a:p>
@@ -1033,7 +1062,7 @@
             <a:fld id="{B61BEF0D-F0BB-DE4B-95CE-6DB70DBA9567}" type="datetimeFigureOut">
               <a:rPr lang="en-US" smtClean="0"/>
               <a:pPr/>
-              <a:t>9/23/2017</a:t>
+              <a:t>9/24/2017</a:t>
             </a:fld>
             <a:endParaRPr lang="en-US"/>
           </a:p>
@@ -1343,7 +1372,7 @@
             <a:fld id="{B61BEF0D-F0BB-DE4B-95CE-6DB70DBA9567}" type="datetimeFigureOut">
               <a:rPr lang="en-US" smtClean="0"/>
               <a:pPr/>
-              <a:t>9/23/2017</a:t>
+              <a:t>9/24/2017</a:t>
             </a:fld>
             <a:endParaRPr lang="en-US"/>
           </a:p>
@@ -1663,7 +1692,7 @@
             <a:fld id="{B61BEF0D-F0BB-DE4B-95CE-6DB70DBA9567}" type="datetimeFigureOut">
               <a:rPr lang="en-US" smtClean="0"/>
               <a:pPr/>
-              <a:t>9/23/2017</a:t>
+              <a:t>9/24/2017</a:t>
             </a:fld>
             <a:endParaRPr lang="en-US"/>
           </a:p>
@@ -1967,7 +1996,7 @@
             <a:fld id="{B61BEF0D-F0BB-DE4B-95CE-6DB70DBA9567}" type="datetimeFigureOut">
               <a:rPr lang="en-US" smtClean="0"/>
               <a:pPr/>
-              <a:t>9/23/2017</a:t>
+              <a:t>9/24/2017</a:t>
             </a:fld>
             <a:endParaRPr lang="en-US"/>
           </a:p>
@@ -2336,7 +2365,7 @@
             <a:fld id="{B61BEF0D-F0BB-DE4B-95CE-6DB70DBA9567}" type="datetimeFigureOut">
               <a:rPr lang="en-US" smtClean="0"/>
               <a:pPr/>
-              <a:t>9/23/2017</a:t>
+              <a:t>9/24/2017</a:t>
             </a:fld>
             <a:endParaRPr lang="en-US"/>
           </a:p>
@@ -2512,7 +2541,7 @@
             <a:fld id="{B61BEF0D-F0BB-DE4B-95CE-6DB70DBA9567}" type="datetimeFigureOut">
               <a:rPr lang="en-US" smtClean="0"/>
               <a:pPr/>
-              <a:t>9/23/2017</a:t>
+              <a:t>9/24/2017</a:t>
             </a:fld>
             <a:endParaRPr lang="en-US"/>
           </a:p>
@@ -2694,7 +2723,7 @@
             <a:fld id="{B61BEF0D-F0BB-DE4B-95CE-6DB70DBA9567}" type="datetimeFigureOut">
               <a:rPr lang="en-US" smtClean="0"/>
               <a:pPr/>
-              <a:t>9/23/2017</a:t>
+              <a:t>9/24/2017</a:t>
             </a:fld>
             <a:endParaRPr lang="en-US"/>
           </a:p>
@@ -2866,7 +2895,7 @@
             <a:fld id="{B61BEF0D-F0BB-DE4B-95CE-6DB70DBA9567}" type="datetimeFigureOut">
               <a:rPr lang="en-US" smtClean="0"/>
               <a:pPr/>
-              <a:t>9/23/2017</a:t>
+              <a:t>9/24/2017</a:t>
             </a:fld>
             <a:endParaRPr lang="en-US"/>
           </a:p>
@@ -3118,7 +3147,7 @@
             <a:fld id="{B61BEF0D-F0BB-DE4B-95CE-6DB70DBA9567}" type="datetimeFigureOut">
               <a:rPr lang="en-US" smtClean="0"/>
               <a:pPr/>
-              <a:t>9/23/2017</a:t>
+              <a:t>9/24/2017</a:t>
             </a:fld>
             <a:endParaRPr lang="en-US"/>
           </a:p>
@@ -3356,7 +3385,7 @@
             <a:fld id="{B61BEF0D-F0BB-DE4B-95CE-6DB70DBA9567}" type="datetimeFigureOut">
               <a:rPr lang="en-US" smtClean="0"/>
               <a:pPr/>
-              <a:t>9/23/2017</a:t>
+              <a:t>9/24/2017</a:t>
             </a:fld>
             <a:endParaRPr lang="en-US"/>
           </a:p>
@@ -3740,7 +3769,7 @@
             <a:fld id="{B61BEF0D-F0BB-DE4B-95CE-6DB70DBA9567}" type="datetimeFigureOut">
               <a:rPr lang="en-US" smtClean="0"/>
               <a:pPr/>
-              <a:t>9/23/2017</a:t>
+              <a:t>9/24/2017</a:t>
             </a:fld>
             <a:endParaRPr lang="en-US"/>
           </a:p>
@@ -3860,7 +3889,7 @@
             <a:fld id="{B61BEF0D-F0BB-DE4B-95CE-6DB70DBA9567}" type="datetimeFigureOut">
               <a:rPr lang="en-US" smtClean="0"/>
               <a:pPr/>
-              <a:t>9/23/2017</a:t>
+              <a:t>9/24/2017</a:t>
             </a:fld>
             <a:endParaRPr lang="en-US"/>
           </a:p>
@@ -3957,7 +3986,7 @@
             <a:fld id="{B61BEF0D-F0BB-DE4B-95CE-6DB70DBA9567}" type="datetimeFigureOut">
               <a:rPr lang="en-US" smtClean="0"/>
               <a:pPr/>
-              <a:t>9/23/2017</a:t>
+              <a:t>9/24/2017</a:t>
             </a:fld>
             <a:endParaRPr lang="en-US"/>
           </a:p>
@@ -4214,7 +4243,7 @@
             <a:fld id="{B61BEF0D-F0BB-DE4B-95CE-6DB70DBA9567}" type="datetimeFigureOut">
               <a:rPr lang="en-US" smtClean="0"/>
               <a:pPr/>
-              <a:t>9/23/2017</a:t>
+              <a:t>9/24/2017</a:t>
             </a:fld>
             <a:endParaRPr lang="en-US"/>
           </a:p>
@@ -4499,7 +4528,7 @@
             <a:fld id="{B61BEF0D-F0BB-DE4B-95CE-6DB70DBA9567}" type="datetimeFigureOut">
               <a:rPr lang="en-US" smtClean="0"/>
               <a:pPr/>
-              <a:t>9/23/2017</a:t>
+              <a:t>9/24/2017</a:t>
             </a:fld>
             <a:endParaRPr lang="en-US"/>
           </a:p>
@@ -4907,7 +4936,7 @@
             <a:fld id="{B61BEF0D-F0BB-DE4B-95CE-6DB70DBA9567}" type="datetimeFigureOut">
               <a:rPr lang="en-US" smtClean="0"/>
               <a:pPr/>
-              <a:t>9/23/2017</a:t>
+              <a:t>9/24/2017</a:t>
             </a:fld>
             <a:endParaRPr lang="en-US"/>
           </a:p>
@@ -6257,17 +6286,7 @@
                 <a:latin typeface="Arial" panose="020B0604020202020204" pitchFamily="34" charset="0"/>
                 <a:cs typeface="Arial" panose="020B0604020202020204" pitchFamily="34" charset="0"/>
               </a:rPr>
-              <a:t>učitavanje podataka sa mreže ili iz baze, </a:t>
-            </a:r>
-            <a:r>
-              <a:rPr lang="sr-Latn-RS" sz="2200">
-                <a:solidFill>
-                  <a:schemeClr val="bg1"/>
-                </a:solidFill>
-                <a:latin typeface="Arial" panose="020B0604020202020204" pitchFamily="34" charset="0"/>
-                <a:cs typeface="Arial" panose="020B0604020202020204" pitchFamily="34" charset="0"/>
-              </a:rPr>
-              <a:t>poslovna </a:t>
+              <a:t>učitavanje podataka sa mreže ili iz baze, poslovna </a:t>
             </a:r>
             <a:r>
               <a:rPr lang="sr-Latn-RS" sz="2200" smtClean="0">
@@ -6310,17 +6329,7 @@
                 <a:latin typeface="Arial" panose="020B0604020202020204" pitchFamily="34" charset="0"/>
                 <a:cs typeface="Arial" panose="020B0604020202020204" pitchFamily="34" charset="0"/>
               </a:rPr>
-              <a:t>– predstavljanje podataka i interakcija </a:t>
-            </a:r>
-            <a:r>
-              <a:rPr lang="sr-Latn-RS" sz="2200">
-                <a:solidFill>
-                  <a:schemeClr val="bg1"/>
-                </a:solidFill>
-                <a:latin typeface="Arial" panose="020B0604020202020204" pitchFamily="34" charset="0"/>
-                <a:cs typeface="Arial" panose="020B0604020202020204" pitchFamily="34" charset="0"/>
-              </a:rPr>
-              <a:t>sa </a:t>
+              <a:t>– predstavljanje podataka i interakcija sa </a:t>
             </a:r>
             <a:r>
               <a:rPr lang="sr-Latn-RS" sz="2200" smtClean="0">
@@ -6947,6 +6956,2577 @@
 </p:sld>
 </file>
 
+<file path=ppt/slides/slide14.xml><?xml version="1.0" encoding="utf-8"?>
+<p:sld xmlns:a="http://schemas.openxmlformats.org/drawingml/2006/main" xmlns:r="http://schemas.openxmlformats.org/officeDocument/2006/relationships" xmlns:p="http://schemas.openxmlformats.org/presentationml/2006/main">
+  <p:cSld>
+    <p:spTree>
+      <p:nvGrpSpPr>
+        <p:cNvPr id="1" name=""/>
+        <p:cNvGrpSpPr/>
+        <p:nvPr/>
+      </p:nvGrpSpPr>
+      <p:grpSpPr>
+        <a:xfrm>
+          <a:off x="0" y="0"/>
+          <a:ext cx="0" cy="0"/>
+          <a:chOff x="0" y="0"/>
+          <a:chExt cx="0" cy="0"/>
+        </a:xfrm>
+      </p:grpSpPr>
+      <p:sp>
+        <p:nvSpPr>
+          <p:cNvPr id="2" name="Title 1"/>
+          <p:cNvSpPr>
+            <a:spLocks noGrp="1"/>
+          </p:cNvSpPr>
+          <p:nvPr>
+            <p:ph type="ctrTitle"/>
+          </p:nvPr>
+        </p:nvSpPr>
+        <p:spPr>
+          <a:xfrm>
+            <a:off x="2533370" y="175054"/>
+            <a:ext cx="7698025" cy="1019432"/>
+          </a:xfrm>
+        </p:spPr>
+        <p:txBody>
+          <a:bodyPr>
+            <a:normAutofit fontScale="90000"/>
+          </a:bodyPr>
+          <a:lstStyle/>
+          <a:p>
+            <a:pPr algn="ctr"/>
+            <a:r>
+              <a:rPr lang="en-US" sz="4000" cap="none" smtClean="0">
+                <a:solidFill>
+                  <a:schemeClr val="bg1"/>
+                </a:solidFill>
+                <a:latin typeface="Arial" panose="020B0604020202020204" pitchFamily="34" charset="0"/>
+                <a:cs typeface="Arial" panose="020B0604020202020204" pitchFamily="34" charset="0"/>
+              </a:rPr>
+              <a:t>Reaktivno programiranje u Androidu</a:t>
+            </a:r>
+            <a:endParaRPr lang="en-US" sz="4000" cap="none">
+              <a:solidFill>
+                <a:schemeClr val="bg1"/>
+              </a:solidFill>
+              <a:latin typeface="Arial" panose="020B0604020202020204" pitchFamily="34" charset="0"/>
+              <a:cs typeface="Arial" panose="020B0604020202020204" pitchFamily="34" charset="0"/>
+            </a:endParaRPr>
+          </a:p>
+        </p:txBody>
+      </p:sp>
+      <p:sp>
+        <p:nvSpPr>
+          <p:cNvPr id="5" name="Subtitle 4"/>
+          <p:cNvSpPr>
+            <a:spLocks noGrp="1"/>
+          </p:cNvSpPr>
+          <p:nvPr>
+            <p:ph type="subTitle" idx="1"/>
+          </p:nvPr>
+        </p:nvSpPr>
+        <p:spPr>
+          <a:xfrm>
+            <a:off x="1789377" y="1942012"/>
+            <a:ext cx="9061503" cy="4005942"/>
+          </a:xfrm>
+        </p:spPr>
+        <p:txBody>
+          <a:bodyPr>
+            <a:noAutofit/>
+          </a:bodyPr>
+          <a:lstStyle/>
+          <a:p>
+            <a:pPr marL="342900" indent="-342900">
+              <a:buFont typeface="Arial" panose="020B0604020202020204" pitchFamily="34" charset="0"/>
+              <a:buChar char="•"/>
+            </a:pPr>
+            <a:r>
+              <a:rPr lang="en-US" sz="2200" cap="none" smtClean="0">
+                <a:solidFill>
+                  <a:schemeClr val="bg1"/>
+                </a:solidFill>
+                <a:latin typeface="Arial" panose="020B0604020202020204" pitchFamily="34" charset="0"/>
+                <a:cs typeface="Arial" panose="020B0604020202020204" pitchFamily="34" charset="0"/>
+              </a:rPr>
+              <a:t>Paradigma orijentisana oko tokova podataka</a:t>
+            </a:r>
+            <a:endParaRPr lang="sr-Latn-RS" sz="2200" cap="none" smtClean="0">
+              <a:solidFill>
+                <a:schemeClr val="bg1"/>
+              </a:solidFill>
+              <a:latin typeface="Arial" panose="020B0604020202020204" pitchFamily="34" charset="0"/>
+              <a:cs typeface="Arial" panose="020B0604020202020204" pitchFamily="34" charset="0"/>
+            </a:endParaRPr>
+          </a:p>
+          <a:p>
+            <a:pPr marL="342900" indent="-342900">
+              <a:buFont typeface="Arial" panose="020B0604020202020204" pitchFamily="34" charset="0"/>
+              <a:buChar char="•"/>
+            </a:pPr>
+            <a:r>
+              <a:rPr lang="sr-Latn-RS" sz="2200" smtClean="0">
+                <a:solidFill>
+                  <a:schemeClr val="bg1"/>
+                </a:solidFill>
+                <a:latin typeface="Arial" panose="020B0604020202020204" pitchFamily="34" charset="0"/>
+                <a:cs typeface="Arial" panose="020B0604020202020204" pitchFamily="34" charset="0"/>
+              </a:rPr>
+              <a:t>a </a:t>
+            </a:r>
+            <a:r>
+              <a:rPr lang="en-US" sz="2200" smtClean="0">
+                <a:solidFill>
+                  <a:schemeClr val="bg1"/>
+                </a:solidFill>
+                <a:latin typeface="Arial" panose="020B0604020202020204" pitchFamily="34" charset="0"/>
+                <a:cs typeface="Arial" panose="020B0604020202020204" pitchFamily="34" charset="0"/>
+              </a:rPr>
+              <a:t>= b + c</a:t>
+            </a:r>
+            <a:endParaRPr lang="sr-Latn-RS" sz="2200" cap="none" smtClean="0">
+              <a:solidFill>
+                <a:schemeClr val="bg1"/>
+              </a:solidFill>
+              <a:latin typeface="Arial" panose="020B0604020202020204" pitchFamily="34" charset="0"/>
+              <a:cs typeface="Arial" panose="020B0604020202020204" pitchFamily="34" charset="0"/>
+            </a:endParaRPr>
+          </a:p>
+          <a:p>
+            <a:pPr marL="342900" indent="-342900">
+              <a:buFont typeface="Arial" panose="020B0604020202020204" pitchFamily="34" charset="0"/>
+              <a:buChar char="•"/>
+            </a:pPr>
+            <a:r>
+              <a:rPr lang="en-US" sz="2200" smtClean="0">
+                <a:solidFill>
+                  <a:schemeClr val="bg1"/>
+                </a:solidFill>
+                <a:latin typeface="Arial" panose="020B0604020202020204" pitchFamily="34" charset="0"/>
+                <a:cs typeface="Arial" panose="020B0604020202020204" pitchFamily="34" charset="0"/>
+              </a:rPr>
+              <a:t>ReactiveX ekstenzije – kombinacija </a:t>
+            </a:r>
+            <a:r>
+              <a:rPr lang="sr-Latn-RS" sz="2200" smtClean="0">
+                <a:solidFill>
+                  <a:schemeClr val="bg1"/>
+                </a:solidFill>
+                <a:latin typeface="Arial" panose="020B0604020202020204" pitchFamily="34" charset="0"/>
+                <a:cs typeface="Arial" panose="020B0604020202020204" pitchFamily="34" charset="0"/>
+              </a:rPr>
+              <a:t>šablona posmatrača (eng. Observer pattern), iterator šablona (Iterator pattern) i funkcionalnog programiranja </a:t>
+            </a:r>
+            <a:endParaRPr lang="en-US" sz="2200" cap="none" smtClean="0">
+              <a:solidFill>
+                <a:schemeClr val="bg1"/>
+              </a:solidFill>
+              <a:latin typeface="Arial" panose="020B0604020202020204" pitchFamily="34" charset="0"/>
+              <a:cs typeface="Arial" panose="020B0604020202020204" pitchFamily="34" charset="0"/>
+            </a:endParaRPr>
+          </a:p>
+          <a:p>
+            <a:pPr marL="342900" indent="-342900">
+              <a:buFont typeface="Arial" panose="020B0604020202020204" pitchFamily="34" charset="0"/>
+              <a:buChar char="•"/>
+            </a:pPr>
+            <a:r>
+              <a:rPr lang="en-US" sz="2200" smtClean="0">
+                <a:solidFill>
+                  <a:schemeClr val="bg1"/>
+                </a:solidFill>
+                <a:latin typeface="Arial" panose="020B0604020202020204" pitchFamily="34" charset="0"/>
+                <a:cs typeface="Arial" panose="020B0604020202020204" pitchFamily="34" charset="0"/>
+              </a:rPr>
+              <a:t>U Androidu Java 8 podr</a:t>
+            </a:r>
+            <a:r>
+              <a:rPr lang="sr-Latn-RS" sz="2200" smtClean="0">
+                <a:solidFill>
+                  <a:schemeClr val="bg1"/>
+                </a:solidFill>
+                <a:latin typeface="Arial" panose="020B0604020202020204" pitchFamily="34" charset="0"/>
+                <a:cs typeface="Arial" panose="020B0604020202020204" pitchFamily="34" charset="0"/>
+              </a:rPr>
+              <a:t>žana trenutno preko različitih biblioteka od kojih je najkorišćenija RetroLambda</a:t>
+            </a:r>
+          </a:p>
+          <a:p>
+            <a:pPr marL="342900" indent="-342900">
+              <a:buFont typeface="Arial" panose="020B0604020202020204" pitchFamily="34" charset="0"/>
+              <a:buChar char="•"/>
+            </a:pPr>
+            <a:r>
+              <a:rPr lang="sr-Latn-RS" sz="2200" smtClean="0">
+                <a:solidFill>
+                  <a:schemeClr val="bg1"/>
+                </a:solidFill>
+                <a:latin typeface="Arial" panose="020B0604020202020204" pitchFamily="34" charset="0"/>
+                <a:cs typeface="Arial" panose="020B0604020202020204" pitchFamily="34" charset="0"/>
+              </a:rPr>
+              <a:t>Puna podrška u okviru Android Studija 3.0</a:t>
+            </a:r>
+            <a:endParaRPr lang="sr-Latn-RS" sz="2200">
+              <a:solidFill>
+                <a:schemeClr val="bg1"/>
+              </a:solidFill>
+              <a:latin typeface="Arial" panose="020B0604020202020204" pitchFamily="34" charset="0"/>
+              <a:cs typeface="Arial" panose="020B0604020202020204" pitchFamily="34" charset="0"/>
+            </a:endParaRPr>
+          </a:p>
+        </p:txBody>
+      </p:sp>
+    </p:spTree>
+    <p:extLst>
+      <p:ext uri="{BB962C8B-B14F-4D97-AF65-F5344CB8AC3E}">
+        <p14:creationId xmlns:p14="http://schemas.microsoft.com/office/powerpoint/2010/main" val="3057964005"/>
+      </p:ext>
+    </p:extLst>
+  </p:cSld>
+  <p:clrMapOvr>
+    <a:masterClrMapping/>
+  </p:clrMapOvr>
+  <p:timing>
+    <p:tnLst>
+      <p:par>
+        <p:cTn id="1" dur="indefinite" restart="never" nodeType="tmRoot"/>
+      </p:par>
+    </p:tnLst>
+  </p:timing>
+</p:sld>
+</file>
+
+<file path=ppt/slides/slide15.xml><?xml version="1.0" encoding="utf-8"?>
+<p:sld xmlns:a="http://schemas.openxmlformats.org/drawingml/2006/main" xmlns:r="http://schemas.openxmlformats.org/officeDocument/2006/relationships" xmlns:p="http://schemas.openxmlformats.org/presentationml/2006/main">
+  <p:cSld>
+    <p:spTree>
+      <p:nvGrpSpPr>
+        <p:cNvPr id="1" name=""/>
+        <p:cNvGrpSpPr/>
+        <p:nvPr/>
+      </p:nvGrpSpPr>
+      <p:grpSpPr>
+        <a:xfrm>
+          <a:off x="0" y="0"/>
+          <a:ext cx="0" cy="0"/>
+          <a:chOff x="0" y="0"/>
+          <a:chExt cx="0" cy="0"/>
+        </a:xfrm>
+      </p:grpSpPr>
+      <p:sp>
+        <p:nvSpPr>
+          <p:cNvPr id="2" name="Title 1"/>
+          <p:cNvSpPr>
+            <a:spLocks noGrp="1"/>
+          </p:cNvSpPr>
+          <p:nvPr>
+            <p:ph type="ctrTitle"/>
+          </p:nvPr>
+        </p:nvSpPr>
+        <p:spPr>
+          <a:xfrm>
+            <a:off x="2533370" y="175054"/>
+            <a:ext cx="7698025" cy="1019432"/>
+          </a:xfrm>
+        </p:spPr>
+        <p:txBody>
+          <a:bodyPr>
+            <a:normAutofit/>
+          </a:bodyPr>
+          <a:lstStyle/>
+          <a:p>
+            <a:pPr algn="ctr"/>
+            <a:r>
+              <a:rPr lang="sr-Latn-RS" sz="4000" cap="none" smtClean="0">
+                <a:solidFill>
+                  <a:schemeClr val="bg1"/>
+                </a:solidFill>
+                <a:latin typeface="Arial" panose="020B0604020202020204" pitchFamily="34" charset="0"/>
+                <a:cs typeface="Arial" panose="020B0604020202020204" pitchFamily="34" charset="0"/>
+              </a:rPr>
+              <a:t>RxAndroid</a:t>
+            </a:r>
+            <a:endParaRPr lang="en-US" sz="4000" cap="none">
+              <a:solidFill>
+                <a:schemeClr val="bg1"/>
+              </a:solidFill>
+              <a:latin typeface="Arial" panose="020B0604020202020204" pitchFamily="34" charset="0"/>
+              <a:cs typeface="Arial" panose="020B0604020202020204" pitchFamily="34" charset="0"/>
+            </a:endParaRPr>
+          </a:p>
+        </p:txBody>
+      </p:sp>
+      <p:sp>
+        <p:nvSpPr>
+          <p:cNvPr id="5" name="Subtitle 4"/>
+          <p:cNvSpPr>
+            <a:spLocks noGrp="1"/>
+          </p:cNvSpPr>
+          <p:nvPr>
+            <p:ph type="subTitle" idx="1"/>
+          </p:nvPr>
+        </p:nvSpPr>
+        <p:spPr>
+          <a:xfrm>
+            <a:off x="1789377" y="1942012"/>
+            <a:ext cx="9061503" cy="4005942"/>
+          </a:xfrm>
+        </p:spPr>
+        <p:txBody>
+          <a:bodyPr>
+            <a:noAutofit/>
+          </a:bodyPr>
+          <a:lstStyle/>
+          <a:p>
+            <a:pPr marL="342900" indent="-342900">
+              <a:buFont typeface="Arial" panose="020B0604020202020204" pitchFamily="34" charset="0"/>
+              <a:buChar char="•"/>
+            </a:pPr>
+            <a:r>
+              <a:rPr lang="sr-Latn-RS" sz="2200" cap="none" smtClean="0">
+                <a:solidFill>
+                  <a:schemeClr val="bg1"/>
+                </a:solidFill>
+                <a:latin typeface="Arial" panose="020B0604020202020204" pitchFamily="34" charset="0"/>
+                <a:cs typeface="Arial" panose="020B0604020202020204" pitchFamily="34" charset="0"/>
+              </a:rPr>
+              <a:t>Glavni gradivni elementi emiter (eng. Observable) i pretplatnik (eng. Subscriber)</a:t>
+            </a:r>
+          </a:p>
+          <a:p>
+            <a:pPr marL="342900" indent="-342900">
+              <a:buFont typeface="Arial" panose="020B0604020202020204" pitchFamily="34" charset="0"/>
+              <a:buChar char="•"/>
+            </a:pPr>
+            <a:r>
+              <a:rPr lang="en-US" sz="2000">
+                <a:solidFill>
+                  <a:schemeClr val="bg1"/>
+                </a:solidFill>
+                <a:latin typeface="Courier New" panose="02070309020205020404" pitchFamily="49" charset="0"/>
+                <a:cs typeface="Courier New" panose="02070309020205020404" pitchFamily="49" charset="0"/>
+              </a:rPr>
+              <a:t>Subscriber</a:t>
+            </a:r>
+            <a:r>
+              <a:rPr lang="en-US" sz="2000" b="1">
+                <a:solidFill>
+                  <a:schemeClr val="bg1"/>
+                </a:solidFill>
+                <a:latin typeface="Courier New" panose="02070309020205020404" pitchFamily="49" charset="0"/>
+                <a:cs typeface="Courier New" panose="02070309020205020404" pitchFamily="49" charset="0"/>
+              </a:rPr>
+              <a:t>.</a:t>
+            </a:r>
+            <a:r>
+              <a:rPr lang="en-US" sz="2000">
+                <a:solidFill>
+                  <a:schemeClr val="bg1"/>
+                </a:solidFill>
+                <a:latin typeface="Courier New" panose="02070309020205020404" pitchFamily="49" charset="0"/>
+                <a:cs typeface="Courier New" panose="02070309020205020404" pitchFamily="49" charset="0"/>
+              </a:rPr>
+              <a:t>onNext</a:t>
+            </a:r>
+            <a:r>
+              <a:rPr lang="en-US" sz="2000" b="1" smtClean="0">
+                <a:solidFill>
+                  <a:schemeClr val="bg1"/>
+                </a:solidFill>
+                <a:latin typeface="Courier New" panose="02070309020205020404" pitchFamily="49" charset="0"/>
+                <a:cs typeface="Courier New" panose="02070309020205020404" pitchFamily="49" charset="0"/>
+              </a:rPr>
+              <a:t>()</a:t>
+            </a:r>
+            <a:r>
+              <a:rPr lang="sr-Latn-RS" sz="2000" b="1" smtClean="0">
+                <a:solidFill>
+                  <a:schemeClr val="bg1"/>
+                </a:solidFill>
+                <a:latin typeface="Courier New" panose="02070309020205020404" pitchFamily="49" charset="0"/>
+                <a:cs typeface="Courier New" panose="02070309020205020404" pitchFamily="49" charset="0"/>
+              </a:rPr>
+              <a:t>, </a:t>
+            </a:r>
+            <a:r>
+              <a:rPr lang="en-US" sz="2000" smtClean="0">
+                <a:solidFill>
+                  <a:schemeClr val="bg1"/>
+                </a:solidFill>
+                <a:latin typeface="Courier New" panose="02070309020205020404" pitchFamily="49" charset="0"/>
+                <a:cs typeface="Courier New" panose="02070309020205020404" pitchFamily="49" charset="0"/>
+              </a:rPr>
+              <a:t>Subscriber</a:t>
+            </a:r>
+            <a:r>
+              <a:rPr lang="en-US" sz="2000" b="1" smtClean="0">
+                <a:solidFill>
+                  <a:schemeClr val="bg1"/>
+                </a:solidFill>
+                <a:latin typeface="Courier New" panose="02070309020205020404" pitchFamily="49" charset="0"/>
+                <a:cs typeface="Courier New" panose="02070309020205020404" pitchFamily="49" charset="0"/>
+              </a:rPr>
+              <a:t>.</a:t>
+            </a:r>
+            <a:r>
+              <a:rPr lang="en-US" sz="2000" smtClean="0">
+                <a:solidFill>
+                  <a:schemeClr val="bg1"/>
+                </a:solidFill>
+                <a:latin typeface="Courier New" panose="02070309020205020404" pitchFamily="49" charset="0"/>
+                <a:cs typeface="Courier New" panose="02070309020205020404" pitchFamily="49" charset="0"/>
+              </a:rPr>
+              <a:t>on</a:t>
+            </a:r>
+            <a:r>
+              <a:rPr lang="sr-Latn-RS" sz="2000" smtClean="0">
+                <a:solidFill>
+                  <a:schemeClr val="bg1"/>
+                </a:solidFill>
+                <a:latin typeface="Courier New" panose="02070309020205020404" pitchFamily="49" charset="0"/>
+                <a:cs typeface="Courier New" panose="02070309020205020404" pitchFamily="49" charset="0"/>
+              </a:rPr>
+              <a:t>Complete</a:t>
+            </a:r>
+            <a:r>
+              <a:rPr lang="en-US" sz="2000" b="1" smtClean="0">
+                <a:solidFill>
+                  <a:schemeClr val="bg1"/>
+                </a:solidFill>
+                <a:latin typeface="Courier New" panose="02070309020205020404" pitchFamily="49" charset="0"/>
+                <a:cs typeface="Courier New" panose="02070309020205020404" pitchFamily="49" charset="0"/>
+              </a:rPr>
+              <a:t>()</a:t>
+            </a:r>
+            <a:r>
+              <a:rPr lang="sr-Latn-RS" sz="2000" b="1" smtClean="0">
+                <a:solidFill>
+                  <a:schemeClr val="bg1"/>
+                </a:solidFill>
+                <a:latin typeface="Courier New" panose="02070309020205020404" pitchFamily="49" charset="0"/>
+                <a:cs typeface="Courier New" panose="02070309020205020404" pitchFamily="49" charset="0"/>
+              </a:rPr>
+              <a:t>, </a:t>
+            </a:r>
+            <a:r>
+              <a:rPr lang="en-US" sz="2000" smtClean="0">
+                <a:solidFill>
+                  <a:schemeClr val="bg1"/>
+                </a:solidFill>
+                <a:latin typeface="Courier New" panose="02070309020205020404" pitchFamily="49" charset="0"/>
+                <a:cs typeface="Courier New" panose="02070309020205020404" pitchFamily="49" charset="0"/>
+              </a:rPr>
+              <a:t>Subscriber</a:t>
+            </a:r>
+            <a:r>
+              <a:rPr lang="en-US" sz="2000" b="1" smtClean="0">
+                <a:solidFill>
+                  <a:schemeClr val="bg1"/>
+                </a:solidFill>
+                <a:latin typeface="Courier New" panose="02070309020205020404" pitchFamily="49" charset="0"/>
+                <a:cs typeface="Courier New" panose="02070309020205020404" pitchFamily="49" charset="0"/>
+              </a:rPr>
+              <a:t>.</a:t>
+            </a:r>
+            <a:r>
+              <a:rPr lang="en-US" sz="2000" smtClean="0">
+                <a:solidFill>
+                  <a:schemeClr val="bg1"/>
+                </a:solidFill>
+                <a:latin typeface="Courier New" panose="02070309020205020404" pitchFamily="49" charset="0"/>
+                <a:cs typeface="Courier New" panose="02070309020205020404" pitchFamily="49" charset="0"/>
+              </a:rPr>
+              <a:t>on</a:t>
+            </a:r>
+            <a:r>
+              <a:rPr lang="sr-Latn-RS" sz="2000" smtClean="0">
+                <a:solidFill>
+                  <a:schemeClr val="bg1"/>
+                </a:solidFill>
+                <a:latin typeface="Courier New" panose="02070309020205020404" pitchFamily="49" charset="0"/>
+                <a:cs typeface="Courier New" panose="02070309020205020404" pitchFamily="49" charset="0"/>
+              </a:rPr>
+              <a:t>Error</a:t>
+            </a:r>
+            <a:r>
+              <a:rPr lang="en-US" sz="2000" b="1" smtClean="0">
+                <a:solidFill>
+                  <a:schemeClr val="bg1"/>
+                </a:solidFill>
+                <a:latin typeface="Courier New" panose="02070309020205020404" pitchFamily="49" charset="0"/>
+                <a:cs typeface="Courier New" panose="02070309020205020404" pitchFamily="49" charset="0"/>
+              </a:rPr>
+              <a:t>()</a:t>
+            </a:r>
+            <a:endParaRPr lang="sr-Latn-RS" sz="2000" b="1" smtClean="0">
+              <a:solidFill>
+                <a:schemeClr val="bg1"/>
+              </a:solidFill>
+              <a:latin typeface="Courier New" panose="02070309020205020404" pitchFamily="49" charset="0"/>
+              <a:cs typeface="Courier New" panose="02070309020205020404" pitchFamily="49" charset="0"/>
+            </a:endParaRPr>
+          </a:p>
+          <a:p>
+            <a:pPr marL="342900" indent="-342900">
+              <a:buFont typeface="Arial" panose="020B0604020202020204" pitchFamily="34" charset="0"/>
+              <a:buChar char="•"/>
+            </a:pPr>
+            <a:r>
+              <a:rPr lang="sr-Latn-RS" sz="2200" smtClean="0">
+                <a:solidFill>
+                  <a:schemeClr val="bg1"/>
+                </a:solidFill>
+                <a:latin typeface="Arial" panose="020B0604020202020204" pitchFamily="34" charset="0"/>
+                <a:cs typeface="Arial" panose="020B0604020202020204" pitchFamily="34" charset="0"/>
+              </a:rPr>
+              <a:t>Operatori koji transformišu tokove podataka</a:t>
+            </a:r>
+            <a:endParaRPr lang="en-US" sz="2200" cap="none" smtClean="0">
+              <a:solidFill>
+                <a:schemeClr val="bg1"/>
+              </a:solidFill>
+              <a:latin typeface="Arial" panose="020B0604020202020204" pitchFamily="34" charset="0"/>
+              <a:cs typeface="Arial" panose="020B0604020202020204" pitchFamily="34" charset="0"/>
+            </a:endParaRPr>
+          </a:p>
+          <a:p>
+            <a:pPr marL="342900" indent="-342900">
+              <a:buFont typeface="Arial" panose="020B0604020202020204" pitchFamily="34" charset="0"/>
+              <a:buChar char="•"/>
+            </a:pPr>
+            <a:r>
+              <a:rPr lang="en-US" sz="2200" smtClean="0">
+                <a:solidFill>
+                  <a:schemeClr val="bg1"/>
+                </a:solidFill>
+                <a:latin typeface="Arial" panose="020B0604020202020204" pitchFamily="34" charset="0"/>
+                <a:cs typeface="Arial" panose="020B0604020202020204" pitchFamily="34" charset="0"/>
+              </a:rPr>
+              <a:t>Alternativa AsyncTaskovima,</a:t>
+            </a:r>
+            <a:r>
+              <a:rPr lang="en-US" sz="2400">
+                <a:solidFill>
+                  <a:schemeClr val="bg1"/>
+                </a:solidFill>
+                <a:latin typeface="Courier New" panose="02070309020205020404" pitchFamily="49" charset="0"/>
+                <a:cs typeface="Courier New" panose="02070309020205020404" pitchFamily="49" charset="0"/>
+              </a:rPr>
+              <a:t> </a:t>
+            </a:r>
+            <a:r>
+              <a:rPr lang="en-US" sz="2400" smtClean="0">
+                <a:solidFill>
+                  <a:schemeClr val="bg1"/>
+                </a:solidFill>
+                <a:latin typeface="Courier New" panose="02070309020205020404" pitchFamily="49" charset="0"/>
+                <a:cs typeface="Courier New" panose="02070309020205020404" pitchFamily="49" charset="0"/>
+              </a:rPr>
+              <a:t>subscribeOn</a:t>
+            </a:r>
+            <a:r>
+              <a:rPr lang="en-US" sz="2400" b="1" smtClean="0">
+                <a:solidFill>
+                  <a:schemeClr val="bg1"/>
+                </a:solidFill>
+                <a:latin typeface="Courier New" panose="02070309020205020404" pitchFamily="49" charset="0"/>
+                <a:cs typeface="Courier New" panose="02070309020205020404" pitchFamily="49" charset="0"/>
+              </a:rPr>
+              <a:t>()</a:t>
+            </a:r>
+            <a:r>
+              <a:rPr lang="en-US" sz="2400" smtClean="0">
+                <a:solidFill>
+                  <a:schemeClr val="bg1"/>
+                </a:solidFill>
+                <a:latin typeface="Courier New" panose="02070309020205020404" pitchFamily="49" charset="0"/>
+                <a:cs typeface="Courier New" panose="02070309020205020404" pitchFamily="49" charset="0"/>
+              </a:rPr>
+              <a:t> </a:t>
+            </a:r>
+            <a:r>
+              <a:rPr lang="en-US" sz="2400" smtClean="0">
+                <a:solidFill>
+                  <a:schemeClr val="bg1"/>
+                </a:solidFill>
+                <a:latin typeface="Arial" panose="020B0604020202020204" pitchFamily="34" charset="0"/>
+                <a:cs typeface="Arial" panose="020B0604020202020204" pitchFamily="34" charset="0"/>
+              </a:rPr>
+              <a:t>i</a:t>
+            </a:r>
+            <a:r>
+              <a:rPr lang="en-US" sz="2400" smtClean="0">
+                <a:solidFill>
+                  <a:schemeClr val="bg1"/>
+                </a:solidFill>
+                <a:latin typeface="Courier New" panose="02070309020205020404" pitchFamily="49" charset="0"/>
+                <a:cs typeface="Courier New" panose="02070309020205020404" pitchFamily="49" charset="0"/>
+              </a:rPr>
+              <a:t> observeOn</a:t>
+            </a:r>
+            <a:r>
+              <a:rPr lang="en-US" sz="2400" b="1" smtClean="0">
+                <a:solidFill>
+                  <a:schemeClr val="bg1"/>
+                </a:solidFill>
+                <a:latin typeface="Courier New" panose="02070309020205020404" pitchFamily="49" charset="0"/>
+                <a:cs typeface="Courier New" panose="02070309020205020404" pitchFamily="49" charset="0"/>
+              </a:rPr>
+              <a:t>() </a:t>
+            </a:r>
+            <a:r>
+              <a:rPr lang="en-US" sz="2200" smtClean="0">
+                <a:solidFill>
+                  <a:schemeClr val="bg1"/>
+                </a:solidFill>
+                <a:latin typeface="Arial" panose="020B0604020202020204" pitchFamily="34" charset="0"/>
+                <a:cs typeface="Arial" panose="020B0604020202020204" pitchFamily="34" charset="0"/>
+              </a:rPr>
+              <a:t>operatori</a:t>
+            </a:r>
+            <a:endParaRPr lang="sr-Latn-RS" sz="2200" b="1" smtClean="0">
+              <a:solidFill>
+                <a:schemeClr val="bg1"/>
+              </a:solidFill>
+              <a:latin typeface="Arial" panose="020B0604020202020204" pitchFamily="34" charset="0"/>
+              <a:cs typeface="Arial" panose="020B0604020202020204" pitchFamily="34" charset="0"/>
+            </a:endParaRPr>
+          </a:p>
+          <a:p>
+            <a:pPr marL="342900" indent="-342900">
+              <a:buFont typeface="Arial" panose="020B0604020202020204" pitchFamily="34" charset="0"/>
+              <a:buChar char="•"/>
+            </a:pPr>
+            <a:r>
+              <a:rPr lang="en-US" sz="2200" smtClean="0">
+                <a:solidFill>
+                  <a:schemeClr val="bg1"/>
+                </a:solidFill>
+                <a:latin typeface="Arial" panose="020B0604020202020204" pitchFamily="34" charset="0"/>
+                <a:cs typeface="Arial" panose="020B0604020202020204" pitchFamily="34" charset="0"/>
+              </a:rPr>
+              <a:t>Problem</a:t>
+            </a:r>
+            <a:r>
+              <a:rPr lang="sr-Latn-RS" sz="2200" smtClean="0">
+                <a:solidFill>
+                  <a:schemeClr val="bg1"/>
+                </a:solidFill>
+                <a:latin typeface="Arial" panose="020B0604020202020204" pitchFamily="34" charset="0"/>
+                <a:cs typeface="Arial" panose="020B0604020202020204" pitchFamily="34" charset="0"/>
+              </a:rPr>
+              <a:t>i koji se javljaju su</a:t>
+            </a:r>
+            <a:r>
+              <a:rPr lang="en-US" sz="2200" smtClean="0">
+                <a:solidFill>
+                  <a:schemeClr val="bg1"/>
+                </a:solidFill>
+                <a:latin typeface="Arial" panose="020B0604020202020204" pitchFamily="34" charset="0"/>
+                <a:cs typeface="Arial" panose="020B0604020202020204" pitchFamily="34" charset="0"/>
+              </a:rPr>
+              <a:t> br</a:t>
+            </a:r>
+            <a:r>
+              <a:rPr lang="sr-Latn-RS" sz="2200" smtClean="0">
+                <a:solidFill>
+                  <a:schemeClr val="bg1"/>
+                </a:solidFill>
+                <a:latin typeface="Arial" panose="020B0604020202020204" pitchFamily="34" charset="0"/>
+                <a:cs typeface="Arial" panose="020B0604020202020204" pitchFamily="34" charset="0"/>
+              </a:rPr>
+              <a:t>že emitovanje emitera od obrade pretplatnika i inicijalna promena paradigme</a:t>
+            </a:r>
+          </a:p>
+        </p:txBody>
+      </p:sp>
+    </p:spTree>
+    <p:extLst>
+      <p:ext uri="{BB962C8B-B14F-4D97-AF65-F5344CB8AC3E}">
+        <p14:creationId xmlns:p14="http://schemas.microsoft.com/office/powerpoint/2010/main" val="3636505056"/>
+      </p:ext>
+    </p:extLst>
+  </p:cSld>
+  <p:clrMapOvr>
+    <a:masterClrMapping/>
+  </p:clrMapOvr>
+  <p:timing>
+    <p:tnLst>
+      <p:par>
+        <p:cTn id="1" dur="indefinite" restart="never" nodeType="tmRoot"/>
+      </p:par>
+    </p:tnLst>
+  </p:timing>
+</p:sld>
+</file>
+
+<file path=ppt/slides/slide16.xml><?xml version="1.0" encoding="utf-8"?>
+<p:sld xmlns:a="http://schemas.openxmlformats.org/drawingml/2006/main" xmlns:r="http://schemas.openxmlformats.org/officeDocument/2006/relationships" xmlns:p="http://schemas.openxmlformats.org/presentationml/2006/main">
+  <p:cSld>
+    <p:spTree>
+      <p:nvGrpSpPr>
+        <p:cNvPr id="1" name=""/>
+        <p:cNvGrpSpPr/>
+        <p:nvPr/>
+      </p:nvGrpSpPr>
+      <p:grpSpPr>
+        <a:xfrm>
+          <a:off x="0" y="0"/>
+          <a:ext cx="0" cy="0"/>
+          <a:chOff x="0" y="0"/>
+          <a:chExt cx="0" cy="0"/>
+        </a:xfrm>
+      </p:grpSpPr>
+      <p:sp>
+        <p:nvSpPr>
+          <p:cNvPr id="2" name="Title 1"/>
+          <p:cNvSpPr>
+            <a:spLocks noGrp="1"/>
+          </p:cNvSpPr>
+          <p:nvPr>
+            <p:ph type="ctrTitle"/>
+          </p:nvPr>
+        </p:nvSpPr>
+        <p:spPr>
+          <a:xfrm>
+            <a:off x="2533370" y="175054"/>
+            <a:ext cx="7698025" cy="1019432"/>
+          </a:xfrm>
+        </p:spPr>
+        <p:txBody>
+          <a:bodyPr>
+            <a:normAutofit/>
+          </a:bodyPr>
+          <a:lstStyle/>
+          <a:p>
+            <a:pPr algn="ctr"/>
+            <a:r>
+              <a:rPr lang="sr-Latn-RS" sz="4000" cap="none" smtClean="0">
+                <a:solidFill>
+                  <a:schemeClr val="bg1"/>
+                </a:solidFill>
+                <a:latin typeface="Arial" panose="020B0604020202020204" pitchFamily="34" charset="0"/>
+                <a:cs typeface="Arial" panose="020B0604020202020204" pitchFamily="34" charset="0"/>
+              </a:rPr>
+              <a:t>Najčešće korišćeni operatori</a:t>
+            </a:r>
+            <a:endParaRPr lang="en-US" sz="4000" cap="none">
+              <a:solidFill>
+                <a:schemeClr val="bg1"/>
+              </a:solidFill>
+              <a:latin typeface="Arial" panose="020B0604020202020204" pitchFamily="34" charset="0"/>
+              <a:cs typeface="Arial" panose="020B0604020202020204" pitchFamily="34" charset="0"/>
+            </a:endParaRPr>
+          </a:p>
+        </p:txBody>
+      </p:sp>
+      <p:sp>
+        <p:nvSpPr>
+          <p:cNvPr id="5" name="Subtitle 4"/>
+          <p:cNvSpPr>
+            <a:spLocks noGrp="1"/>
+          </p:cNvSpPr>
+          <p:nvPr>
+            <p:ph type="subTitle" idx="1"/>
+          </p:nvPr>
+        </p:nvSpPr>
+        <p:spPr>
+          <a:xfrm>
+            <a:off x="1789377" y="1942012"/>
+            <a:ext cx="9061503" cy="4005942"/>
+          </a:xfrm>
+        </p:spPr>
+        <p:txBody>
+          <a:bodyPr>
+            <a:noAutofit/>
+          </a:bodyPr>
+          <a:lstStyle/>
+          <a:p>
+            <a:pPr marL="342900" indent="-342900">
+              <a:buFont typeface="Arial" panose="020B0604020202020204" pitchFamily="34" charset="0"/>
+              <a:buChar char="•"/>
+            </a:pPr>
+            <a:r>
+              <a:rPr lang="sr-Latn-RS" sz="2000" smtClean="0">
+                <a:solidFill>
+                  <a:schemeClr val="bg1"/>
+                </a:solidFill>
+                <a:latin typeface="Courier New" panose="02070309020205020404" pitchFamily="49" charset="0"/>
+                <a:cs typeface="Courier New" panose="02070309020205020404" pitchFamily="49" charset="0"/>
+              </a:rPr>
+              <a:t>just</a:t>
+            </a:r>
+            <a:r>
+              <a:rPr lang="sr-Latn-RS" sz="2000" b="1" smtClean="0">
+                <a:solidFill>
+                  <a:schemeClr val="bg1"/>
+                </a:solidFill>
+                <a:latin typeface="Courier New" panose="02070309020205020404" pitchFamily="49" charset="0"/>
+                <a:cs typeface="Courier New" panose="02070309020205020404" pitchFamily="49" charset="0"/>
+              </a:rPr>
+              <a:t> </a:t>
+            </a:r>
+            <a:r>
+              <a:rPr lang="sr-Latn-RS" sz="2000">
+                <a:solidFill>
+                  <a:schemeClr val="bg1"/>
+                </a:solidFill>
+                <a:latin typeface="Arial" panose="020B0604020202020204" pitchFamily="34" charset="0"/>
+                <a:cs typeface="Arial" panose="020B0604020202020204" pitchFamily="34" charset="0"/>
+              </a:rPr>
+              <a:t>–</a:t>
+            </a:r>
+            <a:r>
+              <a:rPr lang="sr-Latn-RS" sz="2000" b="1" smtClean="0">
+                <a:solidFill>
+                  <a:schemeClr val="bg1"/>
+                </a:solidFill>
+                <a:latin typeface="Courier New" panose="02070309020205020404" pitchFamily="49" charset="0"/>
+                <a:cs typeface="Courier New" panose="02070309020205020404" pitchFamily="49" charset="0"/>
+              </a:rPr>
+              <a:t> </a:t>
+            </a:r>
+            <a:r>
+              <a:rPr lang="en-US" sz="2000" smtClean="0">
+                <a:solidFill>
+                  <a:schemeClr val="bg1"/>
+                </a:solidFill>
+                <a:latin typeface="Arial" panose="020B0604020202020204" pitchFamily="34" charset="0"/>
+                <a:cs typeface="Arial" panose="020B0604020202020204" pitchFamily="34" charset="0"/>
+              </a:rPr>
+              <a:t>emituje jedan objekat i zavr</a:t>
+            </a:r>
+            <a:r>
+              <a:rPr lang="sr-Latn-RS" sz="2000" smtClean="0">
+                <a:solidFill>
+                  <a:schemeClr val="bg1"/>
+                </a:solidFill>
+                <a:latin typeface="Arial" panose="020B0604020202020204" pitchFamily="34" charset="0"/>
+                <a:cs typeface="Arial" panose="020B0604020202020204" pitchFamily="34" charset="0"/>
+              </a:rPr>
+              <a:t>šava emitovanje</a:t>
+            </a:r>
+            <a:r>
+              <a:rPr lang="en-US" sz="2000" smtClean="0">
+                <a:solidFill>
+                  <a:schemeClr val="bg1"/>
+                </a:solidFill>
+                <a:latin typeface="Courier New" panose="02070309020205020404" pitchFamily="49" charset="0"/>
+                <a:cs typeface="Courier New" panose="02070309020205020404" pitchFamily="49" charset="0"/>
+              </a:rPr>
+              <a:t> </a:t>
+            </a:r>
+            <a:endParaRPr lang="sr-Latn-RS" sz="2000" smtClean="0">
+              <a:solidFill>
+                <a:schemeClr val="bg1"/>
+              </a:solidFill>
+              <a:latin typeface="Courier New" panose="02070309020205020404" pitchFamily="49" charset="0"/>
+              <a:cs typeface="Courier New" panose="02070309020205020404" pitchFamily="49" charset="0"/>
+            </a:endParaRPr>
+          </a:p>
+          <a:p>
+            <a:pPr marL="342900" indent="-342900">
+              <a:buFont typeface="Arial" panose="020B0604020202020204" pitchFamily="34" charset="0"/>
+              <a:buChar char="•"/>
+            </a:pPr>
+            <a:r>
+              <a:rPr lang="sr-Latn-RS" sz="2000" smtClean="0">
+                <a:solidFill>
+                  <a:schemeClr val="bg1"/>
+                </a:solidFill>
+                <a:latin typeface="Courier New" panose="02070309020205020404" pitchFamily="49" charset="0"/>
+                <a:cs typeface="Courier New" panose="02070309020205020404" pitchFamily="49" charset="0"/>
+              </a:rPr>
+              <a:t>map</a:t>
+            </a:r>
+            <a:r>
+              <a:rPr lang="sr-Latn-RS" sz="2000" b="1" smtClean="0">
+                <a:solidFill>
+                  <a:schemeClr val="bg1"/>
+                </a:solidFill>
+                <a:latin typeface="Courier New" panose="02070309020205020404" pitchFamily="49" charset="0"/>
+                <a:cs typeface="Courier New" panose="02070309020205020404" pitchFamily="49" charset="0"/>
+              </a:rPr>
+              <a:t> </a:t>
+            </a:r>
+            <a:r>
+              <a:rPr lang="sr-Latn-RS" sz="2000">
+                <a:solidFill>
+                  <a:schemeClr val="bg1"/>
+                </a:solidFill>
+                <a:latin typeface="Arial" panose="020B0604020202020204" pitchFamily="34" charset="0"/>
+                <a:cs typeface="Arial" panose="020B0604020202020204" pitchFamily="34" charset="0"/>
+              </a:rPr>
+              <a:t>–</a:t>
+            </a:r>
+            <a:r>
+              <a:rPr lang="sr-Latn-RS" sz="2000" b="1">
+                <a:solidFill>
+                  <a:schemeClr val="bg1"/>
+                </a:solidFill>
+                <a:latin typeface="Courier New" panose="02070309020205020404" pitchFamily="49" charset="0"/>
+                <a:cs typeface="Courier New" panose="02070309020205020404" pitchFamily="49" charset="0"/>
+              </a:rPr>
+              <a:t> </a:t>
+            </a:r>
+            <a:r>
+              <a:rPr lang="sr-Latn-RS" sz="2000" smtClean="0">
+                <a:solidFill>
+                  <a:schemeClr val="bg1"/>
+                </a:solidFill>
+                <a:latin typeface="Arial" panose="020B0604020202020204" pitchFamily="34" charset="0"/>
+                <a:cs typeface="Arial" panose="020B0604020202020204" pitchFamily="34" charset="0"/>
+              </a:rPr>
+              <a:t>prihvata emitovane objekte i transformiše ih</a:t>
+            </a:r>
+            <a:r>
+              <a:rPr lang="en-US" sz="2000" smtClean="0">
+                <a:solidFill>
+                  <a:schemeClr val="bg1"/>
+                </a:solidFill>
+                <a:latin typeface="Courier New" panose="02070309020205020404" pitchFamily="49" charset="0"/>
+                <a:cs typeface="Courier New" panose="02070309020205020404" pitchFamily="49" charset="0"/>
+              </a:rPr>
+              <a:t> </a:t>
+            </a:r>
+            <a:endParaRPr lang="sr-Latn-RS" sz="2000" b="1">
+              <a:solidFill>
+                <a:schemeClr val="bg1"/>
+              </a:solidFill>
+              <a:latin typeface="Courier New" panose="02070309020205020404" pitchFamily="49" charset="0"/>
+              <a:cs typeface="Courier New" panose="02070309020205020404" pitchFamily="49" charset="0"/>
+            </a:endParaRPr>
+          </a:p>
+          <a:p>
+            <a:pPr marL="342900" indent="-342900">
+              <a:buFont typeface="Arial" panose="020B0604020202020204" pitchFamily="34" charset="0"/>
+              <a:buChar char="•"/>
+            </a:pPr>
+            <a:r>
+              <a:rPr lang="sr-Latn-RS" sz="2000" smtClean="0">
+                <a:solidFill>
+                  <a:schemeClr val="bg1"/>
+                </a:solidFill>
+                <a:latin typeface="Courier New" panose="02070309020205020404" pitchFamily="49" charset="0"/>
+                <a:cs typeface="Courier New" panose="02070309020205020404" pitchFamily="49" charset="0"/>
+              </a:rPr>
+              <a:t>from</a:t>
+            </a:r>
+            <a:r>
+              <a:rPr lang="sr-Latn-RS" sz="2000" b="1" smtClean="0">
+                <a:solidFill>
+                  <a:schemeClr val="bg1"/>
+                </a:solidFill>
+                <a:latin typeface="Courier New" panose="02070309020205020404" pitchFamily="49" charset="0"/>
+                <a:cs typeface="Courier New" panose="02070309020205020404" pitchFamily="49" charset="0"/>
+              </a:rPr>
+              <a:t> </a:t>
+            </a:r>
+            <a:r>
+              <a:rPr lang="sr-Latn-RS" sz="2000">
+                <a:solidFill>
+                  <a:schemeClr val="bg1"/>
+                </a:solidFill>
+                <a:latin typeface="Arial" panose="020B0604020202020204" pitchFamily="34" charset="0"/>
+                <a:cs typeface="Arial" panose="020B0604020202020204" pitchFamily="34" charset="0"/>
+              </a:rPr>
+              <a:t>–</a:t>
+            </a:r>
+            <a:r>
+              <a:rPr lang="sr-Latn-RS" sz="2000" b="1">
+                <a:solidFill>
+                  <a:schemeClr val="bg1"/>
+                </a:solidFill>
+                <a:latin typeface="Courier New" panose="02070309020205020404" pitchFamily="49" charset="0"/>
+                <a:cs typeface="Courier New" panose="02070309020205020404" pitchFamily="49" charset="0"/>
+              </a:rPr>
+              <a:t> </a:t>
+            </a:r>
+            <a:r>
+              <a:rPr lang="sr-Latn-RS" sz="2000" smtClean="0">
+                <a:solidFill>
+                  <a:schemeClr val="bg1"/>
+                </a:solidFill>
+                <a:latin typeface="Arial" panose="020B0604020202020204" pitchFamily="34" charset="0"/>
+                <a:cs typeface="Arial" panose="020B0604020202020204" pitchFamily="34" charset="0"/>
+              </a:rPr>
+              <a:t>prihvata kolekciju objekata i emituje ih jednog po jednog</a:t>
+            </a:r>
+            <a:endParaRPr lang="sr-Latn-RS" sz="2000" b="1">
+              <a:solidFill>
+                <a:schemeClr val="bg1"/>
+              </a:solidFill>
+              <a:latin typeface="Courier New" panose="02070309020205020404" pitchFamily="49" charset="0"/>
+              <a:cs typeface="Courier New" panose="02070309020205020404" pitchFamily="49" charset="0"/>
+            </a:endParaRPr>
+          </a:p>
+          <a:p>
+            <a:pPr marL="342900" indent="-342900">
+              <a:buFont typeface="Arial" panose="020B0604020202020204" pitchFamily="34" charset="0"/>
+              <a:buChar char="•"/>
+            </a:pPr>
+            <a:r>
+              <a:rPr lang="sr-Latn-RS" sz="2000" smtClean="0">
+                <a:solidFill>
+                  <a:schemeClr val="bg1"/>
+                </a:solidFill>
+                <a:latin typeface="Courier New" panose="02070309020205020404" pitchFamily="49" charset="0"/>
+                <a:cs typeface="Courier New" panose="02070309020205020404" pitchFamily="49" charset="0"/>
+              </a:rPr>
+              <a:t>flatmap</a:t>
+            </a:r>
+            <a:r>
+              <a:rPr lang="sr-Latn-RS" sz="2000" b="1" smtClean="0">
+                <a:solidFill>
+                  <a:schemeClr val="bg1"/>
+                </a:solidFill>
+                <a:latin typeface="Courier New" panose="02070309020205020404" pitchFamily="49" charset="0"/>
+                <a:cs typeface="Courier New" panose="02070309020205020404" pitchFamily="49" charset="0"/>
+              </a:rPr>
+              <a:t> </a:t>
+            </a:r>
+            <a:r>
+              <a:rPr lang="sr-Latn-RS" sz="2000">
+                <a:solidFill>
+                  <a:schemeClr val="bg1"/>
+                </a:solidFill>
+                <a:latin typeface="Arial" panose="020B0604020202020204" pitchFamily="34" charset="0"/>
+                <a:cs typeface="Arial" panose="020B0604020202020204" pitchFamily="34" charset="0"/>
+              </a:rPr>
+              <a:t>–</a:t>
+            </a:r>
+            <a:r>
+              <a:rPr lang="sr-Latn-RS" sz="2000" b="1">
+                <a:solidFill>
+                  <a:schemeClr val="bg1"/>
+                </a:solidFill>
+                <a:latin typeface="Courier New" panose="02070309020205020404" pitchFamily="49" charset="0"/>
+                <a:cs typeface="Courier New" panose="02070309020205020404" pitchFamily="49" charset="0"/>
+              </a:rPr>
+              <a:t> </a:t>
+            </a:r>
+            <a:r>
+              <a:rPr lang="sr-Latn-RS" sz="2000" smtClean="0">
+                <a:solidFill>
+                  <a:schemeClr val="bg1"/>
+                </a:solidFill>
+                <a:latin typeface="Arial" panose="020B0604020202020204" pitchFamily="34" charset="0"/>
+                <a:cs typeface="Arial" panose="020B0604020202020204" pitchFamily="34" charset="0"/>
+              </a:rPr>
+              <a:t>prihvata objekte jednog emitera, transformiše svaki objekat u emitera i spaja u jedno emitovanje</a:t>
+            </a:r>
+          </a:p>
+          <a:p>
+            <a:pPr marL="342900" indent="-342900">
+              <a:buFont typeface="Arial" panose="020B0604020202020204" pitchFamily="34" charset="0"/>
+              <a:buChar char="•"/>
+            </a:pPr>
+            <a:r>
+              <a:rPr lang="sr-Latn-RS" sz="2000" smtClean="0">
+                <a:solidFill>
+                  <a:schemeClr val="bg1"/>
+                </a:solidFill>
+                <a:latin typeface="Courier New" panose="02070309020205020404" pitchFamily="49" charset="0"/>
+                <a:cs typeface="Courier New" panose="02070309020205020404" pitchFamily="49" charset="0"/>
+              </a:rPr>
+              <a:t>filter</a:t>
+            </a:r>
+            <a:r>
+              <a:rPr lang="sr-Latn-RS" sz="2000" b="1" smtClean="0">
+                <a:solidFill>
+                  <a:schemeClr val="bg1"/>
+                </a:solidFill>
+                <a:latin typeface="Courier New" panose="02070309020205020404" pitchFamily="49" charset="0"/>
+                <a:cs typeface="Courier New" panose="02070309020205020404" pitchFamily="49" charset="0"/>
+              </a:rPr>
+              <a:t> </a:t>
+            </a:r>
+            <a:r>
+              <a:rPr lang="sr-Latn-RS" sz="2000">
+                <a:solidFill>
+                  <a:schemeClr val="bg1"/>
+                </a:solidFill>
+                <a:latin typeface="Arial" panose="020B0604020202020204" pitchFamily="34" charset="0"/>
+                <a:cs typeface="Arial" panose="020B0604020202020204" pitchFamily="34" charset="0"/>
+              </a:rPr>
+              <a:t>–</a:t>
+            </a:r>
+            <a:r>
+              <a:rPr lang="sr-Latn-RS" sz="2000" b="1">
+                <a:solidFill>
+                  <a:schemeClr val="bg1"/>
+                </a:solidFill>
+                <a:latin typeface="Courier New" panose="02070309020205020404" pitchFamily="49" charset="0"/>
+                <a:cs typeface="Courier New" panose="02070309020205020404" pitchFamily="49" charset="0"/>
+              </a:rPr>
+              <a:t> </a:t>
+            </a:r>
+            <a:r>
+              <a:rPr lang="sr-Latn-RS" sz="2000" smtClean="0">
+                <a:solidFill>
+                  <a:schemeClr val="bg1"/>
+                </a:solidFill>
+                <a:latin typeface="Arial" panose="020B0604020202020204" pitchFamily="34" charset="0"/>
+                <a:cs typeface="Arial" panose="020B0604020202020204" pitchFamily="34" charset="0"/>
+              </a:rPr>
+              <a:t>filtriranje objekata po logičkom uslovu</a:t>
+            </a:r>
+            <a:endParaRPr lang="sr-Latn-RS" sz="2000" b="1">
+              <a:solidFill>
+                <a:schemeClr val="bg1"/>
+              </a:solidFill>
+              <a:latin typeface="Courier New" panose="02070309020205020404" pitchFamily="49" charset="0"/>
+              <a:cs typeface="Courier New" panose="02070309020205020404" pitchFamily="49" charset="0"/>
+            </a:endParaRPr>
+          </a:p>
+          <a:p>
+            <a:pPr marL="342900" indent="-342900">
+              <a:buFont typeface="Arial" panose="020B0604020202020204" pitchFamily="34" charset="0"/>
+              <a:buChar char="•"/>
+            </a:pPr>
+            <a:r>
+              <a:rPr lang="sr-Latn-RS" sz="2000" smtClean="0">
+                <a:solidFill>
+                  <a:schemeClr val="bg1"/>
+                </a:solidFill>
+                <a:latin typeface="Courier New" panose="02070309020205020404" pitchFamily="49" charset="0"/>
+                <a:cs typeface="Courier New" panose="02070309020205020404" pitchFamily="49" charset="0"/>
+              </a:rPr>
+              <a:t>take </a:t>
+            </a:r>
+            <a:r>
+              <a:rPr lang="sr-Latn-RS" sz="2000" smtClean="0">
+                <a:solidFill>
+                  <a:schemeClr val="bg1"/>
+                </a:solidFill>
+                <a:latin typeface="Arial" panose="020B0604020202020204" pitchFamily="34" charset="0"/>
+                <a:cs typeface="Arial" panose="020B0604020202020204" pitchFamily="34" charset="0"/>
+              </a:rPr>
+              <a:t>–</a:t>
+            </a:r>
+            <a:r>
+              <a:rPr lang="sr-Latn-RS" sz="2000" b="1" smtClean="0">
+                <a:solidFill>
+                  <a:schemeClr val="bg1"/>
+                </a:solidFill>
+                <a:latin typeface="Courier New" panose="02070309020205020404" pitchFamily="49" charset="0"/>
+                <a:cs typeface="Courier New" panose="02070309020205020404" pitchFamily="49" charset="0"/>
+              </a:rPr>
+              <a:t> </a:t>
+            </a:r>
+            <a:r>
+              <a:rPr lang="en-US" sz="2000" smtClean="0">
+                <a:solidFill>
+                  <a:schemeClr val="bg1"/>
+                </a:solidFill>
+                <a:latin typeface="Arial" panose="020B0604020202020204" pitchFamily="34" charset="0"/>
+                <a:cs typeface="Arial" panose="020B0604020202020204" pitchFamily="34" charset="0"/>
+              </a:rPr>
+              <a:t>emituje</a:t>
+            </a:r>
+            <a:r>
+              <a:rPr lang="sr-Latn-RS" sz="2000">
+                <a:solidFill>
+                  <a:schemeClr val="bg1"/>
+                </a:solidFill>
+                <a:latin typeface="Arial" panose="020B0604020202020204" pitchFamily="34" charset="0"/>
+                <a:cs typeface="Arial" panose="020B0604020202020204" pitchFamily="34" charset="0"/>
+              </a:rPr>
+              <a:t> </a:t>
+            </a:r>
+            <a:r>
+              <a:rPr lang="sr-Latn-RS" sz="2000" smtClean="0">
+                <a:solidFill>
+                  <a:schemeClr val="bg1"/>
+                </a:solidFill>
+                <a:latin typeface="Arial" panose="020B0604020202020204" pitchFamily="34" charset="0"/>
+                <a:cs typeface="Arial" panose="020B0604020202020204" pitchFamily="34" charset="0"/>
+              </a:rPr>
+              <a:t>najviše onoliko objekata koliko je navedeno</a:t>
+            </a:r>
+            <a:r>
+              <a:rPr lang="en-US" sz="2000" smtClean="0">
+                <a:solidFill>
+                  <a:schemeClr val="bg1"/>
+                </a:solidFill>
+                <a:latin typeface="Courier New" panose="02070309020205020404" pitchFamily="49" charset="0"/>
+                <a:cs typeface="Courier New" panose="02070309020205020404" pitchFamily="49" charset="0"/>
+              </a:rPr>
+              <a:t> </a:t>
+            </a:r>
+            <a:endParaRPr lang="sr-Latn-RS" sz="2000" b="1">
+              <a:solidFill>
+                <a:schemeClr val="bg1"/>
+              </a:solidFill>
+              <a:latin typeface="Courier New" panose="02070309020205020404" pitchFamily="49" charset="0"/>
+              <a:cs typeface="Courier New" panose="02070309020205020404" pitchFamily="49" charset="0"/>
+            </a:endParaRPr>
+          </a:p>
+          <a:p>
+            <a:pPr marL="342900" indent="-342900">
+              <a:buFont typeface="Arial" panose="020B0604020202020204" pitchFamily="34" charset="0"/>
+              <a:buChar char="•"/>
+            </a:pPr>
+            <a:endParaRPr lang="sr-Latn-RS" sz="2000" b="1">
+              <a:solidFill>
+                <a:schemeClr val="bg1"/>
+              </a:solidFill>
+              <a:latin typeface="Courier New" panose="02070309020205020404" pitchFamily="49" charset="0"/>
+              <a:cs typeface="Courier New" panose="02070309020205020404" pitchFamily="49" charset="0"/>
+            </a:endParaRPr>
+          </a:p>
+          <a:p>
+            <a:pPr marL="342900" indent="-342900">
+              <a:buFont typeface="Arial" panose="020B0604020202020204" pitchFamily="34" charset="0"/>
+              <a:buChar char="•"/>
+            </a:pPr>
+            <a:endParaRPr lang="sr-Latn-RS" sz="2000" b="1" smtClean="0">
+              <a:solidFill>
+                <a:schemeClr val="bg1"/>
+              </a:solidFill>
+              <a:latin typeface="Courier New" panose="02070309020205020404" pitchFamily="49" charset="0"/>
+              <a:cs typeface="Courier New" panose="02070309020205020404" pitchFamily="49" charset="0"/>
+            </a:endParaRPr>
+          </a:p>
+        </p:txBody>
+      </p:sp>
+    </p:spTree>
+    <p:extLst>
+      <p:ext uri="{BB962C8B-B14F-4D97-AF65-F5344CB8AC3E}">
+        <p14:creationId xmlns:p14="http://schemas.microsoft.com/office/powerpoint/2010/main" val="1675870024"/>
+      </p:ext>
+    </p:extLst>
+  </p:cSld>
+  <p:clrMapOvr>
+    <a:masterClrMapping/>
+  </p:clrMapOvr>
+  <p:timing>
+    <p:tnLst>
+      <p:par>
+        <p:cTn id="1" dur="indefinite" restart="never" nodeType="tmRoot"/>
+      </p:par>
+    </p:tnLst>
+  </p:timing>
+</p:sld>
+</file>
+
+<file path=ppt/slides/slide17.xml><?xml version="1.0" encoding="utf-8"?>
+<p:sld xmlns:a="http://schemas.openxmlformats.org/drawingml/2006/main" xmlns:r="http://schemas.openxmlformats.org/officeDocument/2006/relationships" xmlns:p="http://schemas.openxmlformats.org/presentationml/2006/main">
+  <p:cSld>
+    <p:spTree>
+      <p:nvGrpSpPr>
+        <p:cNvPr id="1" name=""/>
+        <p:cNvGrpSpPr/>
+        <p:nvPr/>
+      </p:nvGrpSpPr>
+      <p:grpSpPr>
+        <a:xfrm>
+          <a:off x="0" y="0"/>
+          <a:ext cx="0" cy="0"/>
+          <a:chOff x="0" y="0"/>
+          <a:chExt cx="0" cy="0"/>
+        </a:xfrm>
+      </p:grpSpPr>
+      <p:sp>
+        <p:nvSpPr>
+          <p:cNvPr id="2" name="Title 1"/>
+          <p:cNvSpPr>
+            <a:spLocks noGrp="1"/>
+          </p:cNvSpPr>
+          <p:nvPr>
+            <p:ph type="ctrTitle"/>
+          </p:nvPr>
+        </p:nvSpPr>
+        <p:spPr>
+          <a:xfrm>
+            <a:off x="2533370" y="175054"/>
+            <a:ext cx="7698025" cy="1019432"/>
+          </a:xfrm>
+        </p:spPr>
+        <p:txBody>
+          <a:bodyPr>
+            <a:normAutofit/>
+          </a:bodyPr>
+          <a:lstStyle/>
+          <a:p>
+            <a:pPr algn="ctr"/>
+            <a:r>
+              <a:rPr lang="sr-Latn-RS" sz="4000" cap="none" smtClean="0">
+                <a:solidFill>
+                  <a:schemeClr val="bg1"/>
+                </a:solidFill>
+                <a:latin typeface="Arial" panose="020B0604020202020204" pitchFamily="34" charset="0"/>
+                <a:cs typeface="Arial" panose="020B0604020202020204" pitchFamily="34" charset="0"/>
+              </a:rPr>
+              <a:t>Primer</a:t>
+            </a:r>
+            <a:endParaRPr lang="en-US" sz="4000" cap="none">
+              <a:solidFill>
+                <a:schemeClr val="bg1"/>
+              </a:solidFill>
+              <a:latin typeface="Arial" panose="020B0604020202020204" pitchFamily="34" charset="0"/>
+              <a:cs typeface="Arial" panose="020B0604020202020204" pitchFamily="34" charset="0"/>
+            </a:endParaRPr>
+          </a:p>
+        </p:txBody>
+      </p:sp>
+      <p:sp>
+        <p:nvSpPr>
+          <p:cNvPr id="5" name="Subtitle 4"/>
+          <p:cNvSpPr>
+            <a:spLocks noGrp="1"/>
+          </p:cNvSpPr>
+          <p:nvPr>
+            <p:ph type="subTitle" idx="1"/>
+          </p:nvPr>
+        </p:nvSpPr>
+        <p:spPr>
+          <a:xfrm>
+            <a:off x="1860679" y="1880316"/>
+            <a:ext cx="9043405" cy="4106275"/>
+          </a:xfrm>
+        </p:spPr>
+        <p:txBody>
+          <a:bodyPr>
+            <a:noAutofit/>
+          </a:bodyPr>
+          <a:lstStyle/>
+          <a:p>
+            <a:r>
+              <a:rPr lang="en-US" sz="2000">
+                <a:solidFill>
+                  <a:schemeClr val="bg1"/>
+                </a:solidFill>
+                <a:latin typeface="Courier New" panose="02070309020205020404" pitchFamily="49" charset="0"/>
+                <a:cs typeface="Courier New" panose="02070309020205020404" pitchFamily="49" charset="0"/>
+              </a:rPr>
+              <a:t>Observable</a:t>
+            </a:r>
+            <a:r>
+              <a:rPr lang="en-US" sz="2000" b="1">
+                <a:solidFill>
+                  <a:schemeClr val="bg1"/>
+                </a:solidFill>
+                <a:latin typeface="Courier New" panose="02070309020205020404" pitchFamily="49" charset="0"/>
+                <a:cs typeface="Courier New" panose="02070309020205020404" pitchFamily="49" charset="0"/>
+              </a:rPr>
+              <a:t>.</a:t>
+            </a:r>
+            <a:r>
+              <a:rPr lang="en-US" sz="2000">
+                <a:solidFill>
+                  <a:schemeClr val="bg1"/>
+                </a:solidFill>
+                <a:latin typeface="Courier New" panose="02070309020205020404" pitchFamily="49" charset="0"/>
+                <a:cs typeface="Courier New" panose="02070309020205020404" pitchFamily="49" charset="0"/>
+              </a:rPr>
+              <a:t>create</a:t>
+            </a:r>
+            <a:r>
+              <a:rPr lang="en-US" sz="2000" b="1">
+                <a:solidFill>
+                  <a:schemeClr val="bg1"/>
+                </a:solidFill>
+                <a:latin typeface="Courier New" panose="02070309020205020404" pitchFamily="49" charset="0"/>
+                <a:cs typeface="Courier New" panose="02070309020205020404" pitchFamily="49" charset="0"/>
+              </a:rPr>
+              <a:t>((</a:t>
+            </a:r>
+            <a:r>
+              <a:rPr lang="en-US" sz="2000">
+                <a:solidFill>
+                  <a:schemeClr val="bg1"/>
+                </a:solidFill>
+                <a:latin typeface="Courier New" panose="02070309020205020404" pitchFamily="49" charset="0"/>
+                <a:cs typeface="Courier New" panose="02070309020205020404" pitchFamily="49" charset="0"/>
+              </a:rPr>
+              <a:t>Observable</a:t>
+            </a:r>
+            <a:r>
+              <a:rPr lang="en-US" sz="2000" b="1">
+                <a:solidFill>
+                  <a:schemeClr val="bg1"/>
+                </a:solidFill>
+                <a:latin typeface="Courier New" panose="02070309020205020404" pitchFamily="49" charset="0"/>
+                <a:cs typeface="Courier New" panose="02070309020205020404" pitchFamily="49" charset="0"/>
+              </a:rPr>
+              <a:t>.</a:t>
+            </a:r>
+            <a:r>
+              <a:rPr lang="en-US" sz="2000">
+                <a:solidFill>
+                  <a:schemeClr val="bg1"/>
+                </a:solidFill>
+                <a:latin typeface="Courier New" panose="02070309020205020404" pitchFamily="49" charset="0"/>
+                <a:cs typeface="Courier New" panose="02070309020205020404" pitchFamily="49" charset="0"/>
+              </a:rPr>
+              <a:t>OnSubscribe</a:t>
+            </a:r>
+            <a:r>
+              <a:rPr lang="en-US" sz="2000" b="1">
+                <a:solidFill>
+                  <a:schemeClr val="bg1"/>
+                </a:solidFill>
+                <a:latin typeface="Courier New" panose="02070309020205020404" pitchFamily="49" charset="0"/>
+                <a:cs typeface="Courier New" panose="02070309020205020404" pitchFamily="49" charset="0"/>
+              </a:rPr>
+              <a:t>&lt;</a:t>
+            </a:r>
+            <a:r>
+              <a:rPr lang="en-US" sz="2000">
+                <a:solidFill>
+                  <a:schemeClr val="bg1"/>
+                </a:solidFill>
+                <a:latin typeface="Courier New" panose="02070309020205020404" pitchFamily="49" charset="0"/>
+                <a:cs typeface="Courier New" panose="02070309020205020404" pitchFamily="49" charset="0"/>
+              </a:rPr>
+              <a:t>List</a:t>
+            </a:r>
+            <a:r>
+              <a:rPr lang="en-US" sz="2000" b="1">
+                <a:solidFill>
+                  <a:schemeClr val="bg1"/>
+                </a:solidFill>
+                <a:latin typeface="Courier New" panose="02070309020205020404" pitchFamily="49" charset="0"/>
+                <a:cs typeface="Courier New" panose="02070309020205020404" pitchFamily="49" charset="0"/>
+              </a:rPr>
+              <a:t>&lt;</a:t>
+            </a:r>
+            <a:r>
+              <a:rPr lang="en-US" sz="2000">
+                <a:solidFill>
+                  <a:schemeClr val="bg1"/>
+                </a:solidFill>
+                <a:latin typeface="Courier New" panose="02070309020205020404" pitchFamily="49" charset="0"/>
+                <a:cs typeface="Courier New" panose="02070309020205020404" pitchFamily="49" charset="0"/>
+              </a:rPr>
+              <a:t>Movie</a:t>
+            </a:r>
+            <a:r>
+              <a:rPr lang="en-US" sz="2000" b="1" smtClean="0">
+                <a:solidFill>
+                  <a:schemeClr val="bg1"/>
+                </a:solidFill>
+                <a:latin typeface="Courier New" panose="02070309020205020404" pitchFamily="49" charset="0"/>
+                <a:cs typeface="Courier New" panose="02070309020205020404" pitchFamily="49" charset="0"/>
+              </a:rPr>
+              <a:t>&gt;&gt;)</a:t>
+            </a:r>
+            <a:endParaRPr lang="sr-Latn-RS" sz="2000" b="1">
+              <a:solidFill>
+                <a:schemeClr val="bg1"/>
+              </a:solidFill>
+              <a:latin typeface="Courier New" panose="02070309020205020404" pitchFamily="49" charset="0"/>
+              <a:cs typeface="Courier New" panose="02070309020205020404" pitchFamily="49" charset="0"/>
+            </a:endParaRPr>
+          </a:p>
+          <a:p>
+            <a:pPr algn="ctr"/>
+            <a:r>
+              <a:rPr lang="en-US" sz="2000" b="1" smtClean="0">
+                <a:solidFill>
+                  <a:schemeClr val="bg1"/>
+                </a:solidFill>
+                <a:latin typeface="Courier New" panose="02070309020205020404" pitchFamily="49" charset="0"/>
+                <a:cs typeface="Courier New" panose="02070309020205020404" pitchFamily="49" charset="0"/>
+              </a:rPr>
+              <a:t>this</a:t>
+            </a:r>
+            <a:r>
+              <a:rPr lang="en-US" sz="2000" b="1">
+                <a:solidFill>
+                  <a:schemeClr val="bg1"/>
+                </a:solidFill>
+                <a:latin typeface="Courier New" panose="02070309020205020404" pitchFamily="49" charset="0"/>
+                <a:cs typeface="Courier New" panose="02070309020205020404" pitchFamily="49" charset="0"/>
+              </a:rPr>
+              <a:t>::</a:t>
+            </a:r>
+            <a:r>
+              <a:rPr lang="en-US" sz="2000">
+                <a:solidFill>
+                  <a:schemeClr val="bg1"/>
+                </a:solidFill>
+                <a:latin typeface="Courier New" panose="02070309020205020404" pitchFamily="49" charset="0"/>
+                <a:cs typeface="Courier New" panose="02070309020205020404" pitchFamily="49" charset="0"/>
+              </a:rPr>
+              <a:t>getMovies</a:t>
+            </a:r>
+            <a:r>
+              <a:rPr lang="en-US" sz="2000" b="1">
+                <a:solidFill>
+                  <a:schemeClr val="bg1"/>
+                </a:solidFill>
+                <a:latin typeface="Courier New" panose="02070309020205020404" pitchFamily="49" charset="0"/>
+                <a:cs typeface="Courier New" panose="02070309020205020404" pitchFamily="49" charset="0"/>
+              </a:rPr>
+              <a:t>) </a:t>
+            </a:r>
+            <a:endParaRPr lang="en-US" sz="2000">
+              <a:solidFill>
+                <a:schemeClr val="bg1"/>
+              </a:solidFill>
+              <a:latin typeface="Courier New" panose="02070309020205020404" pitchFamily="49" charset="0"/>
+              <a:cs typeface="Courier New" panose="02070309020205020404" pitchFamily="49" charset="0"/>
+            </a:endParaRPr>
+          </a:p>
+          <a:p>
+            <a:r>
+              <a:rPr lang="en-US" sz="2000" b="1">
+                <a:solidFill>
+                  <a:schemeClr val="bg1"/>
+                </a:solidFill>
+                <a:latin typeface="Courier New" panose="02070309020205020404" pitchFamily="49" charset="0"/>
+                <a:cs typeface="Courier New" panose="02070309020205020404" pitchFamily="49" charset="0"/>
+              </a:rPr>
+              <a:t>.</a:t>
+            </a:r>
+            <a:r>
+              <a:rPr lang="en-US" sz="2000">
+                <a:solidFill>
+                  <a:schemeClr val="bg1"/>
+                </a:solidFill>
+                <a:latin typeface="Courier New" panose="02070309020205020404" pitchFamily="49" charset="0"/>
+                <a:cs typeface="Courier New" panose="02070309020205020404" pitchFamily="49" charset="0"/>
+              </a:rPr>
+              <a:t>flatMap</a:t>
+            </a:r>
+            <a:r>
+              <a:rPr lang="en-US" sz="2000" b="1">
+                <a:solidFill>
+                  <a:schemeClr val="bg1"/>
+                </a:solidFill>
+                <a:latin typeface="Courier New" panose="02070309020205020404" pitchFamily="49" charset="0"/>
+                <a:cs typeface="Courier New" panose="02070309020205020404" pitchFamily="49" charset="0"/>
+              </a:rPr>
+              <a:t>(</a:t>
+            </a:r>
+            <a:r>
+              <a:rPr lang="en-US" sz="2000">
+                <a:solidFill>
+                  <a:schemeClr val="bg1"/>
+                </a:solidFill>
+                <a:latin typeface="Courier New" panose="02070309020205020404" pitchFamily="49" charset="0"/>
+                <a:cs typeface="Courier New" panose="02070309020205020404" pitchFamily="49" charset="0"/>
+              </a:rPr>
+              <a:t>Observable</a:t>
+            </a:r>
+            <a:r>
+              <a:rPr lang="en-US" sz="2000" b="1">
+                <a:solidFill>
+                  <a:schemeClr val="bg1"/>
+                </a:solidFill>
+                <a:latin typeface="Courier New" panose="02070309020205020404" pitchFamily="49" charset="0"/>
+                <a:cs typeface="Courier New" panose="02070309020205020404" pitchFamily="49" charset="0"/>
+              </a:rPr>
+              <a:t>::</a:t>
+            </a:r>
+            <a:r>
+              <a:rPr lang="en-US" sz="2000">
+                <a:solidFill>
+                  <a:schemeClr val="bg1"/>
+                </a:solidFill>
+                <a:latin typeface="Courier New" panose="02070309020205020404" pitchFamily="49" charset="0"/>
+                <a:cs typeface="Courier New" panose="02070309020205020404" pitchFamily="49" charset="0"/>
+              </a:rPr>
+              <a:t>from</a:t>
+            </a:r>
+            <a:r>
+              <a:rPr lang="en-US" sz="2000" b="1">
+                <a:solidFill>
+                  <a:schemeClr val="bg1"/>
+                </a:solidFill>
+                <a:latin typeface="Courier New" panose="02070309020205020404" pitchFamily="49" charset="0"/>
+                <a:cs typeface="Courier New" panose="02070309020205020404" pitchFamily="49" charset="0"/>
+              </a:rPr>
+              <a:t>) </a:t>
+            </a:r>
+            <a:endParaRPr lang="en-US" sz="2000">
+              <a:solidFill>
+                <a:schemeClr val="bg1"/>
+              </a:solidFill>
+              <a:latin typeface="Courier New" panose="02070309020205020404" pitchFamily="49" charset="0"/>
+              <a:cs typeface="Courier New" panose="02070309020205020404" pitchFamily="49" charset="0"/>
+            </a:endParaRPr>
+          </a:p>
+          <a:p>
+            <a:r>
+              <a:rPr lang="en-US" sz="2000" b="1">
+                <a:solidFill>
+                  <a:schemeClr val="bg1"/>
+                </a:solidFill>
+                <a:latin typeface="Courier New" panose="02070309020205020404" pitchFamily="49" charset="0"/>
+                <a:cs typeface="Courier New" panose="02070309020205020404" pitchFamily="49" charset="0"/>
+              </a:rPr>
+              <a:t>.</a:t>
+            </a:r>
+            <a:r>
+              <a:rPr lang="en-US" sz="2000">
+                <a:solidFill>
+                  <a:schemeClr val="bg1"/>
+                </a:solidFill>
+                <a:latin typeface="Courier New" panose="02070309020205020404" pitchFamily="49" charset="0"/>
+                <a:cs typeface="Courier New" panose="02070309020205020404" pitchFamily="49" charset="0"/>
+              </a:rPr>
+              <a:t>map</a:t>
+            </a:r>
+            <a:r>
+              <a:rPr lang="en-US" sz="2000" b="1">
+                <a:solidFill>
+                  <a:schemeClr val="bg1"/>
+                </a:solidFill>
+                <a:latin typeface="Courier New" panose="02070309020205020404" pitchFamily="49" charset="0"/>
+                <a:cs typeface="Courier New" panose="02070309020205020404" pitchFamily="49" charset="0"/>
+              </a:rPr>
+              <a:t>(</a:t>
+            </a:r>
+            <a:r>
+              <a:rPr lang="en-US" sz="2000">
+                <a:solidFill>
+                  <a:schemeClr val="bg1"/>
+                </a:solidFill>
+                <a:latin typeface="Courier New" panose="02070309020205020404" pitchFamily="49" charset="0"/>
+                <a:cs typeface="Courier New" panose="02070309020205020404" pitchFamily="49" charset="0"/>
+              </a:rPr>
+              <a:t>movie </a:t>
+            </a:r>
+            <a:r>
+              <a:rPr lang="en-US" sz="2000" b="1">
+                <a:solidFill>
+                  <a:schemeClr val="bg1"/>
+                </a:solidFill>
+                <a:latin typeface="Courier New" panose="02070309020205020404" pitchFamily="49" charset="0"/>
+                <a:cs typeface="Courier New" panose="02070309020205020404" pitchFamily="49" charset="0"/>
+              </a:rPr>
+              <a:t>-&gt; </a:t>
+            </a:r>
+            <a:r>
+              <a:rPr lang="en-US" sz="2000">
+                <a:solidFill>
+                  <a:schemeClr val="bg1"/>
+                </a:solidFill>
+                <a:latin typeface="Courier New" panose="02070309020205020404" pitchFamily="49" charset="0"/>
+                <a:cs typeface="Courier New" panose="02070309020205020404" pitchFamily="49" charset="0"/>
+              </a:rPr>
+              <a:t>apiServiceWrapper</a:t>
+            </a:r>
+            <a:r>
+              <a:rPr lang="en-US" sz="2000" b="1">
+                <a:solidFill>
+                  <a:schemeClr val="bg1"/>
+                </a:solidFill>
+                <a:latin typeface="Courier New" panose="02070309020205020404" pitchFamily="49" charset="0"/>
+                <a:cs typeface="Courier New" panose="02070309020205020404" pitchFamily="49" charset="0"/>
+              </a:rPr>
+              <a:t>.</a:t>
+            </a:r>
+            <a:r>
+              <a:rPr lang="en-US" sz="2000">
+                <a:solidFill>
+                  <a:schemeClr val="bg1"/>
+                </a:solidFill>
+                <a:latin typeface="Courier New" panose="02070309020205020404" pitchFamily="49" charset="0"/>
+                <a:cs typeface="Courier New" panose="02070309020205020404" pitchFamily="49" charset="0"/>
+              </a:rPr>
+              <a:t>getPoster</a:t>
+            </a:r>
+            <a:r>
+              <a:rPr lang="en-US" sz="2000" b="1">
+                <a:solidFill>
+                  <a:schemeClr val="bg1"/>
+                </a:solidFill>
+                <a:latin typeface="Courier New" panose="02070309020205020404" pitchFamily="49" charset="0"/>
+                <a:cs typeface="Courier New" panose="02070309020205020404" pitchFamily="49" charset="0"/>
+              </a:rPr>
+              <a:t>(</a:t>
+            </a:r>
+            <a:r>
+              <a:rPr lang="en-US" sz="2000">
+                <a:solidFill>
+                  <a:schemeClr val="bg1"/>
+                </a:solidFill>
+                <a:latin typeface="Courier New" panose="02070309020205020404" pitchFamily="49" charset="0"/>
+                <a:cs typeface="Courier New" panose="02070309020205020404" pitchFamily="49" charset="0"/>
+              </a:rPr>
+              <a:t>movie</a:t>
+            </a:r>
+            <a:r>
+              <a:rPr lang="en-US" sz="2000" b="1">
+                <a:solidFill>
+                  <a:schemeClr val="bg1"/>
+                </a:solidFill>
+                <a:latin typeface="Courier New" panose="02070309020205020404" pitchFamily="49" charset="0"/>
+                <a:cs typeface="Courier New" panose="02070309020205020404" pitchFamily="49" charset="0"/>
+              </a:rPr>
+              <a:t>)) </a:t>
+            </a:r>
+            <a:endParaRPr lang="en-US" sz="2000">
+              <a:solidFill>
+                <a:schemeClr val="bg1"/>
+              </a:solidFill>
+              <a:latin typeface="Courier New" panose="02070309020205020404" pitchFamily="49" charset="0"/>
+              <a:cs typeface="Courier New" panose="02070309020205020404" pitchFamily="49" charset="0"/>
+            </a:endParaRPr>
+          </a:p>
+          <a:p>
+            <a:r>
+              <a:rPr lang="en-US" sz="2000" b="1">
+                <a:solidFill>
+                  <a:schemeClr val="bg1"/>
+                </a:solidFill>
+                <a:latin typeface="Courier New" panose="02070309020205020404" pitchFamily="49" charset="0"/>
+                <a:cs typeface="Courier New" panose="02070309020205020404" pitchFamily="49" charset="0"/>
+              </a:rPr>
+              <a:t>.</a:t>
+            </a:r>
+            <a:r>
+              <a:rPr lang="en-US" sz="2000">
+                <a:solidFill>
+                  <a:schemeClr val="bg1"/>
+                </a:solidFill>
+                <a:latin typeface="Courier New" panose="02070309020205020404" pitchFamily="49" charset="0"/>
+                <a:cs typeface="Courier New" panose="02070309020205020404" pitchFamily="49" charset="0"/>
+              </a:rPr>
+              <a:t>toList</a:t>
+            </a:r>
+            <a:r>
+              <a:rPr lang="en-US" sz="2000" b="1">
+                <a:solidFill>
+                  <a:schemeClr val="bg1"/>
+                </a:solidFill>
+                <a:latin typeface="Courier New" panose="02070309020205020404" pitchFamily="49" charset="0"/>
+                <a:cs typeface="Courier New" panose="02070309020205020404" pitchFamily="49" charset="0"/>
+              </a:rPr>
+              <a:t>() </a:t>
+            </a:r>
+            <a:endParaRPr lang="en-US" sz="2000">
+              <a:solidFill>
+                <a:schemeClr val="bg1"/>
+              </a:solidFill>
+              <a:latin typeface="Courier New" panose="02070309020205020404" pitchFamily="49" charset="0"/>
+              <a:cs typeface="Courier New" panose="02070309020205020404" pitchFamily="49" charset="0"/>
+            </a:endParaRPr>
+          </a:p>
+          <a:p>
+            <a:r>
+              <a:rPr lang="en-US" sz="2000" b="1">
+                <a:solidFill>
+                  <a:schemeClr val="bg1"/>
+                </a:solidFill>
+                <a:latin typeface="Courier New" panose="02070309020205020404" pitchFamily="49" charset="0"/>
+                <a:cs typeface="Courier New" panose="02070309020205020404" pitchFamily="49" charset="0"/>
+              </a:rPr>
+              <a:t>.</a:t>
+            </a:r>
+            <a:r>
+              <a:rPr lang="en-US" sz="2000">
+                <a:solidFill>
+                  <a:schemeClr val="bg1"/>
+                </a:solidFill>
+                <a:latin typeface="Courier New" panose="02070309020205020404" pitchFamily="49" charset="0"/>
+                <a:cs typeface="Courier New" panose="02070309020205020404" pitchFamily="49" charset="0"/>
+              </a:rPr>
+              <a:t>doOnNext</a:t>
+            </a:r>
+            <a:r>
+              <a:rPr lang="en-US" sz="2000" b="1">
+                <a:solidFill>
+                  <a:schemeClr val="bg1"/>
+                </a:solidFill>
+                <a:latin typeface="Courier New" panose="02070309020205020404" pitchFamily="49" charset="0"/>
+                <a:cs typeface="Courier New" panose="02070309020205020404" pitchFamily="49" charset="0"/>
+              </a:rPr>
+              <a:t>(</a:t>
+            </a:r>
+            <a:r>
+              <a:rPr lang="en-US" sz="2000">
+                <a:solidFill>
+                  <a:schemeClr val="bg1"/>
+                </a:solidFill>
+                <a:latin typeface="Courier New" panose="02070309020205020404" pitchFamily="49" charset="0"/>
+                <a:cs typeface="Courier New" panose="02070309020205020404" pitchFamily="49" charset="0"/>
+              </a:rPr>
+              <a:t>movies </a:t>
+            </a:r>
+            <a:r>
+              <a:rPr lang="en-US" sz="2000" b="1">
+                <a:solidFill>
+                  <a:schemeClr val="bg1"/>
+                </a:solidFill>
+                <a:latin typeface="Courier New" panose="02070309020205020404" pitchFamily="49" charset="0"/>
+                <a:cs typeface="Courier New" panose="02070309020205020404" pitchFamily="49" charset="0"/>
+              </a:rPr>
+              <a:t>-&gt; </a:t>
+            </a:r>
+            <a:r>
+              <a:rPr lang="en-US" sz="2000">
+                <a:solidFill>
+                  <a:schemeClr val="bg1"/>
+                </a:solidFill>
+                <a:latin typeface="Courier New" panose="02070309020205020404" pitchFamily="49" charset="0"/>
+                <a:cs typeface="Courier New" panose="02070309020205020404" pitchFamily="49" charset="0"/>
+              </a:rPr>
+              <a:t>cacheMovies</a:t>
+            </a:r>
+            <a:r>
+              <a:rPr lang="en-US" sz="2000" b="1">
+                <a:solidFill>
+                  <a:schemeClr val="bg1"/>
+                </a:solidFill>
+                <a:latin typeface="Courier New" panose="02070309020205020404" pitchFamily="49" charset="0"/>
+                <a:cs typeface="Courier New" panose="02070309020205020404" pitchFamily="49" charset="0"/>
+              </a:rPr>
+              <a:t>(</a:t>
+            </a:r>
+            <a:r>
+              <a:rPr lang="en-US" sz="2000">
+                <a:solidFill>
+                  <a:schemeClr val="bg1"/>
+                </a:solidFill>
+                <a:latin typeface="Courier New" panose="02070309020205020404" pitchFamily="49" charset="0"/>
+                <a:cs typeface="Courier New" panose="02070309020205020404" pitchFamily="49" charset="0"/>
+              </a:rPr>
+              <a:t>movies</a:t>
+            </a:r>
+            <a:r>
+              <a:rPr lang="en-US" sz="2000" b="1">
+                <a:solidFill>
+                  <a:schemeClr val="bg1"/>
+                </a:solidFill>
+                <a:latin typeface="Courier New" panose="02070309020205020404" pitchFamily="49" charset="0"/>
+                <a:cs typeface="Courier New" panose="02070309020205020404" pitchFamily="49" charset="0"/>
+              </a:rPr>
+              <a:t>)) </a:t>
+            </a:r>
+            <a:endParaRPr lang="en-US" sz="2000">
+              <a:solidFill>
+                <a:schemeClr val="bg1"/>
+              </a:solidFill>
+              <a:latin typeface="Courier New" panose="02070309020205020404" pitchFamily="49" charset="0"/>
+              <a:cs typeface="Courier New" panose="02070309020205020404" pitchFamily="49" charset="0"/>
+            </a:endParaRPr>
+          </a:p>
+          <a:p>
+            <a:r>
+              <a:rPr lang="en-US" sz="2000" b="1">
+                <a:solidFill>
+                  <a:schemeClr val="bg1"/>
+                </a:solidFill>
+                <a:latin typeface="Courier New" panose="02070309020205020404" pitchFamily="49" charset="0"/>
+                <a:cs typeface="Courier New" panose="02070309020205020404" pitchFamily="49" charset="0"/>
+              </a:rPr>
+              <a:t>.</a:t>
+            </a:r>
+            <a:r>
+              <a:rPr lang="en-US" sz="2000">
+                <a:solidFill>
+                  <a:schemeClr val="bg1"/>
+                </a:solidFill>
+                <a:latin typeface="Courier New" panose="02070309020205020404" pitchFamily="49" charset="0"/>
+                <a:cs typeface="Courier New" panose="02070309020205020404" pitchFamily="49" charset="0"/>
+              </a:rPr>
+              <a:t>observeOn</a:t>
+            </a:r>
+            <a:r>
+              <a:rPr lang="en-US" sz="2000" b="1">
+                <a:solidFill>
+                  <a:schemeClr val="bg1"/>
+                </a:solidFill>
+                <a:latin typeface="Courier New" panose="02070309020205020404" pitchFamily="49" charset="0"/>
+                <a:cs typeface="Courier New" panose="02070309020205020404" pitchFamily="49" charset="0"/>
+              </a:rPr>
+              <a:t>(</a:t>
+            </a:r>
+            <a:r>
+              <a:rPr lang="en-US" sz="2000">
+                <a:solidFill>
+                  <a:schemeClr val="bg1"/>
+                </a:solidFill>
+                <a:latin typeface="Courier New" panose="02070309020205020404" pitchFamily="49" charset="0"/>
+                <a:cs typeface="Courier New" panose="02070309020205020404" pitchFamily="49" charset="0"/>
+              </a:rPr>
+              <a:t>AndroidSchedulers</a:t>
+            </a:r>
+            <a:r>
+              <a:rPr lang="en-US" sz="2000" b="1">
+                <a:solidFill>
+                  <a:schemeClr val="bg1"/>
+                </a:solidFill>
+                <a:latin typeface="Courier New" panose="02070309020205020404" pitchFamily="49" charset="0"/>
+                <a:cs typeface="Courier New" panose="02070309020205020404" pitchFamily="49" charset="0"/>
+              </a:rPr>
+              <a:t>.</a:t>
+            </a:r>
+            <a:r>
+              <a:rPr lang="en-US" sz="2000">
+                <a:solidFill>
+                  <a:schemeClr val="bg1"/>
+                </a:solidFill>
+                <a:latin typeface="Courier New" panose="02070309020205020404" pitchFamily="49" charset="0"/>
+                <a:cs typeface="Courier New" panose="02070309020205020404" pitchFamily="49" charset="0"/>
+              </a:rPr>
+              <a:t>mainThread</a:t>
+            </a:r>
+            <a:r>
+              <a:rPr lang="en-US" sz="2000" b="1">
+                <a:solidFill>
+                  <a:schemeClr val="bg1"/>
+                </a:solidFill>
+                <a:latin typeface="Courier New" panose="02070309020205020404" pitchFamily="49" charset="0"/>
+                <a:cs typeface="Courier New" panose="02070309020205020404" pitchFamily="49" charset="0"/>
+              </a:rPr>
+              <a:t>()) </a:t>
+            </a:r>
+            <a:endParaRPr lang="en-US" sz="2000">
+              <a:solidFill>
+                <a:schemeClr val="bg1"/>
+              </a:solidFill>
+              <a:latin typeface="Courier New" panose="02070309020205020404" pitchFamily="49" charset="0"/>
+              <a:cs typeface="Courier New" panose="02070309020205020404" pitchFamily="49" charset="0"/>
+            </a:endParaRPr>
+          </a:p>
+          <a:p>
+            <a:r>
+              <a:rPr lang="en-US" sz="2000" b="1">
+                <a:solidFill>
+                  <a:schemeClr val="bg1"/>
+                </a:solidFill>
+                <a:latin typeface="Courier New" panose="02070309020205020404" pitchFamily="49" charset="0"/>
+                <a:cs typeface="Courier New" panose="02070309020205020404" pitchFamily="49" charset="0"/>
+              </a:rPr>
+              <a:t>.</a:t>
+            </a:r>
+            <a:r>
+              <a:rPr lang="en-US" sz="2000">
+                <a:solidFill>
+                  <a:schemeClr val="bg1"/>
+                </a:solidFill>
+                <a:latin typeface="Courier New" panose="02070309020205020404" pitchFamily="49" charset="0"/>
+                <a:cs typeface="Courier New" panose="02070309020205020404" pitchFamily="49" charset="0"/>
+              </a:rPr>
+              <a:t>subscribeOn</a:t>
+            </a:r>
+            <a:r>
+              <a:rPr lang="en-US" sz="2000" b="1">
+                <a:solidFill>
+                  <a:schemeClr val="bg1"/>
+                </a:solidFill>
+                <a:latin typeface="Courier New" panose="02070309020205020404" pitchFamily="49" charset="0"/>
+                <a:cs typeface="Courier New" panose="02070309020205020404" pitchFamily="49" charset="0"/>
+              </a:rPr>
+              <a:t>(</a:t>
+            </a:r>
+            <a:r>
+              <a:rPr lang="en-US" sz="2000">
+                <a:solidFill>
+                  <a:schemeClr val="bg1"/>
+                </a:solidFill>
+                <a:latin typeface="Courier New" panose="02070309020205020404" pitchFamily="49" charset="0"/>
+                <a:cs typeface="Courier New" panose="02070309020205020404" pitchFamily="49" charset="0"/>
+              </a:rPr>
+              <a:t>Schedulers</a:t>
+            </a:r>
+            <a:r>
+              <a:rPr lang="en-US" sz="2000" b="1">
+                <a:solidFill>
+                  <a:schemeClr val="bg1"/>
+                </a:solidFill>
+                <a:latin typeface="Courier New" panose="02070309020205020404" pitchFamily="49" charset="0"/>
+                <a:cs typeface="Courier New" panose="02070309020205020404" pitchFamily="49" charset="0"/>
+              </a:rPr>
+              <a:t>.</a:t>
+            </a:r>
+            <a:r>
+              <a:rPr lang="en-US" sz="2000">
+                <a:solidFill>
+                  <a:schemeClr val="bg1"/>
+                </a:solidFill>
+                <a:latin typeface="Courier New" panose="02070309020205020404" pitchFamily="49" charset="0"/>
+                <a:cs typeface="Courier New" panose="02070309020205020404" pitchFamily="49" charset="0"/>
+              </a:rPr>
+              <a:t>io</a:t>
+            </a:r>
+            <a:r>
+              <a:rPr lang="en-US" sz="2000" b="1">
+                <a:solidFill>
+                  <a:schemeClr val="bg1"/>
+                </a:solidFill>
+                <a:latin typeface="Courier New" panose="02070309020205020404" pitchFamily="49" charset="0"/>
+                <a:cs typeface="Courier New" panose="02070309020205020404" pitchFamily="49" charset="0"/>
+              </a:rPr>
+              <a:t>()); </a:t>
+            </a:r>
+            <a:endParaRPr lang="sr-Latn-RS" sz="2000" b="1">
+              <a:solidFill>
+                <a:schemeClr val="bg1"/>
+              </a:solidFill>
+              <a:latin typeface="Courier New" panose="02070309020205020404" pitchFamily="49" charset="0"/>
+              <a:cs typeface="Courier New" panose="02070309020205020404" pitchFamily="49" charset="0"/>
+            </a:endParaRPr>
+          </a:p>
+          <a:p>
+            <a:pPr marL="342900" indent="-342900">
+              <a:buFont typeface="Arial" panose="020B0604020202020204" pitchFamily="34" charset="0"/>
+              <a:buChar char="•"/>
+            </a:pPr>
+            <a:endParaRPr lang="sr-Latn-RS" sz="2000" b="1" smtClean="0">
+              <a:solidFill>
+                <a:schemeClr val="bg1"/>
+              </a:solidFill>
+              <a:latin typeface="Courier New" panose="02070309020205020404" pitchFamily="49" charset="0"/>
+              <a:cs typeface="Courier New" panose="02070309020205020404" pitchFamily="49" charset="0"/>
+            </a:endParaRPr>
+          </a:p>
+        </p:txBody>
+      </p:sp>
+    </p:spTree>
+    <p:extLst>
+      <p:ext uri="{BB962C8B-B14F-4D97-AF65-F5344CB8AC3E}">
+        <p14:creationId xmlns:p14="http://schemas.microsoft.com/office/powerpoint/2010/main" val="2886713212"/>
+      </p:ext>
+    </p:extLst>
+  </p:cSld>
+  <p:clrMapOvr>
+    <a:masterClrMapping/>
+  </p:clrMapOvr>
+  <p:timing>
+    <p:tnLst>
+      <p:par>
+        <p:cTn id="1" dur="indefinite" restart="never" nodeType="tmRoot"/>
+      </p:par>
+    </p:tnLst>
+  </p:timing>
+</p:sld>
+</file>
+
+<file path=ppt/slides/slide18.xml><?xml version="1.0" encoding="utf-8"?>
+<p:sld xmlns:a="http://schemas.openxmlformats.org/drawingml/2006/main" xmlns:r="http://schemas.openxmlformats.org/officeDocument/2006/relationships" xmlns:p="http://schemas.openxmlformats.org/presentationml/2006/main">
+  <p:cSld>
+    <p:spTree>
+      <p:nvGrpSpPr>
+        <p:cNvPr id="1" name=""/>
+        <p:cNvGrpSpPr/>
+        <p:nvPr/>
+      </p:nvGrpSpPr>
+      <p:grpSpPr>
+        <a:xfrm>
+          <a:off x="0" y="0"/>
+          <a:ext cx="0" cy="0"/>
+          <a:chOff x="0" y="0"/>
+          <a:chExt cx="0" cy="0"/>
+        </a:xfrm>
+      </p:grpSpPr>
+      <p:sp>
+        <p:nvSpPr>
+          <p:cNvPr id="2" name="Title 1"/>
+          <p:cNvSpPr>
+            <a:spLocks noGrp="1"/>
+          </p:cNvSpPr>
+          <p:nvPr>
+            <p:ph type="ctrTitle"/>
+          </p:nvPr>
+        </p:nvSpPr>
+        <p:spPr>
+          <a:xfrm>
+            <a:off x="2533370" y="175054"/>
+            <a:ext cx="7698025" cy="1019432"/>
+          </a:xfrm>
+        </p:spPr>
+        <p:txBody>
+          <a:bodyPr>
+            <a:normAutofit/>
+          </a:bodyPr>
+          <a:lstStyle/>
+          <a:p>
+            <a:pPr algn="ctr"/>
+            <a:r>
+              <a:rPr lang="sr-Latn-RS" sz="4000" cap="none" smtClean="0">
+                <a:solidFill>
+                  <a:schemeClr val="bg1"/>
+                </a:solidFill>
+                <a:latin typeface="Arial" panose="020B0604020202020204" pitchFamily="34" charset="0"/>
+                <a:cs typeface="Arial" panose="020B0604020202020204" pitchFamily="34" charset="0"/>
+              </a:rPr>
+              <a:t>Umetanje zavisnosti u Androidu</a:t>
+            </a:r>
+            <a:endParaRPr lang="en-US" sz="4000" cap="none">
+              <a:solidFill>
+                <a:schemeClr val="bg1"/>
+              </a:solidFill>
+              <a:latin typeface="Arial" panose="020B0604020202020204" pitchFamily="34" charset="0"/>
+              <a:cs typeface="Arial" panose="020B0604020202020204" pitchFamily="34" charset="0"/>
+            </a:endParaRPr>
+          </a:p>
+        </p:txBody>
+      </p:sp>
+      <p:sp>
+        <p:nvSpPr>
+          <p:cNvPr id="5" name="Subtitle 4"/>
+          <p:cNvSpPr>
+            <a:spLocks noGrp="1"/>
+          </p:cNvSpPr>
+          <p:nvPr>
+            <p:ph type="subTitle" idx="1"/>
+          </p:nvPr>
+        </p:nvSpPr>
+        <p:spPr>
+          <a:xfrm>
+            <a:off x="1789377" y="1942012"/>
+            <a:ext cx="9061503" cy="4005942"/>
+          </a:xfrm>
+        </p:spPr>
+        <p:txBody>
+          <a:bodyPr>
+            <a:noAutofit/>
+          </a:bodyPr>
+          <a:lstStyle/>
+          <a:p>
+            <a:pPr marL="342900" indent="-342900">
+              <a:buFont typeface="Arial" panose="020B0604020202020204" pitchFamily="34" charset="0"/>
+              <a:buChar char="•"/>
+            </a:pPr>
+            <a:r>
+              <a:rPr lang="sr-Latn-RS" sz="2000" smtClean="0">
+                <a:solidFill>
+                  <a:schemeClr val="bg1"/>
+                </a:solidFill>
+                <a:latin typeface="Arial" panose="020B0604020202020204" pitchFamily="34" charset="0"/>
+                <a:cs typeface="Arial" panose="020B0604020202020204" pitchFamily="34" charset="0"/>
+              </a:rPr>
+              <a:t>Omogućava veću nezavisnost funkcionalno različitih delova aplikacije</a:t>
+            </a:r>
+            <a:endParaRPr lang="sr-Latn-RS" sz="2000" smtClean="0">
+              <a:solidFill>
+                <a:schemeClr val="bg1"/>
+              </a:solidFill>
+              <a:latin typeface="Courier New" panose="02070309020205020404" pitchFamily="49" charset="0"/>
+              <a:cs typeface="Courier New" panose="02070309020205020404" pitchFamily="49" charset="0"/>
+            </a:endParaRPr>
+          </a:p>
+          <a:p>
+            <a:pPr marL="342900" indent="-342900">
+              <a:buFont typeface="Arial" panose="020B0604020202020204" pitchFamily="34" charset="0"/>
+              <a:buChar char="•"/>
+            </a:pPr>
+            <a:r>
+              <a:rPr lang="sr-Latn-RS" sz="2000" smtClean="0">
+                <a:solidFill>
+                  <a:schemeClr val="bg1"/>
+                </a:solidFill>
+                <a:latin typeface="Arial" panose="020B0604020202020204" pitchFamily="34" charset="0"/>
+                <a:cs typeface="Arial" panose="020B0604020202020204" pitchFamily="34" charset="0"/>
+              </a:rPr>
+              <a:t>Konkretne implementacije servisa se prosleđuju objektima koji zavise  od njih prilikom kreiranja ili inicijalizacije</a:t>
+            </a:r>
+            <a:endParaRPr lang="sr-Latn-RS" sz="2000" b="1">
+              <a:solidFill>
+                <a:schemeClr val="bg1"/>
+              </a:solidFill>
+              <a:latin typeface="Courier New" panose="02070309020205020404" pitchFamily="49" charset="0"/>
+              <a:cs typeface="Courier New" panose="02070309020205020404" pitchFamily="49" charset="0"/>
+            </a:endParaRPr>
+          </a:p>
+          <a:p>
+            <a:pPr marL="342900" indent="-342900">
+              <a:buFont typeface="Arial" panose="020B0604020202020204" pitchFamily="34" charset="0"/>
+              <a:buChar char="•"/>
+            </a:pPr>
+            <a:r>
+              <a:rPr lang="sr-Latn-RS" sz="2000" smtClean="0">
+                <a:solidFill>
+                  <a:schemeClr val="bg1"/>
+                </a:solidFill>
+                <a:latin typeface="Arial" panose="020B0604020202020204" pitchFamily="34" charset="0"/>
+                <a:cs typeface="Arial" panose="020B0604020202020204" pitchFamily="34" charset="0"/>
+              </a:rPr>
+              <a:t>Roboguice – refleksija za postizanje umetanje zavisnosti</a:t>
+            </a:r>
+          </a:p>
+          <a:p>
+            <a:pPr marL="342900" indent="-342900">
+              <a:buFont typeface="Arial" panose="020B0604020202020204" pitchFamily="34" charset="0"/>
+              <a:buChar char="•"/>
+            </a:pPr>
+            <a:r>
+              <a:rPr lang="sr-Latn-RS" sz="2000" smtClean="0">
+                <a:solidFill>
+                  <a:schemeClr val="bg1"/>
+                </a:solidFill>
+                <a:latin typeface="Arial" panose="020B0604020202020204" pitchFamily="34" charset="0"/>
+                <a:cs typeface="Arial" panose="020B0604020202020204" pitchFamily="34" charset="0"/>
+              </a:rPr>
+              <a:t>Dagger 2 – statički radni okvir, kod neophodan za umetanje zavisnosti se generiše u toku kompilacije</a:t>
+            </a:r>
+            <a:endParaRPr lang="sr-Latn-RS" sz="2000" b="1">
+              <a:solidFill>
+                <a:schemeClr val="bg1"/>
+              </a:solidFill>
+              <a:latin typeface="Courier New" panose="02070309020205020404" pitchFamily="49" charset="0"/>
+              <a:cs typeface="Courier New" panose="02070309020205020404" pitchFamily="49" charset="0"/>
+            </a:endParaRPr>
+          </a:p>
+          <a:p>
+            <a:pPr marL="342900" indent="-342900">
+              <a:buFont typeface="Arial" panose="020B0604020202020204" pitchFamily="34" charset="0"/>
+              <a:buChar char="•"/>
+            </a:pPr>
+            <a:endParaRPr lang="sr-Latn-RS" sz="2000" b="1" smtClean="0">
+              <a:solidFill>
+                <a:schemeClr val="bg1"/>
+              </a:solidFill>
+              <a:latin typeface="Courier New" panose="02070309020205020404" pitchFamily="49" charset="0"/>
+              <a:cs typeface="Courier New" panose="02070309020205020404" pitchFamily="49" charset="0"/>
+            </a:endParaRPr>
+          </a:p>
+        </p:txBody>
+      </p:sp>
+    </p:spTree>
+    <p:extLst>
+      <p:ext uri="{BB962C8B-B14F-4D97-AF65-F5344CB8AC3E}">
+        <p14:creationId xmlns:p14="http://schemas.microsoft.com/office/powerpoint/2010/main" val="3124462992"/>
+      </p:ext>
+    </p:extLst>
+  </p:cSld>
+  <p:clrMapOvr>
+    <a:masterClrMapping/>
+  </p:clrMapOvr>
+  <p:timing>
+    <p:tnLst>
+      <p:par>
+        <p:cTn id="1" dur="indefinite" restart="never" nodeType="tmRoot"/>
+      </p:par>
+    </p:tnLst>
+  </p:timing>
+</p:sld>
+</file>
+
+<file path=ppt/slides/slide19.xml><?xml version="1.0" encoding="utf-8"?>
+<p:sld xmlns:a="http://schemas.openxmlformats.org/drawingml/2006/main" xmlns:r="http://schemas.openxmlformats.org/officeDocument/2006/relationships" xmlns:p="http://schemas.openxmlformats.org/presentationml/2006/main">
+  <p:cSld>
+    <p:spTree>
+      <p:nvGrpSpPr>
+        <p:cNvPr id="1" name=""/>
+        <p:cNvGrpSpPr/>
+        <p:nvPr/>
+      </p:nvGrpSpPr>
+      <p:grpSpPr>
+        <a:xfrm>
+          <a:off x="0" y="0"/>
+          <a:ext cx="0" cy="0"/>
+          <a:chOff x="0" y="0"/>
+          <a:chExt cx="0" cy="0"/>
+        </a:xfrm>
+      </p:grpSpPr>
+      <p:sp>
+        <p:nvSpPr>
+          <p:cNvPr id="2" name="Title 1"/>
+          <p:cNvSpPr>
+            <a:spLocks noGrp="1"/>
+          </p:cNvSpPr>
+          <p:nvPr>
+            <p:ph type="ctrTitle"/>
+          </p:nvPr>
+        </p:nvSpPr>
+        <p:spPr>
+          <a:xfrm>
+            <a:off x="2533370" y="175054"/>
+            <a:ext cx="7698025" cy="1019432"/>
+          </a:xfrm>
+        </p:spPr>
+        <p:txBody>
+          <a:bodyPr>
+            <a:normAutofit/>
+          </a:bodyPr>
+          <a:lstStyle/>
+          <a:p>
+            <a:pPr algn="ctr"/>
+            <a:r>
+              <a:rPr lang="sr-Latn-RS" sz="4000" cap="none" smtClean="0">
+                <a:solidFill>
+                  <a:schemeClr val="bg1"/>
+                </a:solidFill>
+                <a:latin typeface="Arial" panose="020B0604020202020204" pitchFamily="34" charset="0"/>
+                <a:cs typeface="Arial" panose="020B0604020202020204" pitchFamily="34" charset="0"/>
+              </a:rPr>
+              <a:t>Dagger 2</a:t>
+            </a:r>
+            <a:endParaRPr lang="en-US" sz="4000" cap="none">
+              <a:solidFill>
+                <a:schemeClr val="bg1"/>
+              </a:solidFill>
+              <a:latin typeface="Arial" panose="020B0604020202020204" pitchFamily="34" charset="0"/>
+              <a:cs typeface="Arial" panose="020B0604020202020204" pitchFamily="34" charset="0"/>
+            </a:endParaRPr>
+          </a:p>
+        </p:txBody>
+      </p:sp>
+      <p:sp>
+        <p:nvSpPr>
+          <p:cNvPr id="5" name="Subtitle 4"/>
+          <p:cNvSpPr>
+            <a:spLocks noGrp="1"/>
+          </p:cNvSpPr>
+          <p:nvPr>
+            <p:ph type="subTitle" idx="1"/>
+          </p:nvPr>
+        </p:nvSpPr>
+        <p:spPr>
+          <a:xfrm>
+            <a:off x="1789377" y="1942012"/>
+            <a:ext cx="9170544" cy="4484546"/>
+          </a:xfrm>
+        </p:spPr>
+        <p:txBody>
+          <a:bodyPr>
+            <a:noAutofit/>
+          </a:bodyPr>
+          <a:lstStyle/>
+          <a:p>
+            <a:pPr marL="342900" indent="-342900">
+              <a:buFont typeface="Arial" panose="020B0604020202020204" pitchFamily="34" charset="0"/>
+              <a:buChar char="•"/>
+            </a:pPr>
+            <a:r>
+              <a:rPr lang="sr-Latn-RS" sz="2000" smtClean="0">
+                <a:solidFill>
+                  <a:schemeClr val="bg1"/>
+                </a:solidFill>
+                <a:latin typeface="Arial" panose="020B0604020202020204" pitchFamily="34" charset="0"/>
+                <a:cs typeface="Arial" panose="020B0604020202020204" pitchFamily="34" charset="0"/>
+              </a:rPr>
+              <a:t>Moduli – klase koje definišu i obezbeđuju zavisnosti </a:t>
+            </a:r>
+            <a:endParaRPr lang="sr-Latn-RS" sz="2000" smtClean="0">
+              <a:solidFill>
+                <a:schemeClr val="bg1"/>
+              </a:solidFill>
+              <a:latin typeface="Courier New" panose="02070309020205020404" pitchFamily="49" charset="0"/>
+              <a:cs typeface="Courier New" panose="02070309020205020404" pitchFamily="49" charset="0"/>
+            </a:endParaRPr>
+          </a:p>
+          <a:p>
+            <a:pPr marL="342900" indent="-342900">
+              <a:buFont typeface="Arial" panose="020B0604020202020204" pitchFamily="34" charset="0"/>
+              <a:buChar char="•"/>
+            </a:pPr>
+            <a:r>
+              <a:rPr lang="sr-Latn-RS" sz="2000" smtClean="0">
+                <a:solidFill>
+                  <a:schemeClr val="bg1"/>
+                </a:solidFill>
+                <a:latin typeface="Arial" panose="020B0604020202020204" pitchFamily="34" charset="0"/>
+                <a:cs typeface="Arial" panose="020B0604020202020204" pitchFamily="34" charset="0"/>
+              </a:rPr>
+              <a:t>Komponenta – interfejs ili apstraktna klasa koja </a:t>
+            </a:r>
+            <a:r>
+              <a:rPr lang="en-US" sz="2000" smtClean="0">
+                <a:solidFill>
+                  <a:schemeClr val="bg1"/>
+                </a:solidFill>
+                <a:latin typeface="Arial" panose="020B0604020202020204" pitchFamily="34" charset="0"/>
+                <a:cs typeface="Arial" panose="020B0604020202020204" pitchFamily="34" charset="0"/>
+              </a:rPr>
+              <a:t>“povezuje” v</a:t>
+            </a:r>
+            <a:r>
+              <a:rPr lang="sr-Latn-RS" sz="2000" smtClean="0">
+                <a:solidFill>
+                  <a:schemeClr val="bg1"/>
+                </a:solidFill>
+                <a:latin typeface="Arial" panose="020B0604020202020204" pitchFamily="34" charset="0"/>
+                <a:cs typeface="Arial" panose="020B0604020202020204" pitchFamily="34" charset="0"/>
+              </a:rPr>
+              <a:t>iše različitih modula</a:t>
+            </a:r>
+          </a:p>
+          <a:p>
+            <a:pPr marL="342900" indent="-342900">
+              <a:buFont typeface="Arial" panose="020B0604020202020204" pitchFamily="34" charset="0"/>
+              <a:buChar char="•"/>
+            </a:pPr>
+            <a:r>
+              <a:rPr lang="en-US" sz="2000" smtClean="0">
+                <a:solidFill>
+                  <a:schemeClr val="bg1"/>
+                </a:solidFill>
+                <a:latin typeface="Arial" panose="020B0604020202020204" pitchFamily="34" charset="0"/>
+                <a:cs typeface="Arial" panose="020B0604020202020204" pitchFamily="34" charset="0"/>
+              </a:rPr>
+              <a:t>Mogu</a:t>
+            </a:r>
+            <a:r>
+              <a:rPr lang="sr-Latn-RS" sz="2000">
+                <a:solidFill>
+                  <a:schemeClr val="bg1"/>
+                </a:solidFill>
+                <a:latin typeface="Arial" panose="020B0604020202020204" pitchFamily="34" charset="0"/>
+                <a:cs typeface="Arial" panose="020B0604020202020204" pitchFamily="34" charset="0"/>
+              </a:rPr>
+              <a:t>će je proslediti i objekat koji je dostupan tek u vreme </a:t>
+            </a:r>
+            <a:r>
+              <a:rPr lang="sr-Latn-RS" sz="2000">
+                <a:solidFill>
+                  <a:schemeClr val="bg1"/>
+                </a:solidFill>
+                <a:latin typeface="Arial" panose="020B0604020202020204" pitchFamily="34" charset="0"/>
+                <a:cs typeface="Arial" panose="020B0604020202020204" pitchFamily="34" charset="0"/>
+              </a:rPr>
+              <a:t>izvršavanja </a:t>
+            </a:r>
+            <a:r>
+              <a:rPr lang="sr-Latn-RS" sz="2000" smtClean="0">
+                <a:solidFill>
+                  <a:schemeClr val="bg1"/>
+                </a:solidFill>
+                <a:latin typeface="Arial" panose="020B0604020202020204" pitchFamily="34" charset="0"/>
+                <a:cs typeface="Arial" panose="020B0604020202020204" pitchFamily="34" charset="0"/>
+              </a:rPr>
+              <a:t>programa, u tom slučaju potrebno je eksplicitno pozvati buld() metodu komponente</a:t>
+            </a:r>
+            <a:endParaRPr lang="sr-Latn-RS" sz="2000">
+              <a:solidFill>
+                <a:schemeClr val="bg1"/>
+              </a:solidFill>
+              <a:latin typeface="Arial" panose="020B0604020202020204" pitchFamily="34" charset="0"/>
+              <a:cs typeface="Arial" panose="020B0604020202020204" pitchFamily="34" charset="0"/>
+            </a:endParaRPr>
+          </a:p>
+          <a:p>
+            <a:pPr marL="342900" indent="-342900">
+              <a:buFont typeface="Arial" panose="020B0604020202020204" pitchFamily="34" charset="0"/>
+              <a:buChar char="•"/>
+            </a:pPr>
+            <a:r>
+              <a:rPr lang="sr-Latn-RS" sz="2000">
+                <a:solidFill>
+                  <a:schemeClr val="bg1"/>
+                </a:solidFill>
+                <a:latin typeface="Arial" panose="020B0604020202020204" pitchFamily="34" charset="0"/>
+                <a:cs typeface="Arial" panose="020B0604020202020204" pitchFamily="34" charset="0"/>
+              </a:rPr>
+              <a:t>Graf </a:t>
+            </a:r>
+            <a:r>
+              <a:rPr lang="sr-Latn-RS" sz="2000" smtClean="0">
+                <a:solidFill>
+                  <a:schemeClr val="bg1"/>
+                </a:solidFill>
+                <a:latin typeface="Arial" panose="020B0604020202020204" pitchFamily="34" charset="0"/>
+                <a:cs typeface="Arial" panose="020B0604020202020204" pitchFamily="34" charset="0"/>
+              </a:rPr>
+              <a:t>zavisnosti</a:t>
+            </a:r>
+          </a:p>
+          <a:p>
+            <a:pPr marL="342900" indent="-342900">
+              <a:buFont typeface="Arial" panose="020B0604020202020204" pitchFamily="34" charset="0"/>
+              <a:buChar char="•"/>
+            </a:pPr>
+            <a:r>
+              <a:rPr lang="sr-Latn-RS" sz="2000" smtClean="0">
+                <a:solidFill>
+                  <a:schemeClr val="bg1"/>
+                </a:solidFill>
+                <a:latin typeface="Arial" panose="020B0604020202020204" pitchFamily="34" charset="0"/>
+                <a:cs typeface="Arial" panose="020B0604020202020204" pitchFamily="34" charset="0"/>
+              </a:rPr>
+              <a:t>Metode koje obezbeđuju zavisnosti (eng. provision methods) – nemaju ulazne parametre i vraćaju objekat klase koja se umeće</a:t>
+            </a:r>
+          </a:p>
+          <a:p>
+            <a:pPr marL="342900" indent="-342900">
+              <a:buFont typeface="Arial" panose="020B0604020202020204" pitchFamily="34" charset="0"/>
+              <a:buChar char="•"/>
+            </a:pPr>
+            <a:r>
+              <a:rPr lang="sr-Latn-RS" sz="2000" smtClean="0">
+                <a:solidFill>
+                  <a:schemeClr val="bg1"/>
+                </a:solidFill>
+                <a:latin typeface="Arial" panose="020B0604020202020204" pitchFamily="34" charset="0"/>
+                <a:cs typeface="Arial" panose="020B0604020202020204" pitchFamily="34" charset="0"/>
+              </a:rPr>
+              <a:t>Metode umetanja članova (eng. members-injections contracts) – imaju jedan parametar, zavisnosti se umeću u sva polja sa </a:t>
+            </a:r>
+            <a:r>
+              <a:rPr lang="en-US" sz="2000" smtClean="0">
+                <a:solidFill>
+                  <a:schemeClr val="bg1"/>
+                </a:solidFill>
+                <a:latin typeface="Courier New" panose="02070309020205020404" pitchFamily="49" charset="0"/>
+                <a:cs typeface="Courier New" panose="02070309020205020404" pitchFamily="49" charset="0"/>
+              </a:rPr>
+              <a:t>@Inject</a:t>
+            </a:r>
+            <a:r>
+              <a:rPr lang="en-US" sz="2000" smtClean="0">
+                <a:solidFill>
+                  <a:schemeClr val="bg1"/>
+                </a:solidFill>
+                <a:latin typeface="Arial" panose="020B0604020202020204" pitchFamily="34" charset="0"/>
+                <a:cs typeface="Arial" panose="020B0604020202020204" pitchFamily="34" charset="0"/>
+              </a:rPr>
+              <a:t> anotacijom tog parametra</a:t>
+            </a:r>
+            <a:endParaRPr lang="sr-Latn-RS" sz="2000">
+              <a:solidFill>
+                <a:schemeClr val="bg1"/>
+              </a:solidFill>
+              <a:latin typeface="Arial" panose="020B0604020202020204" pitchFamily="34" charset="0"/>
+              <a:cs typeface="Arial" panose="020B0604020202020204" pitchFamily="34" charset="0"/>
+            </a:endParaRPr>
+          </a:p>
+          <a:p>
+            <a:pPr marL="342900" indent="-342900">
+              <a:buFont typeface="Arial" panose="020B0604020202020204" pitchFamily="34" charset="0"/>
+              <a:buChar char="•"/>
+            </a:pPr>
+            <a:endParaRPr lang="sr-Latn-RS" sz="2000">
+              <a:solidFill>
+                <a:schemeClr val="bg1"/>
+              </a:solidFill>
+              <a:latin typeface="Courier New" panose="02070309020205020404" pitchFamily="49" charset="0"/>
+              <a:cs typeface="Courier New" panose="02070309020205020404" pitchFamily="49" charset="0"/>
+            </a:endParaRPr>
+          </a:p>
+          <a:p>
+            <a:pPr marL="342900" indent="-342900">
+              <a:buFont typeface="Arial" panose="020B0604020202020204" pitchFamily="34" charset="0"/>
+              <a:buChar char="•"/>
+            </a:pPr>
+            <a:endParaRPr lang="sr-Latn-RS" sz="2000" b="1" smtClean="0">
+              <a:solidFill>
+                <a:schemeClr val="bg1"/>
+              </a:solidFill>
+              <a:latin typeface="Courier New" panose="02070309020205020404" pitchFamily="49" charset="0"/>
+              <a:cs typeface="Courier New" panose="02070309020205020404" pitchFamily="49" charset="0"/>
+            </a:endParaRPr>
+          </a:p>
+        </p:txBody>
+      </p:sp>
+    </p:spTree>
+    <p:extLst>
+      <p:ext uri="{BB962C8B-B14F-4D97-AF65-F5344CB8AC3E}">
+        <p14:creationId xmlns:p14="http://schemas.microsoft.com/office/powerpoint/2010/main" val="3040510178"/>
+      </p:ext>
+    </p:extLst>
+  </p:cSld>
+  <p:clrMapOvr>
+    <a:masterClrMapping/>
+  </p:clrMapOvr>
+  <p:timing>
+    <p:tnLst>
+      <p:par>
+        <p:cTn id="1" dur="indefinite" restart="never" nodeType="tmRoot"/>
+      </p:par>
+    </p:tnLst>
+  </p:timing>
+</p:sld>
+</file>
+
 <file path=ppt/slides/slide2.xml><?xml version="1.0" encoding="utf-8"?>
 <p:sld xmlns:a="http://schemas.openxmlformats.org/drawingml/2006/main" xmlns:r="http://schemas.openxmlformats.org/officeDocument/2006/relationships" xmlns:p="http://schemas.openxmlformats.org/presentationml/2006/main">
   <p:cSld>
@@ -7179,6 +9759,947 @@
     <p:extLst>
       <p:ext uri="{BB962C8B-B14F-4D97-AF65-F5344CB8AC3E}">
         <p14:creationId xmlns:p14="http://schemas.microsoft.com/office/powerpoint/2010/main" val="2231341965"/>
+      </p:ext>
+    </p:extLst>
+  </p:cSld>
+  <p:clrMapOvr>
+    <a:masterClrMapping/>
+  </p:clrMapOvr>
+  <p:timing>
+    <p:tnLst>
+      <p:par>
+        <p:cTn id="1" dur="indefinite" restart="never" nodeType="tmRoot"/>
+      </p:par>
+    </p:tnLst>
+  </p:timing>
+</p:sld>
+</file>
+
+<file path=ppt/slides/slide20.xml><?xml version="1.0" encoding="utf-8"?>
+<p:sld xmlns:a="http://schemas.openxmlformats.org/drawingml/2006/main" xmlns:r="http://schemas.openxmlformats.org/officeDocument/2006/relationships" xmlns:p="http://schemas.openxmlformats.org/presentationml/2006/main">
+  <p:cSld>
+    <p:spTree>
+      <p:nvGrpSpPr>
+        <p:cNvPr id="1" name=""/>
+        <p:cNvGrpSpPr/>
+        <p:nvPr/>
+      </p:nvGrpSpPr>
+      <p:grpSpPr>
+        <a:xfrm>
+          <a:off x="0" y="0"/>
+          <a:ext cx="0" cy="0"/>
+          <a:chOff x="0" y="0"/>
+          <a:chExt cx="0" cy="0"/>
+        </a:xfrm>
+      </p:grpSpPr>
+      <p:sp>
+        <p:nvSpPr>
+          <p:cNvPr id="2" name="Title 1"/>
+          <p:cNvSpPr>
+            <a:spLocks noGrp="1"/>
+          </p:cNvSpPr>
+          <p:nvPr>
+            <p:ph type="ctrTitle"/>
+          </p:nvPr>
+        </p:nvSpPr>
+        <p:spPr>
+          <a:xfrm>
+            <a:off x="2533370" y="175054"/>
+            <a:ext cx="7698025" cy="1019432"/>
+          </a:xfrm>
+        </p:spPr>
+        <p:txBody>
+          <a:bodyPr>
+            <a:normAutofit/>
+          </a:bodyPr>
+          <a:lstStyle/>
+          <a:p>
+            <a:pPr algn="ctr"/>
+            <a:r>
+              <a:rPr lang="sr-Latn-RS" sz="4000" cap="none" smtClean="0">
+                <a:solidFill>
+                  <a:schemeClr val="bg1"/>
+                </a:solidFill>
+                <a:latin typeface="Arial" panose="020B0604020202020204" pitchFamily="34" charset="0"/>
+                <a:cs typeface="Arial" panose="020B0604020202020204" pitchFamily="34" charset="0"/>
+              </a:rPr>
+              <a:t>Dagger 2</a:t>
+            </a:r>
+            <a:endParaRPr lang="en-US" sz="4000" cap="none">
+              <a:solidFill>
+                <a:schemeClr val="bg1"/>
+              </a:solidFill>
+              <a:latin typeface="Arial" panose="020B0604020202020204" pitchFamily="34" charset="0"/>
+              <a:cs typeface="Arial" panose="020B0604020202020204" pitchFamily="34" charset="0"/>
+            </a:endParaRPr>
+          </a:p>
+        </p:txBody>
+      </p:sp>
+      <p:sp>
+        <p:nvSpPr>
+          <p:cNvPr id="5" name="Subtitle 4"/>
+          <p:cNvSpPr>
+            <a:spLocks noGrp="1"/>
+          </p:cNvSpPr>
+          <p:nvPr>
+            <p:ph type="subTitle" idx="1"/>
+          </p:nvPr>
+        </p:nvSpPr>
+        <p:spPr>
+          <a:xfrm>
+            <a:off x="1789377" y="1942012"/>
+            <a:ext cx="9170544" cy="4484546"/>
+          </a:xfrm>
+        </p:spPr>
+        <p:txBody>
+          <a:bodyPr>
+            <a:noAutofit/>
+          </a:bodyPr>
+          <a:lstStyle/>
+          <a:p>
+            <a:pPr marL="342900" indent="-342900">
+              <a:buFont typeface="Arial" panose="020B0604020202020204" pitchFamily="34" charset="0"/>
+              <a:buChar char="•"/>
+            </a:pPr>
+            <a:r>
+              <a:rPr lang="en-US" sz="2000" smtClean="0">
+                <a:solidFill>
+                  <a:schemeClr val="bg1"/>
+                </a:solidFill>
+                <a:latin typeface="Arial" panose="020B0604020202020204" pitchFamily="34" charset="0"/>
+                <a:cs typeface="Arial" panose="020B0604020202020204" pitchFamily="34" charset="0"/>
+              </a:rPr>
+              <a:t>Podkomponente – komponente unutar roditeljske komponente koje nasle</a:t>
+            </a:r>
+            <a:r>
+              <a:rPr lang="sr-Latn-RS" sz="2000" smtClean="0">
+                <a:solidFill>
+                  <a:schemeClr val="bg1"/>
+                </a:solidFill>
+                <a:latin typeface="Arial" panose="020B0604020202020204" pitchFamily="34" charset="0"/>
+                <a:cs typeface="Arial" panose="020B0604020202020204" pitchFamily="34" charset="0"/>
+              </a:rPr>
+              <a:t>đuju sve njene zavisnosti</a:t>
+            </a:r>
+            <a:endParaRPr lang="sr-Latn-RS" sz="2000" smtClean="0">
+              <a:solidFill>
+                <a:schemeClr val="bg1"/>
+              </a:solidFill>
+              <a:latin typeface="Courier New" panose="02070309020205020404" pitchFamily="49" charset="0"/>
+              <a:cs typeface="Courier New" panose="02070309020205020404" pitchFamily="49" charset="0"/>
+            </a:endParaRPr>
+          </a:p>
+          <a:p>
+            <a:pPr marL="342900" indent="-342900">
+              <a:buFont typeface="Arial" panose="020B0604020202020204" pitchFamily="34" charset="0"/>
+              <a:buChar char="•"/>
+            </a:pPr>
+            <a:r>
+              <a:rPr lang="sr-Latn-RS" sz="2000" smtClean="0">
+                <a:solidFill>
+                  <a:schemeClr val="bg1"/>
+                </a:solidFill>
+                <a:latin typeface="Arial" panose="020B0604020202020204" pitchFamily="34" charset="0"/>
+                <a:cs typeface="Arial" panose="020B0604020202020204" pitchFamily="34" charset="0"/>
+              </a:rPr>
+              <a:t>Alternativa podkomponentama navođenje zavisnosti između komponenata </a:t>
+            </a:r>
+          </a:p>
+          <a:p>
+            <a:pPr marL="342900" indent="-342900">
+              <a:buFont typeface="Arial" panose="020B0604020202020204" pitchFamily="34" charset="0"/>
+              <a:buChar char="•"/>
+            </a:pPr>
+            <a:r>
+              <a:rPr lang="sr-Latn-RS" sz="2000" smtClean="0">
+                <a:solidFill>
+                  <a:schemeClr val="bg1"/>
+                </a:solidFill>
+                <a:latin typeface="Arial" panose="020B0604020202020204" pitchFamily="34" charset="0"/>
+                <a:cs typeface="Arial" panose="020B0604020202020204" pitchFamily="34" charset="0"/>
+              </a:rPr>
+              <a:t>Obim zavisnosti (eng. scope) – omogućava ograničavanje dostupnosti neke zavisnosti</a:t>
+            </a:r>
+          </a:p>
+          <a:p>
+            <a:pPr marL="342900" indent="-342900">
+              <a:buFont typeface="Arial" panose="020B0604020202020204" pitchFamily="34" charset="0"/>
+              <a:buChar char="•"/>
+            </a:pPr>
+            <a:r>
+              <a:rPr lang="sr-Latn-RS" sz="2000" smtClean="0">
+                <a:solidFill>
+                  <a:schemeClr val="bg1"/>
+                </a:solidFill>
+                <a:latin typeface="Arial" panose="020B0604020202020204" pitchFamily="34" charset="0"/>
+                <a:cs typeface="Arial" panose="020B0604020202020204" pitchFamily="34" charset="0"/>
+              </a:rPr>
+              <a:t>Visoko performantan radni okvir</a:t>
+            </a:r>
+          </a:p>
+          <a:p>
+            <a:pPr marL="342900" indent="-342900">
+              <a:buFont typeface="Arial" panose="020B0604020202020204" pitchFamily="34" charset="0"/>
+              <a:buChar char="•"/>
+            </a:pPr>
+            <a:r>
+              <a:rPr lang="sr-Latn-RS" sz="2000" smtClean="0">
+                <a:solidFill>
+                  <a:schemeClr val="bg1"/>
+                </a:solidFill>
+                <a:latin typeface="Arial" panose="020B0604020202020204" pitchFamily="34" charset="0"/>
+                <a:cs typeface="Arial" panose="020B0604020202020204" pitchFamily="34" charset="0"/>
+              </a:rPr>
+              <a:t>Graf zavisnosti može biti jako složen</a:t>
+            </a:r>
+          </a:p>
+          <a:p>
+            <a:endParaRPr lang="sr-Latn-RS" sz="2000" smtClean="0">
+              <a:solidFill>
+                <a:schemeClr val="bg1"/>
+              </a:solidFill>
+              <a:latin typeface="Arial" panose="020B0604020202020204" pitchFamily="34" charset="0"/>
+              <a:cs typeface="Arial" panose="020B0604020202020204" pitchFamily="34" charset="0"/>
+            </a:endParaRPr>
+          </a:p>
+          <a:p>
+            <a:pPr marL="342900" indent="-342900">
+              <a:buFont typeface="Arial" panose="020B0604020202020204" pitchFamily="34" charset="0"/>
+              <a:buChar char="•"/>
+            </a:pPr>
+            <a:endParaRPr lang="sr-Latn-RS" sz="2000">
+              <a:solidFill>
+                <a:schemeClr val="bg1"/>
+              </a:solidFill>
+              <a:latin typeface="Courier New" panose="02070309020205020404" pitchFamily="49" charset="0"/>
+              <a:cs typeface="Courier New" panose="02070309020205020404" pitchFamily="49" charset="0"/>
+            </a:endParaRPr>
+          </a:p>
+          <a:p>
+            <a:pPr marL="342900" indent="-342900">
+              <a:buFont typeface="Arial" panose="020B0604020202020204" pitchFamily="34" charset="0"/>
+              <a:buChar char="•"/>
+            </a:pPr>
+            <a:endParaRPr lang="sr-Latn-RS" sz="2000" b="1" smtClean="0">
+              <a:solidFill>
+                <a:schemeClr val="bg1"/>
+              </a:solidFill>
+              <a:latin typeface="Courier New" panose="02070309020205020404" pitchFamily="49" charset="0"/>
+              <a:cs typeface="Courier New" panose="02070309020205020404" pitchFamily="49" charset="0"/>
+            </a:endParaRPr>
+          </a:p>
+        </p:txBody>
+      </p:sp>
+    </p:spTree>
+    <p:extLst>
+      <p:ext uri="{BB962C8B-B14F-4D97-AF65-F5344CB8AC3E}">
+        <p14:creationId xmlns:p14="http://schemas.microsoft.com/office/powerpoint/2010/main" val="3612770256"/>
+      </p:ext>
+    </p:extLst>
+  </p:cSld>
+  <p:clrMapOvr>
+    <a:masterClrMapping/>
+  </p:clrMapOvr>
+  <p:timing>
+    <p:tnLst>
+      <p:par>
+        <p:cTn id="1" dur="indefinite" restart="never" nodeType="tmRoot"/>
+      </p:par>
+    </p:tnLst>
+  </p:timing>
+</p:sld>
+</file>
+
+<file path=ppt/slides/slide21.xml><?xml version="1.0" encoding="utf-8"?>
+<p:sld xmlns:a="http://schemas.openxmlformats.org/drawingml/2006/main" xmlns:r="http://schemas.openxmlformats.org/officeDocument/2006/relationships" xmlns:p="http://schemas.openxmlformats.org/presentationml/2006/main">
+  <p:cSld>
+    <p:spTree>
+      <p:nvGrpSpPr>
+        <p:cNvPr id="1" name=""/>
+        <p:cNvGrpSpPr/>
+        <p:nvPr/>
+      </p:nvGrpSpPr>
+      <p:grpSpPr>
+        <a:xfrm>
+          <a:off x="0" y="0"/>
+          <a:ext cx="0" cy="0"/>
+          <a:chOff x="0" y="0"/>
+          <a:chExt cx="0" cy="0"/>
+        </a:xfrm>
+      </p:grpSpPr>
+      <p:sp>
+        <p:nvSpPr>
+          <p:cNvPr id="2" name="Title 1"/>
+          <p:cNvSpPr>
+            <a:spLocks noGrp="1"/>
+          </p:cNvSpPr>
+          <p:nvPr>
+            <p:ph type="ctrTitle"/>
+          </p:nvPr>
+        </p:nvSpPr>
+        <p:spPr>
+          <a:xfrm>
+            <a:off x="2533370" y="175054"/>
+            <a:ext cx="7698025" cy="1019432"/>
+          </a:xfrm>
+        </p:spPr>
+        <p:txBody>
+          <a:bodyPr>
+            <a:normAutofit/>
+          </a:bodyPr>
+          <a:lstStyle/>
+          <a:p>
+            <a:pPr algn="ctr"/>
+            <a:r>
+              <a:rPr lang="sr-Latn-RS" sz="4000" cap="none" smtClean="0">
+                <a:solidFill>
+                  <a:schemeClr val="bg1"/>
+                </a:solidFill>
+                <a:latin typeface="Arial" panose="020B0604020202020204" pitchFamily="34" charset="0"/>
+                <a:cs typeface="Arial" panose="020B0604020202020204" pitchFamily="34" charset="0"/>
+              </a:rPr>
+              <a:t>Dagger 2</a:t>
+            </a:r>
+            <a:endParaRPr lang="en-US" sz="4000" cap="none">
+              <a:solidFill>
+                <a:schemeClr val="bg1"/>
+              </a:solidFill>
+              <a:latin typeface="Arial" panose="020B0604020202020204" pitchFamily="34" charset="0"/>
+              <a:cs typeface="Arial" panose="020B0604020202020204" pitchFamily="34" charset="0"/>
+            </a:endParaRPr>
+          </a:p>
+        </p:txBody>
+      </p:sp>
+      <p:pic>
+        <p:nvPicPr>
+          <p:cNvPr id="4" name="Picture 3"/>
+          <p:cNvPicPr>
+            <a:picLocks noChangeAspect="1"/>
+          </p:cNvPicPr>
+          <p:nvPr/>
+        </p:nvPicPr>
+        <p:blipFill>
+          <a:blip r:embed="rId2">
+            <a:extLst>
+              <a:ext uri="{28A0092B-C50C-407E-A947-70E740481C1C}">
+                <a14:useLocalDpi xmlns:a14="http://schemas.microsoft.com/office/drawing/2010/main" val="0"/>
+              </a:ext>
+            </a:extLst>
+          </a:blip>
+          <a:stretch>
+            <a:fillRect/>
+          </a:stretch>
+        </p:blipFill>
+        <p:spPr>
+          <a:xfrm>
+            <a:off x="2682535" y="1556951"/>
+            <a:ext cx="6682945" cy="5210432"/>
+          </a:xfrm>
+          <a:prstGeom prst="rect">
+            <a:avLst/>
+          </a:prstGeom>
+        </p:spPr>
+      </p:pic>
+    </p:spTree>
+    <p:extLst>
+      <p:ext uri="{BB962C8B-B14F-4D97-AF65-F5344CB8AC3E}">
+        <p14:creationId xmlns:p14="http://schemas.microsoft.com/office/powerpoint/2010/main" val="2239866452"/>
+      </p:ext>
+    </p:extLst>
+  </p:cSld>
+  <p:clrMapOvr>
+    <a:masterClrMapping/>
+  </p:clrMapOvr>
+  <p:timing>
+    <p:tnLst>
+      <p:par>
+        <p:cTn id="1" dur="indefinite" restart="never" nodeType="tmRoot"/>
+      </p:par>
+    </p:tnLst>
+  </p:timing>
+</p:sld>
+</file>
+
+<file path=ppt/slides/slide22.xml><?xml version="1.0" encoding="utf-8"?>
+<p:sld xmlns:a="http://schemas.openxmlformats.org/drawingml/2006/main" xmlns:r="http://schemas.openxmlformats.org/officeDocument/2006/relationships" xmlns:p="http://schemas.openxmlformats.org/presentationml/2006/main">
+  <p:cSld>
+    <p:spTree>
+      <p:nvGrpSpPr>
+        <p:cNvPr id="1" name=""/>
+        <p:cNvGrpSpPr/>
+        <p:nvPr/>
+      </p:nvGrpSpPr>
+      <p:grpSpPr>
+        <a:xfrm>
+          <a:off x="0" y="0"/>
+          <a:ext cx="0" cy="0"/>
+          <a:chOff x="0" y="0"/>
+          <a:chExt cx="0" cy="0"/>
+        </a:xfrm>
+      </p:grpSpPr>
+      <p:sp>
+        <p:nvSpPr>
+          <p:cNvPr id="2" name="Title 1"/>
+          <p:cNvSpPr>
+            <a:spLocks noGrp="1"/>
+          </p:cNvSpPr>
+          <p:nvPr>
+            <p:ph type="ctrTitle"/>
+          </p:nvPr>
+        </p:nvSpPr>
+        <p:spPr>
+          <a:xfrm>
+            <a:off x="2533370" y="175054"/>
+            <a:ext cx="7698025" cy="1019432"/>
+          </a:xfrm>
+        </p:spPr>
+        <p:txBody>
+          <a:bodyPr>
+            <a:normAutofit fontScale="90000"/>
+          </a:bodyPr>
+          <a:lstStyle/>
+          <a:p>
+            <a:pPr algn="ctr"/>
+            <a:r>
+              <a:rPr lang="sr-Latn-RS" sz="4000" cap="none" smtClean="0">
+                <a:solidFill>
+                  <a:schemeClr val="bg1"/>
+                </a:solidFill>
+                <a:latin typeface="Arial" panose="020B0604020202020204" pitchFamily="34" charset="0"/>
+                <a:cs typeface="Arial" panose="020B0604020202020204" pitchFamily="34" charset="0"/>
+              </a:rPr>
+              <a:t>Pomoćne biblioteke za razvoj Android aplikacije</a:t>
+            </a:r>
+            <a:endParaRPr lang="en-US" sz="4000" cap="none">
+              <a:solidFill>
+                <a:schemeClr val="bg1"/>
+              </a:solidFill>
+              <a:latin typeface="Arial" panose="020B0604020202020204" pitchFamily="34" charset="0"/>
+              <a:cs typeface="Arial" panose="020B0604020202020204" pitchFamily="34" charset="0"/>
+            </a:endParaRPr>
+          </a:p>
+        </p:txBody>
+      </p:sp>
+      <p:sp>
+        <p:nvSpPr>
+          <p:cNvPr id="5" name="Subtitle 4"/>
+          <p:cNvSpPr>
+            <a:spLocks noGrp="1"/>
+          </p:cNvSpPr>
+          <p:nvPr>
+            <p:ph type="subTitle" idx="1"/>
+          </p:nvPr>
+        </p:nvSpPr>
+        <p:spPr>
+          <a:xfrm>
+            <a:off x="1789377" y="1942012"/>
+            <a:ext cx="8623250" cy="4277556"/>
+          </a:xfrm>
+        </p:spPr>
+        <p:txBody>
+          <a:bodyPr>
+            <a:noAutofit/>
+          </a:bodyPr>
+          <a:lstStyle/>
+          <a:p>
+            <a:pPr marL="342900" indent="-342900">
+              <a:buFont typeface="Arial" panose="020B0604020202020204" pitchFamily="34" charset="0"/>
+              <a:buChar char="•"/>
+            </a:pPr>
+            <a:r>
+              <a:rPr lang="sr-Latn-RS" sz="2000" smtClean="0">
+                <a:solidFill>
+                  <a:schemeClr val="bg1"/>
+                </a:solidFill>
+                <a:latin typeface="Arial" panose="020B0604020202020204" pitchFamily="34" charset="0"/>
+                <a:cs typeface="Arial" panose="020B0604020202020204" pitchFamily="34" charset="0"/>
+              </a:rPr>
+              <a:t>Butter Knife – povezivanje polja i metoda sa XML komponentama</a:t>
+            </a:r>
+            <a:endParaRPr lang="sr-Latn-RS" sz="2000" smtClean="0">
+              <a:solidFill>
+                <a:schemeClr val="bg1"/>
+              </a:solidFill>
+              <a:latin typeface="Courier New" panose="02070309020205020404" pitchFamily="49" charset="0"/>
+              <a:cs typeface="Courier New" panose="02070309020205020404" pitchFamily="49" charset="0"/>
+            </a:endParaRPr>
+          </a:p>
+          <a:p>
+            <a:pPr marL="342900" indent="-342900">
+              <a:buFont typeface="Arial" panose="020B0604020202020204" pitchFamily="34" charset="0"/>
+              <a:buChar char="•"/>
+            </a:pPr>
+            <a:r>
+              <a:rPr lang="sr-Latn-RS" sz="2000" smtClean="0">
+                <a:solidFill>
+                  <a:schemeClr val="bg1"/>
+                </a:solidFill>
+                <a:latin typeface="Arial" panose="020B0604020202020204" pitchFamily="34" charset="0"/>
+                <a:cs typeface="Arial" panose="020B0604020202020204" pitchFamily="34" charset="0"/>
+              </a:rPr>
+              <a:t>Stetho – alat koji omogućava korišćenje Google Chrome alata za programere nad Android aplikacijama (pregled poziva na mreži i praćenje baze)</a:t>
+            </a:r>
+          </a:p>
+          <a:p>
+            <a:pPr marL="342900" indent="-342900">
+              <a:buFont typeface="Arial" panose="020B0604020202020204" pitchFamily="34" charset="0"/>
+              <a:buChar char="•"/>
+            </a:pPr>
+            <a:r>
+              <a:rPr lang="sr-Latn-RS" sz="2000" smtClean="0">
+                <a:solidFill>
+                  <a:schemeClr val="bg1"/>
+                </a:solidFill>
+                <a:latin typeface="Arial" panose="020B0604020202020204" pitchFamily="34" charset="0"/>
+                <a:cs typeface="Arial" panose="020B0604020202020204" pitchFamily="34" charset="0"/>
+              </a:rPr>
+              <a:t>Fabric – platforma sa različitim modulima (Crashlytics, Answers, Beta, Digits)</a:t>
+            </a:r>
+          </a:p>
+          <a:p>
+            <a:pPr marL="342900" indent="-342900">
+              <a:buFont typeface="Arial" panose="020B0604020202020204" pitchFamily="34" charset="0"/>
+              <a:buChar char="•"/>
+            </a:pPr>
+            <a:endParaRPr lang="sr-Latn-RS" sz="2000">
+              <a:solidFill>
+                <a:schemeClr val="bg1"/>
+              </a:solidFill>
+              <a:latin typeface="Courier New" panose="02070309020205020404" pitchFamily="49" charset="0"/>
+              <a:cs typeface="Courier New" panose="02070309020205020404" pitchFamily="49" charset="0"/>
+            </a:endParaRPr>
+          </a:p>
+          <a:p>
+            <a:pPr marL="342900" indent="-342900">
+              <a:buFont typeface="Arial" panose="020B0604020202020204" pitchFamily="34" charset="0"/>
+              <a:buChar char="•"/>
+            </a:pPr>
+            <a:endParaRPr lang="sr-Latn-RS" sz="2000" b="1" smtClean="0">
+              <a:solidFill>
+                <a:schemeClr val="bg1"/>
+              </a:solidFill>
+              <a:latin typeface="Courier New" panose="02070309020205020404" pitchFamily="49" charset="0"/>
+              <a:cs typeface="Courier New" panose="02070309020205020404" pitchFamily="49" charset="0"/>
+            </a:endParaRPr>
+          </a:p>
+        </p:txBody>
+      </p:sp>
+    </p:spTree>
+    <p:extLst>
+      <p:ext uri="{BB962C8B-B14F-4D97-AF65-F5344CB8AC3E}">
+        <p14:creationId xmlns:p14="http://schemas.microsoft.com/office/powerpoint/2010/main" val="2693470991"/>
+      </p:ext>
+    </p:extLst>
+  </p:cSld>
+  <p:clrMapOvr>
+    <a:masterClrMapping/>
+  </p:clrMapOvr>
+  <p:timing>
+    <p:tnLst>
+      <p:par>
+        <p:cTn id="1" dur="indefinite" restart="never" nodeType="tmRoot"/>
+      </p:par>
+    </p:tnLst>
+  </p:timing>
+</p:sld>
+</file>
+
+<file path=ppt/slides/slide23.xml><?xml version="1.0" encoding="utf-8"?>
+<p:sld xmlns:a="http://schemas.openxmlformats.org/drawingml/2006/main" xmlns:r="http://schemas.openxmlformats.org/officeDocument/2006/relationships" xmlns:p="http://schemas.openxmlformats.org/presentationml/2006/main">
+  <p:cSld>
+    <p:spTree>
+      <p:nvGrpSpPr>
+        <p:cNvPr id="1" name=""/>
+        <p:cNvGrpSpPr/>
+        <p:nvPr/>
+      </p:nvGrpSpPr>
+      <p:grpSpPr>
+        <a:xfrm>
+          <a:off x="0" y="0"/>
+          <a:ext cx="0" cy="0"/>
+          <a:chOff x="0" y="0"/>
+          <a:chExt cx="0" cy="0"/>
+        </a:xfrm>
+      </p:grpSpPr>
+      <p:sp>
+        <p:nvSpPr>
+          <p:cNvPr id="2" name="Title 1"/>
+          <p:cNvSpPr>
+            <a:spLocks noGrp="1"/>
+          </p:cNvSpPr>
+          <p:nvPr>
+            <p:ph type="ctrTitle"/>
+          </p:nvPr>
+        </p:nvSpPr>
+        <p:spPr>
+          <a:xfrm>
+            <a:off x="2533370" y="175054"/>
+            <a:ext cx="7698025" cy="1019432"/>
+          </a:xfrm>
+        </p:spPr>
+        <p:txBody>
+          <a:bodyPr>
+            <a:normAutofit/>
+          </a:bodyPr>
+          <a:lstStyle/>
+          <a:p>
+            <a:pPr algn="ctr"/>
+            <a:r>
+              <a:rPr lang="sr-Latn-RS" sz="4000" cap="none" smtClean="0">
+                <a:solidFill>
+                  <a:schemeClr val="bg1"/>
+                </a:solidFill>
+                <a:latin typeface="Arial" panose="020B0604020202020204" pitchFamily="34" charset="0"/>
+                <a:cs typeface="Arial" panose="020B0604020202020204" pitchFamily="34" charset="0"/>
+              </a:rPr>
+              <a:t>Zaključak</a:t>
+            </a:r>
+            <a:endParaRPr lang="en-US" sz="4000" cap="none">
+              <a:solidFill>
+                <a:schemeClr val="bg1"/>
+              </a:solidFill>
+              <a:latin typeface="Arial" panose="020B0604020202020204" pitchFamily="34" charset="0"/>
+              <a:cs typeface="Arial" panose="020B0604020202020204" pitchFamily="34" charset="0"/>
+            </a:endParaRPr>
+          </a:p>
+        </p:txBody>
+      </p:sp>
+      <p:sp>
+        <p:nvSpPr>
+          <p:cNvPr id="5" name="Subtitle 4"/>
+          <p:cNvSpPr>
+            <a:spLocks noGrp="1"/>
+          </p:cNvSpPr>
+          <p:nvPr>
+            <p:ph type="subTitle" idx="1"/>
+          </p:nvPr>
+        </p:nvSpPr>
+        <p:spPr>
+          <a:xfrm>
+            <a:off x="1789377" y="1942012"/>
+            <a:ext cx="8623250" cy="4277556"/>
+          </a:xfrm>
+        </p:spPr>
+        <p:txBody>
+          <a:bodyPr>
+            <a:noAutofit/>
+          </a:bodyPr>
+          <a:lstStyle/>
+          <a:p>
+            <a:pPr marL="342900" indent="-342900">
+              <a:buFont typeface="Arial" panose="020B0604020202020204" pitchFamily="34" charset="0"/>
+              <a:buChar char="•"/>
+            </a:pPr>
+            <a:r>
+              <a:rPr lang="sr-Latn-RS" sz="2000" smtClean="0">
+                <a:solidFill>
+                  <a:schemeClr val="bg1"/>
+                </a:solidFill>
+                <a:latin typeface="Arial" panose="020B0604020202020204" pitchFamily="34" charset="0"/>
+                <a:cs typeface="Arial" panose="020B0604020202020204" pitchFamily="34" charset="0"/>
+              </a:rPr>
+              <a:t>Svaka od predstavljenih tehnologija ima svojih prednosti i mana</a:t>
+            </a:r>
+          </a:p>
+          <a:p>
+            <a:pPr marL="342900" indent="-342900">
+              <a:buFont typeface="Arial" panose="020B0604020202020204" pitchFamily="34" charset="0"/>
+              <a:buChar char="•"/>
+            </a:pPr>
+            <a:r>
+              <a:rPr lang="sr-Latn-RS" sz="2000" smtClean="0">
+                <a:solidFill>
+                  <a:schemeClr val="bg1"/>
+                </a:solidFill>
+                <a:latin typeface="Arial" panose="020B0604020202020204" pitchFamily="34" charset="0"/>
+                <a:cs typeface="Arial" panose="020B0604020202020204" pitchFamily="34" charset="0"/>
+              </a:rPr>
+              <a:t>Akcenat na modularnosti, jednostavnom održavanju i izmenama</a:t>
+            </a:r>
+          </a:p>
+          <a:p>
+            <a:pPr marL="342900" indent="-342900">
+              <a:buFont typeface="Arial" panose="020B0604020202020204" pitchFamily="34" charset="0"/>
+              <a:buChar char="•"/>
+            </a:pPr>
+            <a:r>
+              <a:rPr lang="sr-Latn-RS" sz="2000" smtClean="0">
+                <a:solidFill>
+                  <a:schemeClr val="bg1"/>
+                </a:solidFill>
+                <a:latin typeface="Arial" panose="020B0604020202020204" pitchFamily="34" charset="0"/>
+                <a:cs typeface="Arial" panose="020B0604020202020204" pitchFamily="34" charset="0"/>
+              </a:rPr>
+              <a:t>U skorijoj budućnosti se mogu očekivati dalji ubrzani razvoj</a:t>
+            </a:r>
+            <a:endParaRPr lang="sr-Latn-RS" sz="2000" smtClean="0">
+              <a:solidFill>
+                <a:schemeClr val="bg1"/>
+              </a:solidFill>
+              <a:latin typeface="Courier New" panose="02070309020205020404" pitchFamily="49" charset="0"/>
+              <a:cs typeface="Courier New" panose="02070309020205020404" pitchFamily="49" charset="0"/>
+            </a:endParaRPr>
+          </a:p>
+          <a:p>
+            <a:pPr marL="342900" indent="-342900">
+              <a:buFont typeface="Arial" panose="020B0604020202020204" pitchFamily="34" charset="0"/>
+              <a:buChar char="•"/>
+            </a:pPr>
+            <a:r>
+              <a:rPr lang="sr-Latn-RS" sz="2000" smtClean="0">
+                <a:solidFill>
+                  <a:schemeClr val="bg1"/>
+                </a:solidFill>
+                <a:latin typeface="Arial" panose="020B0604020202020204" pitchFamily="34" charset="0"/>
+                <a:cs typeface="Arial" panose="020B0604020202020204" pitchFamily="34" charset="0"/>
+              </a:rPr>
+              <a:t>Kotlin</a:t>
+            </a:r>
+          </a:p>
+          <a:p>
+            <a:pPr marL="342900" indent="-342900">
+              <a:buFont typeface="Arial" panose="020B0604020202020204" pitchFamily="34" charset="0"/>
+              <a:buChar char="•"/>
+            </a:pPr>
+            <a:r>
+              <a:rPr lang="sr-Latn-RS" sz="2000" smtClean="0">
+                <a:solidFill>
+                  <a:schemeClr val="bg1"/>
+                </a:solidFill>
+                <a:latin typeface="Arial" panose="020B0604020202020204" pitchFamily="34" charset="0"/>
+                <a:cs typeface="Arial" panose="020B0604020202020204" pitchFamily="34" charset="0"/>
+              </a:rPr>
+              <a:t>Web aplikacije</a:t>
+            </a:r>
+          </a:p>
+          <a:p>
+            <a:pPr marL="342900" indent="-342900">
+              <a:buFont typeface="Arial" panose="020B0604020202020204" pitchFamily="34" charset="0"/>
+              <a:buChar char="•"/>
+            </a:pPr>
+            <a:r>
+              <a:rPr lang="sr-Latn-RS" sz="2000" smtClean="0">
+                <a:solidFill>
+                  <a:schemeClr val="bg1"/>
+                </a:solidFill>
+                <a:latin typeface="Arial" panose="020B0604020202020204" pitchFamily="34" charset="0"/>
+                <a:cs typeface="Arial" panose="020B0604020202020204" pitchFamily="34" charset="0"/>
+              </a:rPr>
+              <a:t>React Native</a:t>
+            </a:r>
+          </a:p>
+          <a:p>
+            <a:pPr marL="342900" indent="-342900">
+              <a:buFont typeface="Arial" panose="020B0604020202020204" pitchFamily="34" charset="0"/>
+              <a:buChar char="•"/>
+            </a:pPr>
+            <a:endParaRPr lang="sr-Latn-RS" sz="2000">
+              <a:solidFill>
+                <a:schemeClr val="bg1"/>
+              </a:solidFill>
+              <a:latin typeface="Courier New" panose="02070309020205020404" pitchFamily="49" charset="0"/>
+              <a:cs typeface="Courier New" panose="02070309020205020404" pitchFamily="49" charset="0"/>
+            </a:endParaRPr>
+          </a:p>
+          <a:p>
+            <a:pPr marL="342900" indent="-342900">
+              <a:buFont typeface="Arial" panose="020B0604020202020204" pitchFamily="34" charset="0"/>
+              <a:buChar char="•"/>
+            </a:pPr>
+            <a:endParaRPr lang="sr-Latn-RS" sz="2000" b="1" smtClean="0">
+              <a:solidFill>
+                <a:schemeClr val="bg1"/>
+              </a:solidFill>
+              <a:latin typeface="Courier New" panose="02070309020205020404" pitchFamily="49" charset="0"/>
+              <a:cs typeface="Courier New" panose="02070309020205020404" pitchFamily="49" charset="0"/>
+            </a:endParaRPr>
+          </a:p>
+        </p:txBody>
+      </p:sp>
+    </p:spTree>
+    <p:extLst>
+      <p:ext uri="{BB962C8B-B14F-4D97-AF65-F5344CB8AC3E}">
+        <p14:creationId xmlns:p14="http://schemas.microsoft.com/office/powerpoint/2010/main" val="739195116"/>
+      </p:ext>
+    </p:extLst>
+  </p:cSld>
+  <p:clrMapOvr>
+    <a:masterClrMapping/>
+  </p:clrMapOvr>
+  <p:timing>
+    <p:tnLst>
+      <p:par>
+        <p:cTn id="1" dur="indefinite" restart="never" nodeType="tmRoot"/>
+      </p:par>
+    </p:tnLst>
+  </p:timing>
+</p:sld>
+</file>
+
+<file path=ppt/slides/slide24.xml><?xml version="1.0" encoding="utf-8"?>
+<p:sld xmlns:a="http://schemas.openxmlformats.org/drawingml/2006/main" xmlns:r="http://schemas.openxmlformats.org/officeDocument/2006/relationships" xmlns:p="http://schemas.openxmlformats.org/presentationml/2006/main">
+  <p:cSld>
+    <p:spTree>
+      <p:nvGrpSpPr>
+        <p:cNvPr id="1" name=""/>
+        <p:cNvGrpSpPr/>
+        <p:nvPr/>
+      </p:nvGrpSpPr>
+      <p:grpSpPr>
+        <a:xfrm>
+          <a:off x="0" y="0"/>
+          <a:ext cx="0" cy="0"/>
+          <a:chOff x="0" y="0"/>
+          <a:chExt cx="0" cy="0"/>
+        </a:xfrm>
+      </p:grpSpPr>
+      <p:sp>
+        <p:nvSpPr>
+          <p:cNvPr id="2" name="Title 1"/>
+          <p:cNvSpPr>
+            <a:spLocks noGrp="1"/>
+          </p:cNvSpPr>
+          <p:nvPr>
+            <p:ph type="ctrTitle"/>
+          </p:nvPr>
+        </p:nvSpPr>
+        <p:spPr>
+          <a:xfrm>
+            <a:off x="2516894" y="2753498"/>
+            <a:ext cx="7698025" cy="1019432"/>
+          </a:xfrm>
+        </p:spPr>
+        <p:txBody>
+          <a:bodyPr>
+            <a:noAutofit/>
+          </a:bodyPr>
+          <a:lstStyle/>
+          <a:p>
+            <a:pPr algn="ctr"/>
+            <a:r>
+              <a:rPr lang="sr-Latn-RS" sz="8000" cap="none" smtClean="0">
+                <a:solidFill>
+                  <a:schemeClr val="bg1"/>
+                </a:solidFill>
+                <a:latin typeface="Arial" panose="020B0604020202020204" pitchFamily="34" charset="0"/>
+                <a:cs typeface="Arial" panose="020B0604020202020204" pitchFamily="34" charset="0"/>
+              </a:rPr>
+              <a:t>Pitanja</a:t>
+            </a:r>
+            <a:r>
+              <a:rPr lang="en-US" sz="8000" cap="none">
+                <a:solidFill>
+                  <a:schemeClr val="bg1"/>
+                </a:solidFill>
+                <a:latin typeface="Arial" panose="020B0604020202020204" pitchFamily="34" charset="0"/>
+                <a:cs typeface="Arial" panose="020B0604020202020204" pitchFamily="34" charset="0"/>
+              </a:rPr>
+              <a:t>?</a:t>
+            </a:r>
+            <a:endParaRPr lang="en-US" sz="8000" cap="none">
+              <a:solidFill>
+                <a:schemeClr val="bg1"/>
+              </a:solidFill>
+              <a:latin typeface="Arial" panose="020B0604020202020204" pitchFamily="34" charset="0"/>
+              <a:cs typeface="Arial" panose="020B0604020202020204" pitchFamily="34" charset="0"/>
+            </a:endParaRPr>
+          </a:p>
+        </p:txBody>
+      </p:sp>
+    </p:spTree>
+    <p:extLst>
+      <p:ext uri="{BB962C8B-B14F-4D97-AF65-F5344CB8AC3E}">
+        <p14:creationId xmlns:p14="http://schemas.microsoft.com/office/powerpoint/2010/main" val="2129314958"/>
+      </p:ext>
+    </p:extLst>
+  </p:cSld>
+  <p:clrMapOvr>
+    <a:masterClrMapping/>
+  </p:clrMapOvr>
+  <p:timing>
+    <p:tnLst>
+      <p:par>
+        <p:cTn id="1" dur="indefinite" restart="never" nodeType="tmRoot"/>
+      </p:par>
+    </p:tnLst>
+  </p:timing>
+</p:sld>
+</file>
+
+<file path=ppt/slides/slide25.xml><?xml version="1.0" encoding="utf-8"?>
+<p:sld xmlns:a="http://schemas.openxmlformats.org/drawingml/2006/main" xmlns:r="http://schemas.openxmlformats.org/officeDocument/2006/relationships" xmlns:p="http://schemas.openxmlformats.org/presentationml/2006/main">
+  <p:cSld>
+    <p:spTree>
+      <p:nvGrpSpPr>
+        <p:cNvPr id="1" name=""/>
+        <p:cNvGrpSpPr/>
+        <p:nvPr/>
+      </p:nvGrpSpPr>
+      <p:grpSpPr>
+        <a:xfrm>
+          <a:off x="0" y="0"/>
+          <a:ext cx="0" cy="0"/>
+          <a:chOff x="0" y="0"/>
+          <a:chExt cx="0" cy="0"/>
+        </a:xfrm>
+      </p:grpSpPr>
+      <p:sp>
+        <p:nvSpPr>
+          <p:cNvPr id="2" name="Title 1"/>
+          <p:cNvSpPr>
+            <a:spLocks noGrp="1"/>
+          </p:cNvSpPr>
+          <p:nvPr>
+            <p:ph type="ctrTitle"/>
+          </p:nvPr>
+        </p:nvSpPr>
+        <p:spPr>
+          <a:xfrm>
+            <a:off x="2516894" y="2753498"/>
+            <a:ext cx="7698025" cy="1019432"/>
+          </a:xfrm>
+        </p:spPr>
+        <p:txBody>
+          <a:bodyPr>
+            <a:noAutofit/>
+          </a:bodyPr>
+          <a:lstStyle/>
+          <a:p>
+            <a:pPr algn="ctr"/>
+            <a:r>
+              <a:rPr lang="en-US" sz="8000" cap="none" smtClean="0">
+                <a:solidFill>
+                  <a:schemeClr val="bg1"/>
+                </a:solidFill>
+                <a:latin typeface="Arial" panose="020B0604020202020204" pitchFamily="34" charset="0"/>
+                <a:cs typeface="Arial" panose="020B0604020202020204" pitchFamily="34" charset="0"/>
+              </a:rPr>
+              <a:t>Hvala na pa</a:t>
+            </a:r>
+            <a:r>
+              <a:rPr lang="sr-Latn-RS" sz="8000" cap="none" smtClean="0">
+                <a:solidFill>
+                  <a:schemeClr val="bg1"/>
+                </a:solidFill>
+                <a:latin typeface="Arial" panose="020B0604020202020204" pitchFamily="34" charset="0"/>
+                <a:cs typeface="Arial" panose="020B0604020202020204" pitchFamily="34" charset="0"/>
+              </a:rPr>
+              <a:t>žnji!</a:t>
+            </a:r>
+            <a:endParaRPr lang="en-US" sz="8000" cap="none">
+              <a:solidFill>
+                <a:schemeClr val="bg1"/>
+              </a:solidFill>
+              <a:latin typeface="Arial" panose="020B0604020202020204" pitchFamily="34" charset="0"/>
+              <a:cs typeface="Arial" panose="020B0604020202020204" pitchFamily="34" charset="0"/>
+            </a:endParaRPr>
+          </a:p>
+        </p:txBody>
+      </p:sp>
+    </p:spTree>
+    <p:extLst>
+      <p:ext uri="{BB962C8B-B14F-4D97-AF65-F5344CB8AC3E}">
+        <p14:creationId xmlns:p14="http://schemas.microsoft.com/office/powerpoint/2010/main" val="3528133619"/>
       </p:ext>
     </p:extLst>
   </p:cSld>
@@ -8248,17 +11769,7 @@
                 <a:latin typeface="Arial" panose="020B0604020202020204" pitchFamily="34" charset="0"/>
                 <a:cs typeface="Arial" panose="020B0604020202020204" pitchFamily="34" charset="0"/>
               </a:rPr>
-              <a:t>Pogled – predstavljanje podataka i interakcija </a:t>
-            </a:r>
-            <a:r>
-              <a:rPr lang="sr-Latn-RS" sz="2200">
-                <a:solidFill>
-                  <a:schemeClr val="bg1"/>
-                </a:solidFill>
-                <a:latin typeface="Arial" panose="020B0604020202020204" pitchFamily="34" charset="0"/>
-                <a:cs typeface="Arial" panose="020B0604020202020204" pitchFamily="34" charset="0"/>
-              </a:rPr>
-              <a:t>sa </a:t>
+              <a:t>Pogled – predstavljanje podataka i interakcija sa </a:t>
             </a:r>
             <a:r>
               <a:rPr lang="sr-Latn-RS" sz="2200" smtClean="0">

--- a/prezentacija.pptx
+++ b/prezentacija.pptx
@@ -6416,7 +6416,275 @@
   <p:timing>
     <p:tnLst>
       <p:par>
-        <p:cTn id="1" dur="indefinite" restart="never" nodeType="tmRoot"/>
+        <p:cTn id="1" dur="indefinite" restart="never" nodeType="tmRoot">
+          <p:childTnLst>
+            <p:seq concurrent="1" nextAc="seek">
+              <p:cTn id="2" dur="indefinite" nodeType="mainSeq">
+                <p:childTnLst>
+                  <p:par>
+                    <p:cTn id="3" fill="hold">
+                      <p:stCondLst>
+                        <p:cond delay="indefinite"/>
+                      </p:stCondLst>
+                      <p:childTnLst>
+                        <p:par>
+                          <p:cTn id="4" fill="hold">
+                            <p:stCondLst>
+                              <p:cond delay="0"/>
+                            </p:stCondLst>
+                            <p:childTnLst>
+                              <p:par>
+                                <p:cTn id="5" presetID="1" presetClass="entr" presetSubtype="0" fill="hold" nodeType="clickEffect">
+                                  <p:stCondLst>
+                                    <p:cond delay="0"/>
+                                  </p:stCondLst>
+                                  <p:childTnLst>
+                                    <p:set>
+                                      <p:cBhvr>
+                                        <p:cTn id="6" dur="1" fill="hold">
+                                          <p:stCondLst>
+                                            <p:cond delay="0"/>
+                                          </p:stCondLst>
+                                        </p:cTn>
+                                        <p:tgtEl>
+                                          <p:spTgt spid="5">
+                                            <p:txEl>
+                                              <p:pRg st="0" end="0"/>
+                                            </p:txEl>
+                                          </p:spTgt>
+                                        </p:tgtEl>
+                                        <p:attrNameLst>
+                                          <p:attrName>style.visibility</p:attrName>
+                                        </p:attrNameLst>
+                                      </p:cBhvr>
+                                      <p:to>
+                                        <p:strVal val="visible"/>
+                                      </p:to>
+                                    </p:set>
+                                  </p:childTnLst>
+                                </p:cTn>
+                              </p:par>
+                            </p:childTnLst>
+                          </p:cTn>
+                        </p:par>
+                      </p:childTnLst>
+                    </p:cTn>
+                  </p:par>
+                  <p:par>
+                    <p:cTn id="7" fill="hold">
+                      <p:stCondLst>
+                        <p:cond delay="indefinite"/>
+                      </p:stCondLst>
+                      <p:childTnLst>
+                        <p:par>
+                          <p:cTn id="8" fill="hold">
+                            <p:stCondLst>
+                              <p:cond delay="0"/>
+                            </p:stCondLst>
+                            <p:childTnLst>
+                              <p:par>
+                                <p:cTn id="9" presetID="1" presetClass="entr" presetSubtype="0" fill="hold" nodeType="clickEffect">
+                                  <p:stCondLst>
+                                    <p:cond delay="0"/>
+                                  </p:stCondLst>
+                                  <p:childTnLst>
+                                    <p:set>
+                                      <p:cBhvr>
+                                        <p:cTn id="10" dur="1" fill="hold">
+                                          <p:stCondLst>
+                                            <p:cond delay="0"/>
+                                          </p:stCondLst>
+                                        </p:cTn>
+                                        <p:tgtEl>
+                                          <p:spTgt spid="5">
+                                            <p:txEl>
+                                              <p:pRg st="1" end="1"/>
+                                            </p:txEl>
+                                          </p:spTgt>
+                                        </p:tgtEl>
+                                        <p:attrNameLst>
+                                          <p:attrName>style.visibility</p:attrName>
+                                        </p:attrNameLst>
+                                      </p:cBhvr>
+                                      <p:to>
+                                        <p:strVal val="visible"/>
+                                      </p:to>
+                                    </p:set>
+                                  </p:childTnLst>
+                                </p:cTn>
+                              </p:par>
+                            </p:childTnLst>
+                          </p:cTn>
+                        </p:par>
+                      </p:childTnLst>
+                    </p:cTn>
+                  </p:par>
+                  <p:par>
+                    <p:cTn id="11" fill="hold">
+                      <p:stCondLst>
+                        <p:cond delay="indefinite"/>
+                      </p:stCondLst>
+                      <p:childTnLst>
+                        <p:par>
+                          <p:cTn id="12" fill="hold">
+                            <p:stCondLst>
+                              <p:cond delay="0"/>
+                            </p:stCondLst>
+                            <p:childTnLst>
+                              <p:par>
+                                <p:cTn id="13" presetID="1" presetClass="entr" presetSubtype="0" fill="hold" nodeType="clickEffect">
+                                  <p:stCondLst>
+                                    <p:cond delay="0"/>
+                                  </p:stCondLst>
+                                  <p:childTnLst>
+                                    <p:set>
+                                      <p:cBhvr>
+                                        <p:cTn id="14" dur="1" fill="hold">
+                                          <p:stCondLst>
+                                            <p:cond delay="0"/>
+                                          </p:stCondLst>
+                                        </p:cTn>
+                                        <p:tgtEl>
+                                          <p:spTgt spid="5">
+                                            <p:txEl>
+                                              <p:pRg st="2" end="2"/>
+                                            </p:txEl>
+                                          </p:spTgt>
+                                        </p:tgtEl>
+                                        <p:attrNameLst>
+                                          <p:attrName>style.visibility</p:attrName>
+                                        </p:attrNameLst>
+                                      </p:cBhvr>
+                                      <p:to>
+                                        <p:strVal val="visible"/>
+                                      </p:to>
+                                    </p:set>
+                                  </p:childTnLst>
+                                </p:cTn>
+                              </p:par>
+                            </p:childTnLst>
+                          </p:cTn>
+                        </p:par>
+                      </p:childTnLst>
+                    </p:cTn>
+                  </p:par>
+                  <p:par>
+                    <p:cTn id="15" fill="hold">
+                      <p:stCondLst>
+                        <p:cond delay="indefinite"/>
+                      </p:stCondLst>
+                      <p:childTnLst>
+                        <p:par>
+                          <p:cTn id="16" fill="hold">
+                            <p:stCondLst>
+                              <p:cond delay="0"/>
+                            </p:stCondLst>
+                            <p:childTnLst>
+                              <p:par>
+                                <p:cTn id="17" presetID="1" presetClass="entr" presetSubtype="0" fill="hold" nodeType="clickEffect">
+                                  <p:stCondLst>
+                                    <p:cond delay="0"/>
+                                  </p:stCondLst>
+                                  <p:childTnLst>
+                                    <p:set>
+                                      <p:cBhvr>
+                                        <p:cTn id="18" dur="1" fill="hold">
+                                          <p:stCondLst>
+                                            <p:cond delay="0"/>
+                                          </p:stCondLst>
+                                        </p:cTn>
+                                        <p:tgtEl>
+                                          <p:spTgt spid="5">
+                                            <p:txEl>
+                                              <p:pRg st="3" end="3"/>
+                                            </p:txEl>
+                                          </p:spTgt>
+                                        </p:tgtEl>
+                                        <p:attrNameLst>
+                                          <p:attrName>style.visibility</p:attrName>
+                                        </p:attrNameLst>
+                                      </p:cBhvr>
+                                      <p:to>
+                                        <p:strVal val="visible"/>
+                                      </p:to>
+                                    </p:set>
+                                  </p:childTnLst>
+                                </p:cTn>
+                              </p:par>
+                            </p:childTnLst>
+                          </p:cTn>
+                        </p:par>
+                      </p:childTnLst>
+                    </p:cTn>
+                  </p:par>
+                  <p:par>
+                    <p:cTn id="19" fill="hold">
+                      <p:stCondLst>
+                        <p:cond delay="indefinite"/>
+                      </p:stCondLst>
+                      <p:childTnLst>
+                        <p:par>
+                          <p:cTn id="20" fill="hold">
+                            <p:stCondLst>
+                              <p:cond delay="0"/>
+                            </p:stCondLst>
+                            <p:childTnLst>
+                              <p:par>
+                                <p:cTn id="21" presetID="1" presetClass="entr" presetSubtype="0" fill="hold" nodeType="clickEffect">
+                                  <p:stCondLst>
+                                    <p:cond delay="0"/>
+                                  </p:stCondLst>
+                                  <p:childTnLst>
+                                    <p:set>
+                                      <p:cBhvr>
+                                        <p:cTn id="22" dur="1" fill="hold">
+                                          <p:stCondLst>
+                                            <p:cond delay="0"/>
+                                          </p:stCondLst>
+                                        </p:cTn>
+                                        <p:tgtEl>
+                                          <p:spTgt spid="5">
+                                            <p:txEl>
+                                              <p:pRg st="4" end="4"/>
+                                            </p:txEl>
+                                          </p:spTgt>
+                                        </p:tgtEl>
+                                        <p:attrNameLst>
+                                          <p:attrName>style.visibility</p:attrName>
+                                        </p:attrNameLst>
+                                      </p:cBhvr>
+                                      <p:to>
+                                        <p:strVal val="visible"/>
+                                      </p:to>
+                                    </p:set>
+                                  </p:childTnLst>
+                                </p:cTn>
+                              </p:par>
+                            </p:childTnLst>
+                          </p:cTn>
+                        </p:par>
+                      </p:childTnLst>
+                    </p:cTn>
+                  </p:par>
+                </p:childTnLst>
+              </p:cTn>
+              <p:prevCondLst>
+                <p:cond evt="onPrev" delay="0">
+                  <p:tgtEl>
+                    <p:sldTgt/>
+                  </p:tgtEl>
+                </p:cond>
+              </p:prevCondLst>
+              <p:nextCondLst>
+                <p:cond evt="onNext" delay="0">
+                  <p:tgtEl>
+                    <p:sldTgt/>
+                  </p:tgtEl>
+                </p:cond>
+              </p:nextCondLst>
+            </p:seq>
+          </p:childTnLst>
+        </p:cTn>
       </p:par>
     </p:tnLst>
   </p:timing>
@@ -6761,7 +7029,177 @@
   <p:timing>
     <p:tnLst>
       <p:par>
-        <p:cTn id="1" dur="indefinite" restart="never" nodeType="tmRoot"/>
+        <p:cTn id="1" dur="indefinite" restart="never" nodeType="tmRoot">
+          <p:childTnLst>
+            <p:seq concurrent="1" nextAc="seek">
+              <p:cTn id="2" dur="indefinite" nodeType="mainSeq">
+                <p:childTnLst>
+                  <p:par>
+                    <p:cTn id="3" fill="hold">
+                      <p:stCondLst>
+                        <p:cond delay="indefinite"/>
+                      </p:stCondLst>
+                      <p:childTnLst>
+                        <p:par>
+                          <p:cTn id="4" fill="hold">
+                            <p:stCondLst>
+                              <p:cond delay="0"/>
+                            </p:stCondLst>
+                            <p:childTnLst>
+                              <p:par>
+                                <p:cTn id="5" presetID="1" presetClass="entr" presetSubtype="0" fill="hold" nodeType="clickEffect">
+                                  <p:stCondLst>
+                                    <p:cond delay="0"/>
+                                  </p:stCondLst>
+                                  <p:childTnLst>
+                                    <p:set>
+                                      <p:cBhvr>
+                                        <p:cTn id="6" dur="1" fill="hold">
+                                          <p:stCondLst>
+                                            <p:cond delay="0"/>
+                                          </p:stCondLst>
+                                        </p:cTn>
+                                        <p:tgtEl>
+                                          <p:spTgt spid="5">
+                                            <p:txEl>
+                                              <p:pRg st="0" end="0"/>
+                                            </p:txEl>
+                                          </p:spTgt>
+                                        </p:tgtEl>
+                                        <p:attrNameLst>
+                                          <p:attrName>style.visibility</p:attrName>
+                                        </p:attrNameLst>
+                                      </p:cBhvr>
+                                      <p:to>
+                                        <p:strVal val="visible"/>
+                                      </p:to>
+                                    </p:set>
+                                  </p:childTnLst>
+                                </p:cTn>
+                              </p:par>
+                            </p:childTnLst>
+                          </p:cTn>
+                        </p:par>
+                      </p:childTnLst>
+                    </p:cTn>
+                  </p:par>
+                  <p:par>
+                    <p:cTn id="7" fill="hold">
+                      <p:stCondLst>
+                        <p:cond delay="indefinite"/>
+                      </p:stCondLst>
+                      <p:childTnLst>
+                        <p:par>
+                          <p:cTn id="8" fill="hold">
+                            <p:stCondLst>
+                              <p:cond delay="0"/>
+                            </p:stCondLst>
+                            <p:childTnLst>
+                              <p:par>
+                                <p:cTn id="9" presetID="1" presetClass="entr" presetSubtype="0" fill="hold" nodeType="clickEffect">
+                                  <p:stCondLst>
+                                    <p:cond delay="0"/>
+                                  </p:stCondLst>
+                                  <p:childTnLst>
+                                    <p:set>
+                                      <p:cBhvr>
+                                        <p:cTn id="10" dur="1" fill="hold">
+                                          <p:stCondLst>
+                                            <p:cond delay="0"/>
+                                          </p:stCondLst>
+                                        </p:cTn>
+                                        <p:tgtEl>
+                                          <p:spTgt spid="5">
+                                            <p:txEl>
+                                              <p:pRg st="1" end="1"/>
+                                            </p:txEl>
+                                          </p:spTgt>
+                                        </p:tgtEl>
+                                        <p:attrNameLst>
+                                          <p:attrName>style.visibility</p:attrName>
+                                        </p:attrNameLst>
+                                      </p:cBhvr>
+                                      <p:to>
+                                        <p:strVal val="visible"/>
+                                      </p:to>
+                                    </p:set>
+                                  </p:childTnLst>
+                                </p:cTn>
+                              </p:par>
+                            </p:childTnLst>
+                          </p:cTn>
+                        </p:par>
+                      </p:childTnLst>
+                    </p:cTn>
+                  </p:par>
+                  <p:par>
+                    <p:cTn id="11" fill="hold">
+                      <p:stCondLst>
+                        <p:cond delay="indefinite"/>
+                      </p:stCondLst>
+                      <p:childTnLst>
+                        <p:par>
+                          <p:cTn id="12" fill="hold">
+                            <p:stCondLst>
+                              <p:cond delay="0"/>
+                            </p:stCondLst>
+                            <p:childTnLst>
+                              <p:par>
+                                <p:cTn id="13" presetID="1" presetClass="entr" presetSubtype="0" fill="hold" nodeType="clickEffect">
+                                  <p:stCondLst>
+                                    <p:cond delay="0"/>
+                                  </p:stCondLst>
+                                  <p:childTnLst>
+                                    <p:set>
+                                      <p:cBhvr>
+                                        <p:cTn id="14" dur="1" fill="hold">
+                                          <p:stCondLst>
+                                            <p:cond delay="0"/>
+                                          </p:stCondLst>
+                                        </p:cTn>
+                                        <p:tgtEl>
+                                          <p:spTgt spid="5">
+                                            <p:txEl>
+                                              <p:pRg st="2" end="2"/>
+                                            </p:txEl>
+                                          </p:spTgt>
+                                        </p:tgtEl>
+                                        <p:attrNameLst>
+                                          <p:attrName>style.visibility</p:attrName>
+                                        </p:attrNameLst>
+                                      </p:cBhvr>
+                                      <p:to>
+                                        <p:strVal val="visible"/>
+                                      </p:to>
+                                    </p:set>
+                                  </p:childTnLst>
+                                </p:cTn>
+                              </p:par>
+                            </p:childTnLst>
+                          </p:cTn>
+                        </p:par>
+                      </p:childTnLst>
+                    </p:cTn>
+                  </p:par>
+                </p:childTnLst>
+              </p:cTn>
+              <p:prevCondLst>
+                <p:cond evt="onPrev" delay="0">
+                  <p:tgtEl>
+                    <p:sldTgt/>
+                  </p:tgtEl>
+                </p:cond>
+              </p:prevCondLst>
+              <p:nextCondLst>
+                <p:cond evt="onNext" delay="0">
+                  <p:tgtEl>
+                    <p:sldTgt/>
+                  </p:tgtEl>
+                </p:cond>
+              </p:nextCondLst>
+            </p:seq>
+          </p:childTnLst>
+        </p:cTn>
       </p:par>
     </p:tnLst>
   </p:timing>
@@ -6949,7 +7387,226 @@
   <p:timing>
     <p:tnLst>
       <p:par>
-        <p:cTn id="1" dur="indefinite" restart="never" nodeType="tmRoot"/>
+        <p:cTn id="1" dur="indefinite" restart="never" nodeType="tmRoot">
+          <p:childTnLst>
+            <p:seq concurrent="1" nextAc="seek">
+              <p:cTn id="2" dur="indefinite" nodeType="mainSeq">
+                <p:childTnLst>
+                  <p:par>
+                    <p:cTn id="3" fill="hold">
+                      <p:stCondLst>
+                        <p:cond delay="indefinite"/>
+                      </p:stCondLst>
+                      <p:childTnLst>
+                        <p:par>
+                          <p:cTn id="4" fill="hold">
+                            <p:stCondLst>
+                              <p:cond delay="0"/>
+                            </p:stCondLst>
+                            <p:childTnLst>
+                              <p:par>
+                                <p:cTn id="5" presetID="1" presetClass="entr" presetSubtype="0" fill="hold" nodeType="clickEffect">
+                                  <p:stCondLst>
+                                    <p:cond delay="0"/>
+                                  </p:stCondLst>
+                                  <p:childTnLst>
+                                    <p:set>
+                                      <p:cBhvr>
+                                        <p:cTn id="6" dur="1" fill="hold">
+                                          <p:stCondLst>
+                                            <p:cond delay="0"/>
+                                          </p:stCondLst>
+                                        </p:cTn>
+                                        <p:tgtEl>
+                                          <p:spTgt spid="5">
+                                            <p:txEl>
+                                              <p:pRg st="0" end="0"/>
+                                            </p:txEl>
+                                          </p:spTgt>
+                                        </p:tgtEl>
+                                        <p:attrNameLst>
+                                          <p:attrName>style.visibility</p:attrName>
+                                        </p:attrNameLst>
+                                      </p:cBhvr>
+                                      <p:to>
+                                        <p:strVal val="visible"/>
+                                      </p:to>
+                                    </p:set>
+                                  </p:childTnLst>
+                                </p:cTn>
+                              </p:par>
+                            </p:childTnLst>
+                          </p:cTn>
+                        </p:par>
+                      </p:childTnLst>
+                    </p:cTn>
+                  </p:par>
+                  <p:par>
+                    <p:cTn id="7" fill="hold">
+                      <p:stCondLst>
+                        <p:cond delay="indefinite"/>
+                      </p:stCondLst>
+                      <p:childTnLst>
+                        <p:par>
+                          <p:cTn id="8" fill="hold">
+                            <p:stCondLst>
+                              <p:cond delay="0"/>
+                            </p:stCondLst>
+                            <p:childTnLst>
+                              <p:par>
+                                <p:cTn id="9" presetID="1" presetClass="entr" presetSubtype="0" fill="hold" nodeType="clickEffect">
+                                  <p:stCondLst>
+                                    <p:cond delay="0"/>
+                                  </p:stCondLst>
+                                  <p:childTnLst>
+                                    <p:set>
+                                      <p:cBhvr>
+                                        <p:cTn id="10" dur="1" fill="hold">
+                                          <p:stCondLst>
+                                            <p:cond delay="0"/>
+                                          </p:stCondLst>
+                                        </p:cTn>
+                                        <p:tgtEl>
+                                          <p:spTgt spid="5">
+                                            <p:txEl>
+                                              <p:pRg st="1" end="1"/>
+                                            </p:txEl>
+                                          </p:spTgt>
+                                        </p:tgtEl>
+                                        <p:attrNameLst>
+                                          <p:attrName>style.visibility</p:attrName>
+                                        </p:attrNameLst>
+                                      </p:cBhvr>
+                                      <p:to>
+                                        <p:strVal val="visible"/>
+                                      </p:to>
+                                    </p:set>
+                                  </p:childTnLst>
+                                </p:cTn>
+                              </p:par>
+                            </p:childTnLst>
+                          </p:cTn>
+                        </p:par>
+                      </p:childTnLst>
+                    </p:cTn>
+                  </p:par>
+                  <p:par>
+                    <p:cTn id="11" fill="hold">
+                      <p:stCondLst>
+                        <p:cond delay="indefinite"/>
+                      </p:stCondLst>
+                      <p:childTnLst>
+                        <p:par>
+                          <p:cTn id="12" fill="hold">
+                            <p:stCondLst>
+                              <p:cond delay="0"/>
+                            </p:stCondLst>
+                            <p:childTnLst>
+                              <p:par>
+                                <p:cTn id="13" presetID="1" presetClass="entr" presetSubtype="0" fill="hold" nodeType="clickEffect">
+                                  <p:stCondLst>
+                                    <p:cond delay="0"/>
+                                  </p:stCondLst>
+                                  <p:childTnLst>
+                                    <p:set>
+                                      <p:cBhvr>
+                                        <p:cTn id="14" dur="1" fill="hold">
+                                          <p:stCondLst>
+                                            <p:cond delay="0"/>
+                                          </p:stCondLst>
+                                        </p:cTn>
+                                        <p:tgtEl>
+                                          <p:spTgt spid="5">
+                                            <p:txEl>
+                                              <p:pRg st="2" end="2"/>
+                                            </p:txEl>
+                                          </p:spTgt>
+                                        </p:tgtEl>
+                                        <p:attrNameLst>
+                                          <p:attrName>style.visibility</p:attrName>
+                                        </p:attrNameLst>
+                                      </p:cBhvr>
+                                      <p:to>
+                                        <p:strVal val="visible"/>
+                                      </p:to>
+                                    </p:set>
+                                  </p:childTnLst>
+                                </p:cTn>
+                              </p:par>
+                            </p:childTnLst>
+                          </p:cTn>
+                        </p:par>
+                      </p:childTnLst>
+                    </p:cTn>
+                  </p:par>
+                  <p:par>
+                    <p:cTn id="15" fill="hold">
+                      <p:stCondLst>
+                        <p:cond delay="indefinite"/>
+                      </p:stCondLst>
+                      <p:childTnLst>
+                        <p:par>
+                          <p:cTn id="16" fill="hold">
+                            <p:stCondLst>
+                              <p:cond delay="0"/>
+                            </p:stCondLst>
+                            <p:childTnLst>
+                              <p:par>
+                                <p:cTn id="17" presetID="1" presetClass="entr" presetSubtype="0" fill="hold" nodeType="clickEffect">
+                                  <p:stCondLst>
+                                    <p:cond delay="0"/>
+                                  </p:stCondLst>
+                                  <p:childTnLst>
+                                    <p:set>
+                                      <p:cBhvr>
+                                        <p:cTn id="18" dur="1" fill="hold">
+                                          <p:stCondLst>
+                                            <p:cond delay="0"/>
+                                          </p:stCondLst>
+                                        </p:cTn>
+                                        <p:tgtEl>
+                                          <p:spTgt spid="5">
+                                            <p:txEl>
+                                              <p:pRg st="3" end="3"/>
+                                            </p:txEl>
+                                          </p:spTgt>
+                                        </p:tgtEl>
+                                        <p:attrNameLst>
+                                          <p:attrName>style.visibility</p:attrName>
+                                        </p:attrNameLst>
+                                      </p:cBhvr>
+                                      <p:to>
+                                        <p:strVal val="visible"/>
+                                      </p:to>
+                                    </p:set>
+                                  </p:childTnLst>
+                                </p:cTn>
+                              </p:par>
+                            </p:childTnLst>
+                          </p:cTn>
+                        </p:par>
+                      </p:childTnLst>
+                    </p:cTn>
+                  </p:par>
+                </p:childTnLst>
+              </p:cTn>
+              <p:prevCondLst>
+                <p:cond evt="onPrev" delay="0">
+                  <p:tgtEl>
+                    <p:sldTgt/>
+                  </p:tgtEl>
+                </p:cond>
+              </p:prevCondLst>
+              <p:nextCondLst>
+                <p:cond evt="onNext" delay="0">
+                  <p:tgtEl>
+                    <p:sldTgt/>
+                  </p:tgtEl>
+                </p:cond>
+              </p:nextCondLst>
+            </p:seq>
+          </p:childTnLst>
+        </p:cTn>
       </p:par>
     </p:tnLst>
   </p:timing>
@@ -7190,7 +7847,275 @@
   <p:timing>
     <p:tnLst>
       <p:par>
-        <p:cTn id="1" dur="indefinite" restart="never" nodeType="tmRoot"/>
+        <p:cTn id="1" dur="indefinite" restart="never" nodeType="tmRoot">
+          <p:childTnLst>
+            <p:seq concurrent="1" nextAc="seek">
+              <p:cTn id="2" dur="indefinite" nodeType="mainSeq">
+                <p:childTnLst>
+                  <p:par>
+                    <p:cTn id="3" fill="hold">
+                      <p:stCondLst>
+                        <p:cond delay="indefinite"/>
+                      </p:stCondLst>
+                      <p:childTnLst>
+                        <p:par>
+                          <p:cTn id="4" fill="hold">
+                            <p:stCondLst>
+                              <p:cond delay="0"/>
+                            </p:stCondLst>
+                            <p:childTnLst>
+                              <p:par>
+                                <p:cTn id="5" presetID="1" presetClass="entr" presetSubtype="0" fill="hold" nodeType="clickEffect">
+                                  <p:stCondLst>
+                                    <p:cond delay="0"/>
+                                  </p:stCondLst>
+                                  <p:childTnLst>
+                                    <p:set>
+                                      <p:cBhvr>
+                                        <p:cTn id="6" dur="1" fill="hold">
+                                          <p:stCondLst>
+                                            <p:cond delay="0"/>
+                                          </p:stCondLst>
+                                        </p:cTn>
+                                        <p:tgtEl>
+                                          <p:spTgt spid="5">
+                                            <p:txEl>
+                                              <p:pRg st="0" end="0"/>
+                                            </p:txEl>
+                                          </p:spTgt>
+                                        </p:tgtEl>
+                                        <p:attrNameLst>
+                                          <p:attrName>style.visibility</p:attrName>
+                                        </p:attrNameLst>
+                                      </p:cBhvr>
+                                      <p:to>
+                                        <p:strVal val="visible"/>
+                                      </p:to>
+                                    </p:set>
+                                  </p:childTnLst>
+                                </p:cTn>
+                              </p:par>
+                            </p:childTnLst>
+                          </p:cTn>
+                        </p:par>
+                      </p:childTnLst>
+                    </p:cTn>
+                  </p:par>
+                  <p:par>
+                    <p:cTn id="7" fill="hold">
+                      <p:stCondLst>
+                        <p:cond delay="indefinite"/>
+                      </p:stCondLst>
+                      <p:childTnLst>
+                        <p:par>
+                          <p:cTn id="8" fill="hold">
+                            <p:stCondLst>
+                              <p:cond delay="0"/>
+                            </p:stCondLst>
+                            <p:childTnLst>
+                              <p:par>
+                                <p:cTn id="9" presetID="1" presetClass="entr" presetSubtype="0" fill="hold" nodeType="clickEffect">
+                                  <p:stCondLst>
+                                    <p:cond delay="0"/>
+                                  </p:stCondLst>
+                                  <p:childTnLst>
+                                    <p:set>
+                                      <p:cBhvr>
+                                        <p:cTn id="10" dur="1" fill="hold">
+                                          <p:stCondLst>
+                                            <p:cond delay="0"/>
+                                          </p:stCondLst>
+                                        </p:cTn>
+                                        <p:tgtEl>
+                                          <p:spTgt spid="5">
+                                            <p:txEl>
+                                              <p:pRg st="1" end="1"/>
+                                            </p:txEl>
+                                          </p:spTgt>
+                                        </p:tgtEl>
+                                        <p:attrNameLst>
+                                          <p:attrName>style.visibility</p:attrName>
+                                        </p:attrNameLst>
+                                      </p:cBhvr>
+                                      <p:to>
+                                        <p:strVal val="visible"/>
+                                      </p:to>
+                                    </p:set>
+                                  </p:childTnLst>
+                                </p:cTn>
+                              </p:par>
+                            </p:childTnLst>
+                          </p:cTn>
+                        </p:par>
+                      </p:childTnLst>
+                    </p:cTn>
+                  </p:par>
+                  <p:par>
+                    <p:cTn id="11" fill="hold">
+                      <p:stCondLst>
+                        <p:cond delay="indefinite"/>
+                      </p:stCondLst>
+                      <p:childTnLst>
+                        <p:par>
+                          <p:cTn id="12" fill="hold">
+                            <p:stCondLst>
+                              <p:cond delay="0"/>
+                            </p:stCondLst>
+                            <p:childTnLst>
+                              <p:par>
+                                <p:cTn id="13" presetID="1" presetClass="entr" presetSubtype="0" fill="hold" nodeType="clickEffect">
+                                  <p:stCondLst>
+                                    <p:cond delay="0"/>
+                                  </p:stCondLst>
+                                  <p:childTnLst>
+                                    <p:set>
+                                      <p:cBhvr>
+                                        <p:cTn id="14" dur="1" fill="hold">
+                                          <p:stCondLst>
+                                            <p:cond delay="0"/>
+                                          </p:stCondLst>
+                                        </p:cTn>
+                                        <p:tgtEl>
+                                          <p:spTgt spid="5">
+                                            <p:txEl>
+                                              <p:pRg st="2" end="2"/>
+                                            </p:txEl>
+                                          </p:spTgt>
+                                        </p:tgtEl>
+                                        <p:attrNameLst>
+                                          <p:attrName>style.visibility</p:attrName>
+                                        </p:attrNameLst>
+                                      </p:cBhvr>
+                                      <p:to>
+                                        <p:strVal val="visible"/>
+                                      </p:to>
+                                    </p:set>
+                                  </p:childTnLst>
+                                </p:cTn>
+                              </p:par>
+                            </p:childTnLst>
+                          </p:cTn>
+                        </p:par>
+                      </p:childTnLst>
+                    </p:cTn>
+                  </p:par>
+                  <p:par>
+                    <p:cTn id="15" fill="hold">
+                      <p:stCondLst>
+                        <p:cond delay="indefinite"/>
+                      </p:stCondLst>
+                      <p:childTnLst>
+                        <p:par>
+                          <p:cTn id="16" fill="hold">
+                            <p:stCondLst>
+                              <p:cond delay="0"/>
+                            </p:stCondLst>
+                            <p:childTnLst>
+                              <p:par>
+                                <p:cTn id="17" presetID="1" presetClass="entr" presetSubtype="0" fill="hold" nodeType="clickEffect">
+                                  <p:stCondLst>
+                                    <p:cond delay="0"/>
+                                  </p:stCondLst>
+                                  <p:childTnLst>
+                                    <p:set>
+                                      <p:cBhvr>
+                                        <p:cTn id="18" dur="1" fill="hold">
+                                          <p:stCondLst>
+                                            <p:cond delay="0"/>
+                                          </p:stCondLst>
+                                        </p:cTn>
+                                        <p:tgtEl>
+                                          <p:spTgt spid="5">
+                                            <p:txEl>
+                                              <p:pRg st="3" end="3"/>
+                                            </p:txEl>
+                                          </p:spTgt>
+                                        </p:tgtEl>
+                                        <p:attrNameLst>
+                                          <p:attrName>style.visibility</p:attrName>
+                                        </p:attrNameLst>
+                                      </p:cBhvr>
+                                      <p:to>
+                                        <p:strVal val="visible"/>
+                                      </p:to>
+                                    </p:set>
+                                  </p:childTnLst>
+                                </p:cTn>
+                              </p:par>
+                            </p:childTnLst>
+                          </p:cTn>
+                        </p:par>
+                      </p:childTnLst>
+                    </p:cTn>
+                  </p:par>
+                  <p:par>
+                    <p:cTn id="19" fill="hold">
+                      <p:stCondLst>
+                        <p:cond delay="indefinite"/>
+                      </p:stCondLst>
+                      <p:childTnLst>
+                        <p:par>
+                          <p:cTn id="20" fill="hold">
+                            <p:stCondLst>
+                              <p:cond delay="0"/>
+                            </p:stCondLst>
+                            <p:childTnLst>
+                              <p:par>
+                                <p:cTn id="21" presetID="1" presetClass="entr" presetSubtype="0" fill="hold" nodeType="clickEffect">
+                                  <p:stCondLst>
+                                    <p:cond delay="0"/>
+                                  </p:stCondLst>
+                                  <p:childTnLst>
+                                    <p:set>
+                                      <p:cBhvr>
+                                        <p:cTn id="22" dur="1" fill="hold">
+                                          <p:stCondLst>
+                                            <p:cond delay="0"/>
+                                          </p:stCondLst>
+                                        </p:cTn>
+                                        <p:tgtEl>
+                                          <p:spTgt spid="5">
+                                            <p:txEl>
+                                              <p:pRg st="4" end="4"/>
+                                            </p:txEl>
+                                          </p:spTgt>
+                                        </p:tgtEl>
+                                        <p:attrNameLst>
+                                          <p:attrName>style.visibility</p:attrName>
+                                        </p:attrNameLst>
+                                      </p:cBhvr>
+                                      <p:to>
+                                        <p:strVal val="visible"/>
+                                      </p:to>
+                                    </p:set>
+                                  </p:childTnLst>
+                                </p:cTn>
+                              </p:par>
+                            </p:childTnLst>
+                          </p:cTn>
+                        </p:par>
+                      </p:childTnLst>
+                    </p:cTn>
+                  </p:par>
+                </p:childTnLst>
+              </p:cTn>
+              <p:prevCondLst>
+                <p:cond evt="onPrev" delay="0">
+                  <p:tgtEl>
+                    <p:sldTgt/>
+                  </p:tgtEl>
+                </p:cond>
+              </p:prevCondLst>
+              <p:nextCondLst>
+                <p:cond evt="onNext" delay="0">
+                  <p:tgtEl>
+                    <p:sldTgt/>
+                  </p:tgtEl>
+                </p:cond>
+              </p:nextCondLst>
+            </p:seq>
+          </p:childTnLst>
+        </p:cTn>
       </p:par>
     </p:tnLst>
   </p:timing>
@@ -7654,7 +8579,275 @@
   <p:timing>
     <p:tnLst>
       <p:par>
-        <p:cTn id="1" dur="indefinite" restart="never" nodeType="tmRoot"/>
+        <p:cTn id="1" dur="indefinite" restart="never" nodeType="tmRoot">
+          <p:childTnLst>
+            <p:seq concurrent="1" nextAc="seek">
+              <p:cTn id="2" dur="indefinite" nodeType="mainSeq">
+                <p:childTnLst>
+                  <p:par>
+                    <p:cTn id="3" fill="hold">
+                      <p:stCondLst>
+                        <p:cond delay="indefinite"/>
+                      </p:stCondLst>
+                      <p:childTnLst>
+                        <p:par>
+                          <p:cTn id="4" fill="hold">
+                            <p:stCondLst>
+                              <p:cond delay="0"/>
+                            </p:stCondLst>
+                            <p:childTnLst>
+                              <p:par>
+                                <p:cTn id="5" presetID="1" presetClass="entr" presetSubtype="0" fill="hold" nodeType="clickEffect">
+                                  <p:stCondLst>
+                                    <p:cond delay="0"/>
+                                  </p:stCondLst>
+                                  <p:childTnLst>
+                                    <p:set>
+                                      <p:cBhvr>
+                                        <p:cTn id="6" dur="1" fill="hold">
+                                          <p:stCondLst>
+                                            <p:cond delay="0"/>
+                                          </p:stCondLst>
+                                        </p:cTn>
+                                        <p:tgtEl>
+                                          <p:spTgt spid="5">
+                                            <p:txEl>
+                                              <p:pRg st="0" end="0"/>
+                                            </p:txEl>
+                                          </p:spTgt>
+                                        </p:tgtEl>
+                                        <p:attrNameLst>
+                                          <p:attrName>style.visibility</p:attrName>
+                                        </p:attrNameLst>
+                                      </p:cBhvr>
+                                      <p:to>
+                                        <p:strVal val="visible"/>
+                                      </p:to>
+                                    </p:set>
+                                  </p:childTnLst>
+                                </p:cTn>
+                              </p:par>
+                            </p:childTnLst>
+                          </p:cTn>
+                        </p:par>
+                      </p:childTnLst>
+                    </p:cTn>
+                  </p:par>
+                  <p:par>
+                    <p:cTn id="7" fill="hold">
+                      <p:stCondLst>
+                        <p:cond delay="indefinite"/>
+                      </p:stCondLst>
+                      <p:childTnLst>
+                        <p:par>
+                          <p:cTn id="8" fill="hold">
+                            <p:stCondLst>
+                              <p:cond delay="0"/>
+                            </p:stCondLst>
+                            <p:childTnLst>
+                              <p:par>
+                                <p:cTn id="9" presetID="1" presetClass="entr" presetSubtype="0" fill="hold" nodeType="clickEffect">
+                                  <p:stCondLst>
+                                    <p:cond delay="0"/>
+                                  </p:stCondLst>
+                                  <p:childTnLst>
+                                    <p:set>
+                                      <p:cBhvr>
+                                        <p:cTn id="10" dur="1" fill="hold">
+                                          <p:stCondLst>
+                                            <p:cond delay="0"/>
+                                          </p:stCondLst>
+                                        </p:cTn>
+                                        <p:tgtEl>
+                                          <p:spTgt spid="5">
+                                            <p:txEl>
+                                              <p:pRg st="1" end="1"/>
+                                            </p:txEl>
+                                          </p:spTgt>
+                                        </p:tgtEl>
+                                        <p:attrNameLst>
+                                          <p:attrName>style.visibility</p:attrName>
+                                        </p:attrNameLst>
+                                      </p:cBhvr>
+                                      <p:to>
+                                        <p:strVal val="visible"/>
+                                      </p:to>
+                                    </p:set>
+                                  </p:childTnLst>
+                                </p:cTn>
+                              </p:par>
+                            </p:childTnLst>
+                          </p:cTn>
+                        </p:par>
+                      </p:childTnLst>
+                    </p:cTn>
+                  </p:par>
+                  <p:par>
+                    <p:cTn id="11" fill="hold">
+                      <p:stCondLst>
+                        <p:cond delay="indefinite"/>
+                      </p:stCondLst>
+                      <p:childTnLst>
+                        <p:par>
+                          <p:cTn id="12" fill="hold">
+                            <p:stCondLst>
+                              <p:cond delay="0"/>
+                            </p:stCondLst>
+                            <p:childTnLst>
+                              <p:par>
+                                <p:cTn id="13" presetID="1" presetClass="entr" presetSubtype="0" fill="hold" nodeType="clickEffect">
+                                  <p:stCondLst>
+                                    <p:cond delay="0"/>
+                                  </p:stCondLst>
+                                  <p:childTnLst>
+                                    <p:set>
+                                      <p:cBhvr>
+                                        <p:cTn id="14" dur="1" fill="hold">
+                                          <p:stCondLst>
+                                            <p:cond delay="0"/>
+                                          </p:stCondLst>
+                                        </p:cTn>
+                                        <p:tgtEl>
+                                          <p:spTgt spid="5">
+                                            <p:txEl>
+                                              <p:pRg st="2" end="2"/>
+                                            </p:txEl>
+                                          </p:spTgt>
+                                        </p:tgtEl>
+                                        <p:attrNameLst>
+                                          <p:attrName>style.visibility</p:attrName>
+                                        </p:attrNameLst>
+                                      </p:cBhvr>
+                                      <p:to>
+                                        <p:strVal val="visible"/>
+                                      </p:to>
+                                    </p:set>
+                                  </p:childTnLst>
+                                </p:cTn>
+                              </p:par>
+                            </p:childTnLst>
+                          </p:cTn>
+                        </p:par>
+                      </p:childTnLst>
+                    </p:cTn>
+                  </p:par>
+                  <p:par>
+                    <p:cTn id="15" fill="hold">
+                      <p:stCondLst>
+                        <p:cond delay="indefinite"/>
+                      </p:stCondLst>
+                      <p:childTnLst>
+                        <p:par>
+                          <p:cTn id="16" fill="hold">
+                            <p:stCondLst>
+                              <p:cond delay="0"/>
+                            </p:stCondLst>
+                            <p:childTnLst>
+                              <p:par>
+                                <p:cTn id="17" presetID="1" presetClass="entr" presetSubtype="0" fill="hold" nodeType="clickEffect">
+                                  <p:stCondLst>
+                                    <p:cond delay="0"/>
+                                  </p:stCondLst>
+                                  <p:childTnLst>
+                                    <p:set>
+                                      <p:cBhvr>
+                                        <p:cTn id="18" dur="1" fill="hold">
+                                          <p:stCondLst>
+                                            <p:cond delay="0"/>
+                                          </p:stCondLst>
+                                        </p:cTn>
+                                        <p:tgtEl>
+                                          <p:spTgt spid="5">
+                                            <p:txEl>
+                                              <p:pRg st="3" end="3"/>
+                                            </p:txEl>
+                                          </p:spTgt>
+                                        </p:tgtEl>
+                                        <p:attrNameLst>
+                                          <p:attrName>style.visibility</p:attrName>
+                                        </p:attrNameLst>
+                                      </p:cBhvr>
+                                      <p:to>
+                                        <p:strVal val="visible"/>
+                                      </p:to>
+                                    </p:set>
+                                  </p:childTnLst>
+                                </p:cTn>
+                              </p:par>
+                            </p:childTnLst>
+                          </p:cTn>
+                        </p:par>
+                      </p:childTnLst>
+                    </p:cTn>
+                  </p:par>
+                  <p:par>
+                    <p:cTn id="19" fill="hold">
+                      <p:stCondLst>
+                        <p:cond delay="indefinite"/>
+                      </p:stCondLst>
+                      <p:childTnLst>
+                        <p:par>
+                          <p:cTn id="20" fill="hold">
+                            <p:stCondLst>
+                              <p:cond delay="0"/>
+                            </p:stCondLst>
+                            <p:childTnLst>
+                              <p:par>
+                                <p:cTn id="21" presetID="1" presetClass="entr" presetSubtype="0" fill="hold" nodeType="clickEffect">
+                                  <p:stCondLst>
+                                    <p:cond delay="0"/>
+                                  </p:stCondLst>
+                                  <p:childTnLst>
+                                    <p:set>
+                                      <p:cBhvr>
+                                        <p:cTn id="22" dur="1" fill="hold">
+                                          <p:stCondLst>
+                                            <p:cond delay="0"/>
+                                          </p:stCondLst>
+                                        </p:cTn>
+                                        <p:tgtEl>
+                                          <p:spTgt spid="5">
+                                            <p:txEl>
+                                              <p:pRg st="4" end="4"/>
+                                            </p:txEl>
+                                          </p:spTgt>
+                                        </p:tgtEl>
+                                        <p:attrNameLst>
+                                          <p:attrName>style.visibility</p:attrName>
+                                        </p:attrNameLst>
+                                      </p:cBhvr>
+                                      <p:to>
+                                        <p:strVal val="visible"/>
+                                      </p:to>
+                                    </p:set>
+                                  </p:childTnLst>
+                                </p:cTn>
+                              </p:par>
+                            </p:childTnLst>
+                          </p:cTn>
+                        </p:par>
+                      </p:childTnLst>
+                    </p:cTn>
+                  </p:par>
+                </p:childTnLst>
+              </p:cTn>
+              <p:prevCondLst>
+                <p:cond evt="onPrev" delay="0">
+                  <p:tgtEl>
+                    <p:sldTgt/>
+                  </p:tgtEl>
+                </p:cond>
+              </p:prevCondLst>
+              <p:nextCondLst>
+                <p:cond evt="onNext" delay="0">
+                  <p:tgtEl>
+                    <p:sldTgt/>
+                  </p:tgtEl>
+                </p:cond>
+              </p:nextCondLst>
+            </p:seq>
+          </p:childTnLst>
+        </p:cTn>
       </p:par>
     </p:tnLst>
   </p:timing>
@@ -8204,7 +9397,324 @@
   <p:timing>
     <p:tnLst>
       <p:par>
-        <p:cTn id="1" dur="indefinite" restart="never" nodeType="tmRoot"/>
+        <p:cTn id="1" dur="indefinite" restart="never" nodeType="tmRoot">
+          <p:childTnLst>
+            <p:seq concurrent="1" nextAc="seek">
+              <p:cTn id="2" dur="indefinite" nodeType="mainSeq">
+                <p:childTnLst>
+                  <p:par>
+                    <p:cTn id="3" fill="hold">
+                      <p:stCondLst>
+                        <p:cond delay="indefinite"/>
+                      </p:stCondLst>
+                      <p:childTnLst>
+                        <p:par>
+                          <p:cTn id="4" fill="hold">
+                            <p:stCondLst>
+                              <p:cond delay="0"/>
+                            </p:stCondLst>
+                            <p:childTnLst>
+                              <p:par>
+                                <p:cTn id="5" presetID="1" presetClass="entr" presetSubtype="0" fill="hold" nodeType="clickEffect">
+                                  <p:stCondLst>
+                                    <p:cond delay="0"/>
+                                  </p:stCondLst>
+                                  <p:childTnLst>
+                                    <p:set>
+                                      <p:cBhvr>
+                                        <p:cTn id="6" dur="1" fill="hold">
+                                          <p:stCondLst>
+                                            <p:cond delay="0"/>
+                                          </p:stCondLst>
+                                        </p:cTn>
+                                        <p:tgtEl>
+                                          <p:spTgt spid="5">
+                                            <p:txEl>
+                                              <p:pRg st="0" end="0"/>
+                                            </p:txEl>
+                                          </p:spTgt>
+                                        </p:tgtEl>
+                                        <p:attrNameLst>
+                                          <p:attrName>style.visibility</p:attrName>
+                                        </p:attrNameLst>
+                                      </p:cBhvr>
+                                      <p:to>
+                                        <p:strVal val="visible"/>
+                                      </p:to>
+                                    </p:set>
+                                  </p:childTnLst>
+                                </p:cTn>
+                              </p:par>
+                            </p:childTnLst>
+                          </p:cTn>
+                        </p:par>
+                      </p:childTnLst>
+                    </p:cTn>
+                  </p:par>
+                  <p:par>
+                    <p:cTn id="7" fill="hold">
+                      <p:stCondLst>
+                        <p:cond delay="indefinite"/>
+                      </p:stCondLst>
+                      <p:childTnLst>
+                        <p:par>
+                          <p:cTn id="8" fill="hold">
+                            <p:stCondLst>
+                              <p:cond delay="0"/>
+                            </p:stCondLst>
+                            <p:childTnLst>
+                              <p:par>
+                                <p:cTn id="9" presetID="1" presetClass="entr" presetSubtype="0" fill="hold" nodeType="clickEffect">
+                                  <p:stCondLst>
+                                    <p:cond delay="0"/>
+                                  </p:stCondLst>
+                                  <p:childTnLst>
+                                    <p:set>
+                                      <p:cBhvr>
+                                        <p:cTn id="10" dur="1" fill="hold">
+                                          <p:stCondLst>
+                                            <p:cond delay="0"/>
+                                          </p:stCondLst>
+                                        </p:cTn>
+                                        <p:tgtEl>
+                                          <p:spTgt spid="5">
+                                            <p:txEl>
+                                              <p:pRg st="1" end="1"/>
+                                            </p:txEl>
+                                          </p:spTgt>
+                                        </p:tgtEl>
+                                        <p:attrNameLst>
+                                          <p:attrName>style.visibility</p:attrName>
+                                        </p:attrNameLst>
+                                      </p:cBhvr>
+                                      <p:to>
+                                        <p:strVal val="visible"/>
+                                      </p:to>
+                                    </p:set>
+                                  </p:childTnLst>
+                                </p:cTn>
+                              </p:par>
+                            </p:childTnLst>
+                          </p:cTn>
+                        </p:par>
+                      </p:childTnLst>
+                    </p:cTn>
+                  </p:par>
+                  <p:par>
+                    <p:cTn id="11" fill="hold">
+                      <p:stCondLst>
+                        <p:cond delay="indefinite"/>
+                      </p:stCondLst>
+                      <p:childTnLst>
+                        <p:par>
+                          <p:cTn id="12" fill="hold">
+                            <p:stCondLst>
+                              <p:cond delay="0"/>
+                            </p:stCondLst>
+                            <p:childTnLst>
+                              <p:par>
+                                <p:cTn id="13" presetID="1" presetClass="entr" presetSubtype="0" fill="hold" nodeType="clickEffect">
+                                  <p:stCondLst>
+                                    <p:cond delay="0"/>
+                                  </p:stCondLst>
+                                  <p:childTnLst>
+                                    <p:set>
+                                      <p:cBhvr>
+                                        <p:cTn id="14" dur="1" fill="hold">
+                                          <p:stCondLst>
+                                            <p:cond delay="0"/>
+                                          </p:stCondLst>
+                                        </p:cTn>
+                                        <p:tgtEl>
+                                          <p:spTgt spid="5">
+                                            <p:txEl>
+                                              <p:pRg st="2" end="2"/>
+                                            </p:txEl>
+                                          </p:spTgt>
+                                        </p:tgtEl>
+                                        <p:attrNameLst>
+                                          <p:attrName>style.visibility</p:attrName>
+                                        </p:attrNameLst>
+                                      </p:cBhvr>
+                                      <p:to>
+                                        <p:strVal val="visible"/>
+                                      </p:to>
+                                    </p:set>
+                                  </p:childTnLst>
+                                </p:cTn>
+                              </p:par>
+                            </p:childTnLst>
+                          </p:cTn>
+                        </p:par>
+                      </p:childTnLst>
+                    </p:cTn>
+                  </p:par>
+                  <p:par>
+                    <p:cTn id="15" fill="hold">
+                      <p:stCondLst>
+                        <p:cond delay="indefinite"/>
+                      </p:stCondLst>
+                      <p:childTnLst>
+                        <p:par>
+                          <p:cTn id="16" fill="hold">
+                            <p:stCondLst>
+                              <p:cond delay="0"/>
+                            </p:stCondLst>
+                            <p:childTnLst>
+                              <p:par>
+                                <p:cTn id="17" presetID="1" presetClass="entr" presetSubtype="0" fill="hold" nodeType="clickEffect">
+                                  <p:stCondLst>
+                                    <p:cond delay="0"/>
+                                  </p:stCondLst>
+                                  <p:childTnLst>
+                                    <p:set>
+                                      <p:cBhvr>
+                                        <p:cTn id="18" dur="1" fill="hold">
+                                          <p:stCondLst>
+                                            <p:cond delay="0"/>
+                                          </p:stCondLst>
+                                        </p:cTn>
+                                        <p:tgtEl>
+                                          <p:spTgt spid="5">
+                                            <p:txEl>
+                                              <p:pRg st="3" end="3"/>
+                                            </p:txEl>
+                                          </p:spTgt>
+                                        </p:tgtEl>
+                                        <p:attrNameLst>
+                                          <p:attrName>style.visibility</p:attrName>
+                                        </p:attrNameLst>
+                                      </p:cBhvr>
+                                      <p:to>
+                                        <p:strVal val="visible"/>
+                                      </p:to>
+                                    </p:set>
+                                  </p:childTnLst>
+                                </p:cTn>
+                              </p:par>
+                            </p:childTnLst>
+                          </p:cTn>
+                        </p:par>
+                      </p:childTnLst>
+                    </p:cTn>
+                  </p:par>
+                  <p:par>
+                    <p:cTn id="19" fill="hold">
+                      <p:stCondLst>
+                        <p:cond delay="indefinite"/>
+                      </p:stCondLst>
+                      <p:childTnLst>
+                        <p:par>
+                          <p:cTn id="20" fill="hold">
+                            <p:stCondLst>
+                              <p:cond delay="0"/>
+                            </p:stCondLst>
+                            <p:childTnLst>
+                              <p:par>
+                                <p:cTn id="21" presetID="1" presetClass="entr" presetSubtype="0" fill="hold" nodeType="clickEffect">
+                                  <p:stCondLst>
+                                    <p:cond delay="0"/>
+                                  </p:stCondLst>
+                                  <p:childTnLst>
+                                    <p:set>
+                                      <p:cBhvr>
+                                        <p:cTn id="22" dur="1" fill="hold">
+                                          <p:stCondLst>
+                                            <p:cond delay="0"/>
+                                          </p:stCondLst>
+                                        </p:cTn>
+                                        <p:tgtEl>
+                                          <p:spTgt spid="5">
+                                            <p:txEl>
+                                              <p:pRg st="4" end="4"/>
+                                            </p:txEl>
+                                          </p:spTgt>
+                                        </p:tgtEl>
+                                        <p:attrNameLst>
+                                          <p:attrName>style.visibility</p:attrName>
+                                        </p:attrNameLst>
+                                      </p:cBhvr>
+                                      <p:to>
+                                        <p:strVal val="visible"/>
+                                      </p:to>
+                                    </p:set>
+                                  </p:childTnLst>
+                                </p:cTn>
+                              </p:par>
+                            </p:childTnLst>
+                          </p:cTn>
+                        </p:par>
+                      </p:childTnLst>
+                    </p:cTn>
+                  </p:par>
+                  <p:par>
+                    <p:cTn id="23" fill="hold">
+                      <p:stCondLst>
+                        <p:cond delay="indefinite"/>
+                      </p:stCondLst>
+                      <p:childTnLst>
+                        <p:par>
+                          <p:cTn id="24" fill="hold">
+                            <p:stCondLst>
+                              <p:cond delay="0"/>
+                            </p:stCondLst>
+                            <p:childTnLst>
+                              <p:par>
+                                <p:cTn id="25" presetID="1" presetClass="entr" presetSubtype="0" fill="hold" nodeType="clickEffect">
+                                  <p:stCondLst>
+                                    <p:cond delay="0"/>
+                                  </p:stCondLst>
+                                  <p:childTnLst>
+                                    <p:set>
+                                      <p:cBhvr>
+                                        <p:cTn id="26" dur="1" fill="hold">
+                                          <p:stCondLst>
+                                            <p:cond delay="0"/>
+                                          </p:stCondLst>
+                                        </p:cTn>
+                                        <p:tgtEl>
+                                          <p:spTgt spid="5">
+                                            <p:txEl>
+                                              <p:pRg st="5" end="5"/>
+                                            </p:txEl>
+                                          </p:spTgt>
+                                        </p:tgtEl>
+                                        <p:attrNameLst>
+                                          <p:attrName>style.visibility</p:attrName>
+                                        </p:attrNameLst>
+                                      </p:cBhvr>
+                                      <p:to>
+                                        <p:strVal val="visible"/>
+                                      </p:to>
+                                    </p:set>
+                                  </p:childTnLst>
+                                </p:cTn>
+                              </p:par>
+                            </p:childTnLst>
+                          </p:cTn>
+                        </p:par>
+                      </p:childTnLst>
+                    </p:cTn>
+                  </p:par>
+                </p:childTnLst>
+              </p:cTn>
+              <p:prevCondLst>
+                <p:cond evt="onPrev" delay="0">
+                  <p:tgtEl>
+                    <p:sldTgt/>
+                  </p:tgtEl>
+                </p:cond>
+              </p:prevCondLst>
+              <p:nextCondLst>
+                <p:cond evt="onNext" delay="0">
+                  <p:tgtEl>
+                    <p:sldTgt/>
+                  </p:tgtEl>
+                </p:cond>
+              </p:nextCondLst>
+            </p:seq>
+          </p:childTnLst>
+        </p:cTn>
       </p:par>
     </p:tnLst>
   </p:timing>
@@ -8993,7 +10503,404 @@
   <p:timing>
     <p:tnLst>
       <p:par>
-        <p:cTn id="1" dur="indefinite" restart="never" nodeType="tmRoot"/>
+        <p:cTn id="1" dur="indefinite" restart="never" nodeType="tmRoot">
+          <p:childTnLst>
+            <p:seq concurrent="1" nextAc="seek">
+              <p:cTn id="2" dur="indefinite" nodeType="mainSeq">
+                <p:childTnLst>
+                  <p:par>
+                    <p:cTn id="3" fill="hold">
+                      <p:stCondLst>
+                        <p:cond delay="indefinite"/>
+                      </p:stCondLst>
+                      <p:childTnLst>
+                        <p:par>
+                          <p:cTn id="4" fill="hold">
+                            <p:stCondLst>
+                              <p:cond delay="0"/>
+                            </p:stCondLst>
+                            <p:childTnLst>
+                              <p:par>
+                                <p:cTn id="5" presetID="1" presetClass="entr" presetSubtype="0" fill="hold" nodeType="clickEffect">
+                                  <p:stCondLst>
+                                    <p:cond delay="0"/>
+                                  </p:stCondLst>
+                                  <p:childTnLst>
+                                    <p:set>
+                                      <p:cBhvr>
+                                        <p:cTn id="6" dur="1" fill="hold">
+                                          <p:stCondLst>
+                                            <p:cond delay="0"/>
+                                          </p:stCondLst>
+                                        </p:cTn>
+                                        <p:tgtEl>
+                                          <p:spTgt spid="5">
+                                            <p:txEl>
+                                              <p:pRg st="0" end="0"/>
+                                            </p:txEl>
+                                          </p:spTgt>
+                                        </p:tgtEl>
+                                        <p:attrNameLst>
+                                          <p:attrName>style.visibility</p:attrName>
+                                        </p:attrNameLst>
+                                      </p:cBhvr>
+                                      <p:to>
+                                        <p:strVal val="visible"/>
+                                      </p:to>
+                                    </p:set>
+                                  </p:childTnLst>
+                                </p:cTn>
+                              </p:par>
+                              <p:par>
+                                <p:cTn id="7" presetID="1" presetClass="entr" presetSubtype="0" fill="hold" nodeType="withEffect">
+                                  <p:stCondLst>
+                                    <p:cond delay="0"/>
+                                  </p:stCondLst>
+                                  <p:childTnLst>
+                                    <p:set>
+                                      <p:cBhvr>
+                                        <p:cTn id="8" dur="1" fill="hold">
+                                          <p:stCondLst>
+                                            <p:cond delay="0"/>
+                                          </p:stCondLst>
+                                        </p:cTn>
+                                        <p:tgtEl>
+                                          <p:spTgt spid="5">
+                                            <p:txEl>
+                                              <p:pRg st="1" end="1"/>
+                                            </p:txEl>
+                                          </p:spTgt>
+                                        </p:tgtEl>
+                                        <p:attrNameLst>
+                                          <p:attrName>style.visibility</p:attrName>
+                                        </p:attrNameLst>
+                                      </p:cBhvr>
+                                      <p:to>
+                                        <p:strVal val="visible"/>
+                                      </p:to>
+                                    </p:set>
+                                  </p:childTnLst>
+                                </p:cTn>
+                              </p:par>
+                            </p:childTnLst>
+                          </p:cTn>
+                        </p:par>
+                      </p:childTnLst>
+                    </p:cTn>
+                  </p:par>
+                  <p:par>
+                    <p:cTn id="9" fill="hold">
+                      <p:stCondLst>
+                        <p:cond delay="indefinite"/>
+                      </p:stCondLst>
+                      <p:childTnLst>
+                        <p:par>
+                          <p:cTn id="10" fill="hold">
+                            <p:stCondLst>
+                              <p:cond delay="0"/>
+                            </p:stCondLst>
+                            <p:childTnLst>
+                              <p:par>
+                                <p:cTn id="11" presetID="1" presetClass="entr" presetSubtype="0" fill="hold" nodeType="clickEffect">
+                                  <p:stCondLst>
+                                    <p:cond delay="0"/>
+                                  </p:stCondLst>
+                                  <p:childTnLst>
+                                    <p:set>
+                                      <p:cBhvr>
+                                        <p:cTn id="12" dur="1" fill="hold">
+                                          <p:stCondLst>
+                                            <p:cond delay="0"/>
+                                          </p:stCondLst>
+                                        </p:cTn>
+                                        <p:tgtEl>
+                                          <p:spTgt spid="5">
+                                            <p:txEl>
+                                              <p:pRg st="2" end="2"/>
+                                            </p:txEl>
+                                          </p:spTgt>
+                                        </p:tgtEl>
+                                        <p:attrNameLst>
+                                          <p:attrName>style.visibility</p:attrName>
+                                        </p:attrNameLst>
+                                      </p:cBhvr>
+                                      <p:to>
+                                        <p:strVal val="visible"/>
+                                      </p:to>
+                                    </p:set>
+                                  </p:childTnLst>
+                                </p:cTn>
+                              </p:par>
+                            </p:childTnLst>
+                          </p:cTn>
+                        </p:par>
+                      </p:childTnLst>
+                    </p:cTn>
+                  </p:par>
+                  <p:par>
+                    <p:cTn id="13" fill="hold">
+                      <p:stCondLst>
+                        <p:cond delay="indefinite"/>
+                      </p:stCondLst>
+                      <p:childTnLst>
+                        <p:par>
+                          <p:cTn id="14" fill="hold">
+                            <p:stCondLst>
+                              <p:cond delay="0"/>
+                            </p:stCondLst>
+                            <p:childTnLst>
+                              <p:par>
+                                <p:cTn id="15" presetID="1" presetClass="entr" presetSubtype="0" fill="hold" nodeType="clickEffect">
+                                  <p:stCondLst>
+                                    <p:cond delay="0"/>
+                                  </p:stCondLst>
+                                  <p:childTnLst>
+                                    <p:set>
+                                      <p:cBhvr>
+                                        <p:cTn id="16" dur="1" fill="hold">
+                                          <p:stCondLst>
+                                            <p:cond delay="0"/>
+                                          </p:stCondLst>
+                                        </p:cTn>
+                                        <p:tgtEl>
+                                          <p:spTgt spid="5">
+                                            <p:txEl>
+                                              <p:pRg st="3" end="3"/>
+                                            </p:txEl>
+                                          </p:spTgt>
+                                        </p:tgtEl>
+                                        <p:attrNameLst>
+                                          <p:attrName>style.visibility</p:attrName>
+                                        </p:attrNameLst>
+                                      </p:cBhvr>
+                                      <p:to>
+                                        <p:strVal val="visible"/>
+                                      </p:to>
+                                    </p:set>
+                                  </p:childTnLst>
+                                </p:cTn>
+                              </p:par>
+                            </p:childTnLst>
+                          </p:cTn>
+                        </p:par>
+                      </p:childTnLst>
+                    </p:cTn>
+                  </p:par>
+                  <p:par>
+                    <p:cTn id="17" fill="hold">
+                      <p:stCondLst>
+                        <p:cond delay="indefinite"/>
+                      </p:stCondLst>
+                      <p:childTnLst>
+                        <p:par>
+                          <p:cTn id="18" fill="hold">
+                            <p:stCondLst>
+                              <p:cond delay="0"/>
+                            </p:stCondLst>
+                            <p:childTnLst>
+                              <p:par>
+                                <p:cTn id="19" presetID="1" presetClass="entr" presetSubtype="0" fill="hold" nodeType="clickEffect">
+                                  <p:stCondLst>
+                                    <p:cond delay="0"/>
+                                  </p:stCondLst>
+                                  <p:childTnLst>
+                                    <p:set>
+                                      <p:cBhvr>
+                                        <p:cTn id="20" dur="1" fill="hold">
+                                          <p:stCondLst>
+                                            <p:cond delay="0"/>
+                                          </p:stCondLst>
+                                        </p:cTn>
+                                        <p:tgtEl>
+                                          <p:spTgt spid="5">
+                                            <p:txEl>
+                                              <p:pRg st="4" end="4"/>
+                                            </p:txEl>
+                                          </p:spTgt>
+                                        </p:tgtEl>
+                                        <p:attrNameLst>
+                                          <p:attrName>style.visibility</p:attrName>
+                                        </p:attrNameLst>
+                                      </p:cBhvr>
+                                      <p:to>
+                                        <p:strVal val="visible"/>
+                                      </p:to>
+                                    </p:set>
+                                  </p:childTnLst>
+                                </p:cTn>
+                              </p:par>
+                            </p:childTnLst>
+                          </p:cTn>
+                        </p:par>
+                      </p:childTnLst>
+                    </p:cTn>
+                  </p:par>
+                  <p:par>
+                    <p:cTn id="21" fill="hold">
+                      <p:stCondLst>
+                        <p:cond delay="indefinite"/>
+                      </p:stCondLst>
+                      <p:childTnLst>
+                        <p:par>
+                          <p:cTn id="22" fill="hold">
+                            <p:stCondLst>
+                              <p:cond delay="0"/>
+                            </p:stCondLst>
+                            <p:childTnLst>
+                              <p:par>
+                                <p:cTn id="23" presetID="1" presetClass="entr" presetSubtype="0" fill="hold" nodeType="clickEffect">
+                                  <p:stCondLst>
+                                    <p:cond delay="0"/>
+                                  </p:stCondLst>
+                                  <p:childTnLst>
+                                    <p:set>
+                                      <p:cBhvr>
+                                        <p:cTn id="24" dur="1" fill="hold">
+                                          <p:stCondLst>
+                                            <p:cond delay="0"/>
+                                          </p:stCondLst>
+                                        </p:cTn>
+                                        <p:tgtEl>
+                                          <p:spTgt spid="5">
+                                            <p:txEl>
+                                              <p:pRg st="5" end="5"/>
+                                            </p:txEl>
+                                          </p:spTgt>
+                                        </p:tgtEl>
+                                        <p:attrNameLst>
+                                          <p:attrName>style.visibility</p:attrName>
+                                        </p:attrNameLst>
+                                      </p:cBhvr>
+                                      <p:to>
+                                        <p:strVal val="visible"/>
+                                      </p:to>
+                                    </p:set>
+                                  </p:childTnLst>
+                                </p:cTn>
+                              </p:par>
+                            </p:childTnLst>
+                          </p:cTn>
+                        </p:par>
+                      </p:childTnLst>
+                    </p:cTn>
+                  </p:par>
+                  <p:par>
+                    <p:cTn id="25" fill="hold">
+                      <p:stCondLst>
+                        <p:cond delay="indefinite"/>
+                      </p:stCondLst>
+                      <p:childTnLst>
+                        <p:par>
+                          <p:cTn id="26" fill="hold">
+                            <p:stCondLst>
+                              <p:cond delay="0"/>
+                            </p:stCondLst>
+                            <p:childTnLst>
+                              <p:par>
+                                <p:cTn id="27" presetID="1" presetClass="entr" presetSubtype="0" fill="hold" nodeType="clickEffect">
+                                  <p:stCondLst>
+                                    <p:cond delay="0"/>
+                                  </p:stCondLst>
+                                  <p:childTnLst>
+                                    <p:set>
+                                      <p:cBhvr>
+                                        <p:cTn id="28" dur="1" fill="hold">
+                                          <p:stCondLst>
+                                            <p:cond delay="0"/>
+                                          </p:stCondLst>
+                                        </p:cTn>
+                                        <p:tgtEl>
+                                          <p:spTgt spid="5">
+                                            <p:txEl>
+                                              <p:pRg st="6" end="6"/>
+                                            </p:txEl>
+                                          </p:spTgt>
+                                        </p:tgtEl>
+                                        <p:attrNameLst>
+                                          <p:attrName>style.visibility</p:attrName>
+                                        </p:attrNameLst>
+                                      </p:cBhvr>
+                                      <p:to>
+                                        <p:strVal val="visible"/>
+                                      </p:to>
+                                    </p:set>
+                                  </p:childTnLst>
+                                </p:cTn>
+                              </p:par>
+                            </p:childTnLst>
+                          </p:cTn>
+                        </p:par>
+                      </p:childTnLst>
+                    </p:cTn>
+                  </p:par>
+                  <p:par>
+                    <p:cTn id="29" fill="hold">
+                      <p:stCondLst>
+                        <p:cond delay="indefinite"/>
+                      </p:stCondLst>
+                      <p:childTnLst>
+                        <p:par>
+                          <p:cTn id="30" fill="hold">
+                            <p:stCondLst>
+                              <p:cond delay="0"/>
+                            </p:stCondLst>
+                            <p:childTnLst>
+                              <p:par>
+                                <p:cTn id="31" presetID="1" presetClass="entr" presetSubtype="0" fill="hold" nodeType="clickEffect">
+                                  <p:stCondLst>
+                                    <p:cond delay="0"/>
+                                  </p:stCondLst>
+                                  <p:childTnLst>
+                                    <p:set>
+                                      <p:cBhvr>
+                                        <p:cTn id="32" dur="1" fill="hold">
+                                          <p:stCondLst>
+                                            <p:cond delay="0"/>
+                                          </p:stCondLst>
+                                        </p:cTn>
+                                        <p:tgtEl>
+                                          <p:spTgt spid="5">
+                                            <p:txEl>
+                                              <p:pRg st="7" end="7"/>
+                                            </p:txEl>
+                                          </p:spTgt>
+                                        </p:tgtEl>
+                                        <p:attrNameLst>
+                                          <p:attrName>style.visibility</p:attrName>
+                                        </p:attrNameLst>
+                                      </p:cBhvr>
+                                      <p:to>
+                                        <p:strVal val="visible"/>
+                                      </p:to>
+                                    </p:set>
+                                  </p:childTnLst>
+                                </p:cTn>
+                              </p:par>
+                            </p:childTnLst>
+                          </p:cTn>
+                        </p:par>
+                      </p:childTnLst>
+                    </p:cTn>
+                  </p:par>
+                </p:childTnLst>
+              </p:cTn>
+              <p:prevCondLst>
+                <p:cond evt="onPrev" delay="0">
+                  <p:tgtEl>
+                    <p:sldTgt/>
+                  </p:tgtEl>
+                </p:cond>
+              </p:prevCondLst>
+              <p:nextCondLst>
+                <p:cond evt="onNext" delay="0">
+                  <p:tgtEl>
+                    <p:sldTgt/>
+                  </p:tgtEl>
+                </p:cond>
+              </p:nextCondLst>
+            </p:seq>
+          </p:childTnLst>
+        </p:cTn>
       </p:par>
     </p:tnLst>
   </p:timing>
@@ -9194,7 +11101,226 @@
   <p:timing>
     <p:tnLst>
       <p:par>
-        <p:cTn id="1" dur="indefinite" restart="never" nodeType="tmRoot"/>
+        <p:cTn id="1" dur="indefinite" restart="never" nodeType="tmRoot">
+          <p:childTnLst>
+            <p:seq concurrent="1" nextAc="seek">
+              <p:cTn id="2" dur="indefinite" nodeType="mainSeq">
+                <p:childTnLst>
+                  <p:par>
+                    <p:cTn id="3" fill="hold">
+                      <p:stCondLst>
+                        <p:cond delay="indefinite"/>
+                      </p:stCondLst>
+                      <p:childTnLst>
+                        <p:par>
+                          <p:cTn id="4" fill="hold">
+                            <p:stCondLst>
+                              <p:cond delay="0"/>
+                            </p:stCondLst>
+                            <p:childTnLst>
+                              <p:par>
+                                <p:cTn id="5" presetID="1" presetClass="entr" presetSubtype="0" fill="hold" nodeType="clickEffect">
+                                  <p:stCondLst>
+                                    <p:cond delay="0"/>
+                                  </p:stCondLst>
+                                  <p:childTnLst>
+                                    <p:set>
+                                      <p:cBhvr>
+                                        <p:cTn id="6" dur="1" fill="hold">
+                                          <p:stCondLst>
+                                            <p:cond delay="0"/>
+                                          </p:stCondLst>
+                                        </p:cTn>
+                                        <p:tgtEl>
+                                          <p:spTgt spid="5">
+                                            <p:txEl>
+                                              <p:pRg st="0" end="0"/>
+                                            </p:txEl>
+                                          </p:spTgt>
+                                        </p:tgtEl>
+                                        <p:attrNameLst>
+                                          <p:attrName>style.visibility</p:attrName>
+                                        </p:attrNameLst>
+                                      </p:cBhvr>
+                                      <p:to>
+                                        <p:strVal val="visible"/>
+                                      </p:to>
+                                    </p:set>
+                                  </p:childTnLst>
+                                </p:cTn>
+                              </p:par>
+                            </p:childTnLst>
+                          </p:cTn>
+                        </p:par>
+                      </p:childTnLst>
+                    </p:cTn>
+                  </p:par>
+                  <p:par>
+                    <p:cTn id="7" fill="hold">
+                      <p:stCondLst>
+                        <p:cond delay="indefinite"/>
+                      </p:stCondLst>
+                      <p:childTnLst>
+                        <p:par>
+                          <p:cTn id="8" fill="hold">
+                            <p:stCondLst>
+                              <p:cond delay="0"/>
+                            </p:stCondLst>
+                            <p:childTnLst>
+                              <p:par>
+                                <p:cTn id="9" presetID="1" presetClass="entr" presetSubtype="0" fill="hold" nodeType="clickEffect">
+                                  <p:stCondLst>
+                                    <p:cond delay="0"/>
+                                  </p:stCondLst>
+                                  <p:childTnLst>
+                                    <p:set>
+                                      <p:cBhvr>
+                                        <p:cTn id="10" dur="1" fill="hold">
+                                          <p:stCondLst>
+                                            <p:cond delay="0"/>
+                                          </p:stCondLst>
+                                        </p:cTn>
+                                        <p:tgtEl>
+                                          <p:spTgt spid="5">
+                                            <p:txEl>
+                                              <p:pRg st="1" end="1"/>
+                                            </p:txEl>
+                                          </p:spTgt>
+                                        </p:tgtEl>
+                                        <p:attrNameLst>
+                                          <p:attrName>style.visibility</p:attrName>
+                                        </p:attrNameLst>
+                                      </p:cBhvr>
+                                      <p:to>
+                                        <p:strVal val="visible"/>
+                                      </p:to>
+                                    </p:set>
+                                  </p:childTnLst>
+                                </p:cTn>
+                              </p:par>
+                            </p:childTnLst>
+                          </p:cTn>
+                        </p:par>
+                      </p:childTnLst>
+                    </p:cTn>
+                  </p:par>
+                  <p:par>
+                    <p:cTn id="11" fill="hold">
+                      <p:stCondLst>
+                        <p:cond delay="indefinite"/>
+                      </p:stCondLst>
+                      <p:childTnLst>
+                        <p:par>
+                          <p:cTn id="12" fill="hold">
+                            <p:stCondLst>
+                              <p:cond delay="0"/>
+                            </p:stCondLst>
+                            <p:childTnLst>
+                              <p:par>
+                                <p:cTn id="13" presetID="1" presetClass="entr" presetSubtype="0" fill="hold" nodeType="clickEffect">
+                                  <p:stCondLst>
+                                    <p:cond delay="0"/>
+                                  </p:stCondLst>
+                                  <p:childTnLst>
+                                    <p:set>
+                                      <p:cBhvr>
+                                        <p:cTn id="14" dur="1" fill="hold">
+                                          <p:stCondLst>
+                                            <p:cond delay="0"/>
+                                          </p:stCondLst>
+                                        </p:cTn>
+                                        <p:tgtEl>
+                                          <p:spTgt spid="5">
+                                            <p:txEl>
+                                              <p:pRg st="2" end="2"/>
+                                            </p:txEl>
+                                          </p:spTgt>
+                                        </p:tgtEl>
+                                        <p:attrNameLst>
+                                          <p:attrName>style.visibility</p:attrName>
+                                        </p:attrNameLst>
+                                      </p:cBhvr>
+                                      <p:to>
+                                        <p:strVal val="visible"/>
+                                      </p:to>
+                                    </p:set>
+                                  </p:childTnLst>
+                                </p:cTn>
+                              </p:par>
+                            </p:childTnLst>
+                          </p:cTn>
+                        </p:par>
+                      </p:childTnLst>
+                    </p:cTn>
+                  </p:par>
+                  <p:par>
+                    <p:cTn id="15" fill="hold">
+                      <p:stCondLst>
+                        <p:cond delay="indefinite"/>
+                      </p:stCondLst>
+                      <p:childTnLst>
+                        <p:par>
+                          <p:cTn id="16" fill="hold">
+                            <p:stCondLst>
+                              <p:cond delay="0"/>
+                            </p:stCondLst>
+                            <p:childTnLst>
+                              <p:par>
+                                <p:cTn id="17" presetID="1" presetClass="entr" presetSubtype="0" fill="hold" nodeType="clickEffect">
+                                  <p:stCondLst>
+                                    <p:cond delay="0"/>
+                                  </p:stCondLst>
+                                  <p:childTnLst>
+                                    <p:set>
+                                      <p:cBhvr>
+                                        <p:cTn id="18" dur="1" fill="hold">
+                                          <p:stCondLst>
+                                            <p:cond delay="0"/>
+                                          </p:stCondLst>
+                                        </p:cTn>
+                                        <p:tgtEl>
+                                          <p:spTgt spid="5">
+                                            <p:txEl>
+                                              <p:pRg st="3" end="3"/>
+                                            </p:txEl>
+                                          </p:spTgt>
+                                        </p:tgtEl>
+                                        <p:attrNameLst>
+                                          <p:attrName>style.visibility</p:attrName>
+                                        </p:attrNameLst>
+                                      </p:cBhvr>
+                                      <p:to>
+                                        <p:strVal val="visible"/>
+                                      </p:to>
+                                    </p:set>
+                                  </p:childTnLst>
+                                </p:cTn>
+                              </p:par>
+                            </p:childTnLst>
+                          </p:cTn>
+                        </p:par>
+                      </p:childTnLst>
+                    </p:cTn>
+                  </p:par>
+                </p:childTnLst>
+              </p:cTn>
+              <p:prevCondLst>
+                <p:cond evt="onPrev" delay="0">
+                  <p:tgtEl>
+                    <p:sldTgt/>
+                  </p:tgtEl>
+                </p:cond>
+              </p:prevCondLst>
+              <p:nextCondLst>
+                <p:cond evt="onNext" delay="0">
+                  <p:tgtEl>
+                    <p:sldTgt/>
+                  </p:tgtEl>
+                </p:cond>
+              </p:nextCondLst>
+            </p:seq>
+          </p:childTnLst>
+        </p:cTn>
       </p:par>
     </p:tnLst>
   </p:timing>
@@ -9364,17 +11490,7 @@
                 <a:latin typeface="Arial" panose="020B0604020202020204" pitchFamily="34" charset="0"/>
                 <a:cs typeface="Arial" panose="020B0604020202020204" pitchFamily="34" charset="0"/>
               </a:rPr>
-              <a:t>će je proslediti i objekat koji je dostupan tek u vreme </a:t>
-            </a:r>
-            <a:r>
-              <a:rPr lang="sr-Latn-RS" sz="2000">
-                <a:solidFill>
-                  <a:schemeClr val="bg1"/>
-                </a:solidFill>
-                <a:latin typeface="Arial" panose="020B0604020202020204" pitchFamily="34" charset="0"/>
-                <a:cs typeface="Arial" panose="020B0604020202020204" pitchFamily="34" charset="0"/>
-              </a:rPr>
-              <a:t>izvršavanja </a:t>
+              <a:t>će je proslediti i objekat koji je dostupan tek u vreme izvršavanja </a:t>
             </a:r>
             <a:r>
               <a:rPr lang="sr-Latn-RS" sz="2000" smtClean="0">
@@ -9520,7 +11636,324 @@
   <p:timing>
     <p:tnLst>
       <p:par>
-        <p:cTn id="1" dur="indefinite" restart="never" nodeType="tmRoot"/>
+        <p:cTn id="1" dur="indefinite" restart="never" nodeType="tmRoot">
+          <p:childTnLst>
+            <p:seq concurrent="1" nextAc="seek">
+              <p:cTn id="2" dur="indefinite" nodeType="mainSeq">
+                <p:childTnLst>
+                  <p:par>
+                    <p:cTn id="3" fill="hold">
+                      <p:stCondLst>
+                        <p:cond delay="indefinite"/>
+                      </p:stCondLst>
+                      <p:childTnLst>
+                        <p:par>
+                          <p:cTn id="4" fill="hold">
+                            <p:stCondLst>
+                              <p:cond delay="0"/>
+                            </p:stCondLst>
+                            <p:childTnLst>
+                              <p:par>
+                                <p:cTn id="5" presetID="1" presetClass="entr" presetSubtype="0" fill="hold" nodeType="clickEffect">
+                                  <p:stCondLst>
+                                    <p:cond delay="0"/>
+                                  </p:stCondLst>
+                                  <p:childTnLst>
+                                    <p:set>
+                                      <p:cBhvr>
+                                        <p:cTn id="6" dur="1" fill="hold">
+                                          <p:stCondLst>
+                                            <p:cond delay="0"/>
+                                          </p:stCondLst>
+                                        </p:cTn>
+                                        <p:tgtEl>
+                                          <p:spTgt spid="5">
+                                            <p:txEl>
+                                              <p:pRg st="0" end="0"/>
+                                            </p:txEl>
+                                          </p:spTgt>
+                                        </p:tgtEl>
+                                        <p:attrNameLst>
+                                          <p:attrName>style.visibility</p:attrName>
+                                        </p:attrNameLst>
+                                      </p:cBhvr>
+                                      <p:to>
+                                        <p:strVal val="visible"/>
+                                      </p:to>
+                                    </p:set>
+                                  </p:childTnLst>
+                                </p:cTn>
+                              </p:par>
+                            </p:childTnLst>
+                          </p:cTn>
+                        </p:par>
+                      </p:childTnLst>
+                    </p:cTn>
+                  </p:par>
+                  <p:par>
+                    <p:cTn id="7" fill="hold">
+                      <p:stCondLst>
+                        <p:cond delay="indefinite"/>
+                      </p:stCondLst>
+                      <p:childTnLst>
+                        <p:par>
+                          <p:cTn id="8" fill="hold">
+                            <p:stCondLst>
+                              <p:cond delay="0"/>
+                            </p:stCondLst>
+                            <p:childTnLst>
+                              <p:par>
+                                <p:cTn id="9" presetID="1" presetClass="entr" presetSubtype="0" fill="hold" nodeType="clickEffect">
+                                  <p:stCondLst>
+                                    <p:cond delay="0"/>
+                                  </p:stCondLst>
+                                  <p:childTnLst>
+                                    <p:set>
+                                      <p:cBhvr>
+                                        <p:cTn id="10" dur="1" fill="hold">
+                                          <p:stCondLst>
+                                            <p:cond delay="0"/>
+                                          </p:stCondLst>
+                                        </p:cTn>
+                                        <p:tgtEl>
+                                          <p:spTgt spid="5">
+                                            <p:txEl>
+                                              <p:pRg st="1" end="1"/>
+                                            </p:txEl>
+                                          </p:spTgt>
+                                        </p:tgtEl>
+                                        <p:attrNameLst>
+                                          <p:attrName>style.visibility</p:attrName>
+                                        </p:attrNameLst>
+                                      </p:cBhvr>
+                                      <p:to>
+                                        <p:strVal val="visible"/>
+                                      </p:to>
+                                    </p:set>
+                                  </p:childTnLst>
+                                </p:cTn>
+                              </p:par>
+                            </p:childTnLst>
+                          </p:cTn>
+                        </p:par>
+                      </p:childTnLst>
+                    </p:cTn>
+                  </p:par>
+                  <p:par>
+                    <p:cTn id="11" fill="hold">
+                      <p:stCondLst>
+                        <p:cond delay="indefinite"/>
+                      </p:stCondLst>
+                      <p:childTnLst>
+                        <p:par>
+                          <p:cTn id="12" fill="hold">
+                            <p:stCondLst>
+                              <p:cond delay="0"/>
+                            </p:stCondLst>
+                            <p:childTnLst>
+                              <p:par>
+                                <p:cTn id="13" presetID="1" presetClass="entr" presetSubtype="0" fill="hold" nodeType="clickEffect">
+                                  <p:stCondLst>
+                                    <p:cond delay="0"/>
+                                  </p:stCondLst>
+                                  <p:childTnLst>
+                                    <p:set>
+                                      <p:cBhvr>
+                                        <p:cTn id="14" dur="1" fill="hold">
+                                          <p:stCondLst>
+                                            <p:cond delay="0"/>
+                                          </p:stCondLst>
+                                        </p:cTn>
+                                        <p:tgtEl>
+                                          <p:spTgt spid="5">
+                                            <p:txEl>
+                                              <p:pRg st="2" end="2"/>
+                                            </p:txEl>
+                                          </p:spTgt>
+                                        </p:tgtEl>
+                                        <p:attrNameLst>
+                                          <p:attrName>style.visibility</p:attrName>
+                                        </p:attrNameLst>
+                                      </p:cBhvr>
+                                      <p:to>
+                                        <p:strVal val="visible"/>
+                                      </p:to>
+                                    </p:set>
+                                  </p:childTnLst>
+                                </p:cTn>
+                              </p:par>
+                            </p:childTnLst>
+                          </p:cTn>
+                        </p:par>
+                      </p:childTnLst>
+                    </p:cTn>
+                  </p:par>
+                  <p:par>
+                    <p:cTn id="15" fill="hold">
+                      <p:stCondLst>
+                        <p:cond delay="indefinite"/>
+                      </p:stCondLst>
+                      <p:childTnLst>
+                        <p:par>
+                          <p:cTn id="16" fill="hold">
+                            <p:stCondLst>
+                              <p:cond delay="0"/>
+                            </p:stCondLst>
+                            <p:childTnLst>
+                              <p:par>
+                                <p:cTn id="17" presetID="1" presetClass="entr" presetSubtype="0" fill="hold" nodeType="clickEffect">
+                                  <p:stCondLst>
+                                    <p:cond delay="0"/>
+                                  </p:stCondLst>
+                                  <p:childTnLst>
+                                    <p:set>
+                                      <p:cBhvr>
+                                        <p:cTn id="18" dur="1" fill="hold">
+                                          <p:stCondLst>
+                                            <p:cond delay="0"/>
+                                          </p:stCondLst>
+                                        </p:cTn>
+                                        <p:tgtEl>
+                                          <p:spTgt spid="5">
+                                            <p:txEl>
+                                              <p:pRg st="3" end="3"/>
+                                            </p:txEl>
+                                          </p:spTgt>
+                                        </p:tgtEl>
+                                        <p:attrNameLst>
+                                          <p:attrName>style.visibility</p:attrName>
+                                        </p:attrNameLst>
+                                      </p:cBhvr>
+                                      <p:to>
+                                        <p:strVal val="visible"/>
+                                      </p:to>
+                                    </p:set>
+                                  </p:childTnLst>
+                                </p:cTn>
+                              </p:par>
+                            </p:childTnLst>
+                          </p:cTn>
+                        </p:par>
+                      </p:childTnLst>
+                    </p:cTn>
+                  </p:par>
+                  <p:par>
+                    <p:cTn id="19" fill="hold">
+                      <p:stCondLst>
+                        <p:cond delay="indefinite"/>
+                      </p:stCondLst>
+                      <p:childTnLst>
+                        <p:par>
+                          <p:cTn id="20" fill="hold">
+                            <p:stCondLst>
+                              <p:cond delay="0"/>
+                            </p:stCondLst>
+                            <p:childTnLst>
+                              <p:par>
+                                <p:cTn id="21" presetID="1" presetClass="entr" presetSubtype="0" fill="hold" nodeType="clickEffect">
+                                  <p:stCondLst>
+                                    <p:cond delay="0"/>
+                                  </p:stCondLst>
+                                  <p:childTnLst>
+                                    <p:set>
+                                      <p:cBhvr>
+                                        <p:cTn id="22" dur="1" fill="hold">
+                                          <p:stCondLst>
+                                            <p:cond delay="0"/>
+                                          </p:stCondLst>
+                                        </p:cTn>
+                                        <p:tgtEl>
+                                          <p:spTgt spid="5">
+                                            <p:txEl>
+                                              <p:pRg st="4" end="4"/>
+                                            </p:txEl>
+                                          </p:spTgt>
+                                        </p:tgtEl>
+                                        <p:attrNameLst>
+                                          <p:attrName>style.visibility</p:attrName>
+                                        </p:attrNameLst>
+                                      </p:cBhvr>
+                                      <p:to>
+                                        <p:strVal val="visible"/>
+                                      </p:to>
+                                    </p:set>
+                                  </p:childTnLst>
+                                </p:cTn>
+                              </p:par>
+                            </p:childTnLst>
+                          </p:cTn>
+                        </p:par>
+                      </p:childTnLst>
+                    </p:cTn>
+                  </p:par>
+                  <p:par>
+                    <p:cTn id="23" fill="hold">
+                      <p:stCondLst>
+                        <p:cond delay="indefinite"/>
+                      </p:stCondLst>
+                      <p:childTnLst>
+                        <p:par>
+                          <p:cTn id="24" fill="hold">
+                            <p:stCondLst>
+                              <p:cond delay="0"/>
+                            </p:stCondLst>
+                            <p:childTnLst>
+                              <p:par>
+                                <p:cTn id="25" presetID="1" presetClass="entr" presetSubtype="0" fill="hold" nodeType="clickEffect">
+                                  <p:stCondLst>
+                                    <p:cond delay="0"/>
+                                  </p:stCondLst>
+                                  <p:childTnLst>
+                                    <p:set>
+                                      <p:cBhvr>
+                                        <p:cTn id="26" dur="1" fill="hold">
+                                          <p:stCondLst>
+                                            <p:cond delay="0"/>
+                                          </p:stCondLst>
+                                        </p:cTn>
+                                        <p:tgtEl>
+                                          <p:spTgt spid="5">
+                                            <p:txEl>
+                                              <p:pRg st="5" end="5"/>
+                                            </p:txEl>
+                                          </p:spTgt>
+                                        </p:tgtEl>
+                                        <p:attrNameLst>
+                                          <p:attrName>style.visibility</p:attrName>
+                                        </p:attrNameLst>
+                                      </p:cBhvr>
+                                      <p:to>
+                                        <p:strVal val="visible"/>
+                                      </p:to>
+                                    </p:set>
+                                  </p:childTnLst>
+                                </p:cTn>
+                              </p:par>
+                            </p:childTnLst>
+                          </p:cTn>
+                        </p:par>
+                      </p:childTnLst>
+                    </p:cTn>
+                  </p:par>
+                </p:childTnLst>
+              </p:cTn>
+              <p:prevCondLst>
+                <p:cond evt="onPrev" delay="0">
+                  <p:tgtEl>
+                    <p:sldTgt/>
+                  </p:tgtEl>
+                </p:cond>
+              </p:prevCondLst>
+              <p:nextCondLst>
+                <p:cond evt="onNext" delay="0">
+                  <p:tgtEl>
+                    <p:sldTgt/>
+                  </p:tgtEl>
+                </p:cond>
+              </p:nextCondLst>
+            </p:seq>
+          </p:childTnLst>
+        </p:cTn>
       </p:par>
     </p:tnLst>
   </p:timing>
@@ -9768,7 +12201,226 @@
   <p:timing>
     <p:tnLst>
       <p:par>
-        <p:cTn id="1" dur="indefinite" restart="never" nodeType="tmRoot"/>
+        <p:cTn id="1" dur="indefinite" restart="never" nodeType="tmRoot">
+          <p:childTnLst>
+            <p:seq concurrent="1" nextAc="seek">
+              <p:cTn id="2" dur="indefinite" nodeType="mainSeq">
+                <p:childTnLst>
+                  <p:par>
+                    <p:cTn id="3" fill="hold">
+                      <p:stCondLst>
+                        <p:cond delay="indefinite"/>
+                      </p:stCondLst>
+                      <p:childTnLst>
+                        <p:par>
+                          <p:cTn id="4" fill="hold">
+                            <p:stCondLst>
+                              <p:cond delay="0"/>
+                            </p:stCondLst>
+                            <p:childTnLst>
+                              <p:par>
+                                <p:cTn id="5" presetID="1" presetClass="entr" presetSubtype="0" fill="hold" nodeType="clickEffect">
+                                  <p:stCondLst>
+                                    <p:cond delay="0"/>
+                                  </p:stCondLst>
+                                  <p:childTnLst>
+                                    <p:set>
+                                      <p:cBhvr>
+                                        <p:cTn id="6" dur="1" fill="hold">
+                                          <p:stCondLst>
+                                            <p:cond delay="0"/>
+                                          </p:stCondLst>
+                                        </p:cTn>
+                                        <p:tgtEl>
+                                          <p:spTgt spid="5">
+                                            <p:txEl>
+                                              <p:pRg st="0" end="0"/>
+                                            </p:txEl>
+                                          </p:spTgt>
+                                        </p:tgtEl>
+                                        <p:attrNameLst>
+                                          <p:attrName>style.visibility</p:attrName>
+                                        </p:attrNameLst>
+                                      </p:cBhvr>
+                                      <p:to>
+                                        <p:strVal val="visible"/>
+                                      </p:to>
+                                    </p:set>
+                                  </p:childTnLst>
+                                </p:cTn>
+                              </p:par>
+                            </p:childTnLst>
+                          </p:cTn>
+                        </p:par>
+                      </p:childTnLst>
+                    </p:cTn>
+                  </p:par>
+                  <p:par>
+                    <p:cTn id="7" fill="hold">
+                      <p:stCondLst>
+                        <p:cond delay="indefinite"/>
+                      </p:stCondLst>
+                      <p:childTnLst>
+                        <p:par>
+                          <p:cTn id="8" fill="hold">
+                            <p:stCondLst>
+                              <p:cond delay="0"/>
+                            </p:stCondLst>
+                            <p:childTnLst>
+                              <p:par>
+                                <p:cTn id="9" presetID="1" presetClass="entr" presetSubtype="0" fill="hold" nodeType="clickEffect">
+                                  <p:stCondLst>
+                                    <p:cond delay="0"/>
+                                  </p:stCondLst>
+                                  <p:childTnLst>
+                                    <p:set>
+                                      <p:cBhvr>
+                                        <p:cTn id="10" dur="1" fill="hold">
+                                          <p:stCondLst>
+                                            <p:cond delay="0"/>
+                                          </p:stCondLst>
+                                        </p:cTn>
+                                        <p:tgtEl>
+                                          <p:spTgt spid="5">
+                                            <p:txEl>
+                                              <p:pRg st="1" end="1"/>
+                                            </p:txEl>
+                                          </p:spTgt>
+                                        </p:tgtEl>
+                                        <p:attrNameLst>
+                                          <p:attrName>style.visibility</p:attrName>
+                                        </p:attrNameLst>
+                                      </p:cBhvr>
+                                      <p:to>
+                                        <p:strVal val="visible"/>
+                                      </p:to>
+                                    </p:set>
+                                  </p:childTnLst>
+                                </p:cTn>
+                              </p:par>
+                            </p:childTnLst>
+                          </p:cTn>
+                        </p:par>
+                      </p:childTnLst>
+                    </p:cTn>
+                  </p:par>
+                  <p:par>
+                    <p:cTn id="11" fill="hold">
+                      <p:stCondLst>
+                        <p:cond delay="indefinite"/>
+                      </p:stCondLst>
+                      <p:childTnLst>
+                        <p:par>
+                          <p:cTn id="12" fill="hold">
+                            <p:stCondLst>
+                              <p:cond delay="0"/>
+                            </p:stCondLst>
+                            <p:childTnLst>
+                              <p:par>
+                                <p:cTn id="13" presetID="1" presetClass="entr" presetSubtype="0" fill="hold" nodeType="clickEffect">
+                                  <p:stCondLst>
+                                    <p:cond delay="0"/>
+                                  </p:stCondLst>
+                                  <p:childTnLst>
+                                    <p:set>
+                                      <p:cBhvr>
+                                        <p:cTn id="14" dur="1" fill="hold">
+                                          <p:stCondLst>
+                                            <p:cond delay="0"/>
+                                          </p:stCondLst>
+                                        </p:cTn>
+                                        <p:tgtEl>
+                                          <p:spTgt spid="5">
+                                            <p:txEl>
+                                              <p:pRg st="2" end="2"/>
+                                            </p:txEl>
+                                          </p:spTgt>
+                                        </p:tgtEl>
+                                        <p:attrNameLst>
+                                          <p:attrName>style.visibility</p:attrName>
+                                        </p:attrNameLst>
+                                      </p:cBhvr>
+                                      <p:to>
+                                        <p:strVal val="visible"/>
+                                      </p:to>
+                                    </p:set>
+                                  </p:childTnLst>
+                                </p:cTn>
+                              </p:par>
+                            </p:childTnLst>
+                          </p:cTn>
+                        </p:par>
+                      </p:childTnLst>
+                    </p:cTn>
+                  </p:par>
+                  <p:par>
+                    <p:cTn id="15" fill="hold">
+                      <p:stCondLst>
+                        <p:cond delay="indefinite"/>
+                      </p:stCondLst>
+                      <p:childTnLst>
+                        <p:par>
+                          <p:cTn id="16" fill="hold">
+                            <p:stCondLst>
+                              <p:cond delay="0"/>
+                            </p:stCondLst>
+                            <p:childTnLst>
+                              <p:par>
+                                <p:cTn id="17" presetID="1" presetClass="entr" presetSubtype="0" fill="hold" nodeType="clickEffect">
+                                  <p:stCondLst>
+                                    <p:cond delay="0"/>
+                                  </p:stCondLst>
+                                  <p:childTnLst>
+                                    <p:set>
+                                      <p:cBhvr>
+                                        <p:cTn id="18" dur="1" fill="hold">
+                                          <p:stCondLst>
+                                            <p:cond delay="0"/>
+                                          </p:stCondLst>
+                                        </p:cTn>
+                                        <p:tgtEl>
+                                          <p:spTgt spid="5">
+                                            <p:txEl>
+                                              <p:pRg st="3" end="3"/>
+                                            </p:txEl>
+                                          </p:spTgt>
+                                        </p:tgtEl>
+                                        <p:attrNameLst>
+                                          <p:attrName>style.visibility</p:attrName>
+                                        </p:attrNameLst>
+                                      </p:cBhvr>
+                                      <p:to>
+                                        <p:strVal val="visible"/>
+                                      </p:to>
+                                    </p:set>
+                                  </p:childTnLst>
+                                </p:cTn>
+                              </p:par>
+                            </p:childTnLst>
+                          </p:cTn>
+                        </p:par>
+                      </p:childTnLst>
+                    </p:cTn>
+                  </p:par>
+                </p:childTnLst>
+              </p:cTn>
+              <p:prevCondLst>
+                <p:cond evt="onPrev" delay="0">
+                  <p:tgtEl>
+                    <p:sldTgt/>
+                  </p:tgtEl>
+                </p:cond>
+              </p:prevCondLst>
+              <p:nextCondLst>
+                <p:cond evt="onNext" delay="0">
+                  <p:tgtEl>
+                    <p:sldTgt/>
+                  </p:tgtEl>
+                </p:cond>
+              </p:nextCondLst>
+            </p:seq>
+          </p:childTnLst>
+        </p:cTn>
       </p:par>
     </p:tnLst>
   </p:timing>
@@ -10003,7 +12655,275 @@
   <p:timing>
     <p:tnLst>
       <p:par>
-        <p:cTn id="1" dur="indefinite" restart="never" nodeType="tmRoot"/>
+        <p:cTn id="1" dur="indefinite" restart="never" nodeType="tmRoot">
+          <p:childTnLst>
+            <p:seq concurrent="1" nextAc="seek">
+              <p:cTn id="2" dur="indefinite" nodeType="mainSeq">
+                <p:childTnLst>
+                  <p:par>
+                    <p:cTn id="3" fill="hold">
+                      <p:stCondLst>
+                        <p:cond delay="indefinite"/>
+                      </p:stCondLst>
+                      <p:childTnLst>
+                        <p:par>
+                          <p:cTn id="4" fill="hold">
+                            <p:stCondLst>
+                              <p:cond delay="0"/>
+                            </p:stCondLst>
+                            <p:childTnLst>
+                              <p:par>
+                                <p:cTn id="5" presetID="1" presetClass="entr" presetSubtype="0" fill="hold" nodeType="clickEffect">
+                                  <p:stCondLst>
+                                    <p:cond delay="0"/>
+                                  </p:stCondLst>
+                                  <p:childTnLst>
+                                    <p:set>
+                                      <p:cBhvr>
+                                        <p:cTn id="6" dur="1" fill="hold">
+                                          <p:stCondLst>
+                                            <p:cond delay="0"/>
+                                          </p:stCondLst>
+                                        </p:cTn>
+                                        <p:tgtEl>
+                                          <p:spTgt spid="5">
+                                            <p:txEl>
+                                              <p:pRg st="0" end="0"/>
+                                            </p:txEl>
+                                          </p:spTgt>
+                                        </p:tgtEl>
+                                        <p:attrNameLst>
+                                          <p:attrName>style.visibility</p:attrName>
+                                        </p:attrNameLst>
+                                      </p:cBhvr>
+                                      <p:to>
+                                        <p:strVal val="visible"/>
+                                      </p:to>
+                                    </p:set>
+                                  </p:childTnLst>
+                                </p:cTn>
+                              </p:par>
+                            </p:childTnLst>
+                          </p:cTn>
+                        </p:par>
+                      </p:childTnLst>
+                    </p:cTn>
+                  </p:par>
+                  <p:par>
+                    <p:cTn id="7" fill="hold">
+                      <p:stCondLst>
+                        <p:cond delay="indefinite"/>
+                      </p:stCondLst>
+                      <p:childTnLst>
+                        <p:par>
+                          <p:cTn id="8" fill="hold">
+                            <p:stCondLst>
+                              <p:cond delay="0"/>
+                            </p:stCondLst>
+                            <p:childTnLst>
+                              <p:par>
+                                <p:cTn id="9" presetID="1" presetClass="entr" presetSubtype="0" fill="hold" nodeType="clickEffect">
+                                  <p:stCondLst>
+                                    <p:cond delay="0"/>
+                                  </p:stCondLst>
+                                  <p:childTnLst>
+                                    <p:set>
+                                      <p:cBhvr>
+                                        <p:cTn id="10" dur="1" fill="hold">
+                                          <p:stCondLst>
+                                            <p:cond delay="0"/>
+                                          </p:stCondLst>
+                                        </p:cTn>
+                                        <p:tgtEl>
+                                          <p:spTgt spid="5">
+                                            <p:txEl>
+                                              <p:pRg st="1" end="1"/>
+                                            </p:txEl>
+                                          </p:spTgt>
+                                        </p:tgtEl>
+                                        <p:attrNameLst>
+                                          <p:attrName>style.visibility</p:attrName>
+                                        </p:attrNameLst>
+                                      </p:cBhvr>
+                                      <p:to>
+                                        <p:strVal val="visible"/>
+                                      </p:to>
+                                    </p:set>
+                                  </p:childTnLst>
+                                </p:cTn>
+                              </p:par>
+                            </p:childTnLst>
+                          </p:cTn>
+                        </p:par>
+                      </p:childTnLst>
+                    </p:cTn>
+                  </p:par>
+                  <p:par>
+                    <p:cTn id="11" fill="hold">
+                      <p:stCondLst>
+                        <p:cond delay="indefinite"/>
+                      </p:stCondLst>
+                      <p:childTnLst>
+                        <p:par>
+                          <p:cTn id="12" fill="hold">
+                            <p:stCondLst>
+                              <p:cond delay="0"/>
+                            </p:stCondLst>
+                            <p:childTnLst>
+                              <p:par>
+                                <p:cTn id="13" presetID="1" presetClass="entr" presetSubtype="0" fill="hold" nodeType="clickEffect">
+                                  <p:stCondLst>
+                                    <p:cond delay="0"/>
+                                  </p:stCondLst>
+                                  <p:childTnLst>
+                                    <p:set>
+                                      <p:cBhvr>
+                                        <p:cTn id="14" dur="1" fill="hold">
+                                          <p:stCondLst>
+                                            <p:cond delay="0"/>
+                                          </p:stCondLst>
+                                        </p:cTn>
+                                        <p:tgtEl>
+                                          <p:spTgt spid="5">
+                                            <p:txEl>
+                                              <p:pRg st="2" end="2"/>
+                                            </p:txEl>
+                                          </p:spTgt>
+                                        </p:tgtEl>
+                                        <p:attrNameLst>
+                                          <p:attrName>style.visibility</p:attrName>
+                                        </p:attrNameLst>
+                                      </p:cBhvr>
+                                      <p:to>
+                                        <p:strVal val="visible"/>
+                                      </p:to>
+                                    </p:set>
+                                  </p:childTnLst>
+                                </p:cTn>
+                              </p:par>
+                            </p:childTnLst>
+                          </p:cTn>
+                        </p:par>
+                      </p:childTnLst>
+                    </p:cTn>
+                  </p:par>
+                  <p:par>
+                    <p:cTn id="15" fill="hold">
+                      <p:stCondLst>
+                        <p:cond delay="indefinite"/>
+                      </p:stCondLst>
+                      <p:childTnLst>
+                        <p:par>
+                          <p:cTn id="16" fill="hold">
+                            <p:stCondLst>
+                              <p:cond delay="0"/>
+                            </p:stCondLst>
+                            <p:childTnLst>
+                              <p:par>
+                                <p:cTn id="17" presetID="1" presetClass="entr" presetSubtype="0" fill="hold" nodeType="clickEffect">
+                                  <p:stCondLst>
+                                    <p:cond delay="0"/>
+                                  </p:stCondLst>
+                                  <p:childTnLst>
+                                    <p:set>
+                                      <p:cBhvr>
+                                        <p:cTn id="18" dur="1" fill="hold">
+                                          <p:stCondLst>
+                                            <p:cond delay="0"/>
+                                          </p:stCondLst>
+                                        </p:cTn>
+                                        <p:tgtEl>
+                                          <p:spTgt spid="5">
+                                            <p:txEl>
+                                              <p:pRg st="3" end="3"/>
+                                            </p:txEl>
+                                          </p:spTgt>
+                                        </p:tgtEl>
+                                        <p:attrNameLst>
+                                          <p:attrName>style.visibility</p:attrName>
+                                        </p:attrNameLst>
+                                      </p:cBhvr>
+                                      <p:to>
+                                        <p:strVal val="visible"/>
+                                      </p:to>
+                                    </p:set>
+                                  </p:childTnLst>
+                                </p:cTn>
+                              </p:par>
+                            </p:childTnLst>
+                          </p:cTn>
+                        </p:par>
+                      </p:childTnLst>
+                    </p:cTn>
+                  </p:par>
+                  <p:par>
+                    <p:cTn id="19" fill="hold">
+                      <p:stCondLst>
+                        <p:cond delay="indefinite"/>
+                      </p:stCondLst>
+                      <p:childTnLst>
+                        <p:par>
+                          <p:cTn id="20" fill="hold">
+                            <p:stCondLst>
+                              <p:cond delay="0"/>
+                            </p:stCondLst>
+                            <p:childTnLst>
+                              <p:par>
+                                <p:cTn id="21" presetID="1" presetClass="entr" presetSubtype="0" fill="hold" nodeType="clickEffect">
+                                  <p:stCondLst>
+                                    <p:cond delay="0"/>
+                                  </p:stCondLst>
+                                  <p:childTnLst>
+                                    <p:set>
+                                      <p:cBhvr>
+                                        <p:cTn id="22" dur="1" fill="hold">
+                                          <p:stCondLst>
+                                            <p:cond delay="0"/>
+                                          </p:stCondLst>
+                                        </p:cTn>
+                                        <p:tgtEl>
+                                          <p:spTgt spid="5">
+                                            <p:txEl>
+                                              <p:pRg st="4" end="4"/>
+                                            </p:txEl>
+                                          </p:spTgt>
+                                        </p:tgtEl>
+                                        <p:attrNameLst>
+                                          <p:attrName>style.visibility</p:attrName>
+                                        </p:attrNameLst>
+                                      </p:cBhvr>
+                                      <p:to>
+                                        <p:strVal val="visible"/>
+                                      </p:to>
+                                    </p:set>
+                                  </p:childTnLst>
+                                </p:cTn>
+                              </p:par>
+                            </p:childTnLst>
+                          </p:cTn>
+                        </p:par>
+                      </p:childTnLst>
+                    </p:cTn>
+                  </p:par>
+                </p:childTnLst>
+              </p:cTn>
+              <p:prevCondLst>
+                <p:cond evt="onPrev" delay="0">
+                  <p:tgtEl>
+                    <p:sldTgt/>
+                  </p:tgtEl>
+                </p:cond>
+              </p:prevCondLst>
+              <p:nextCondLst>
+                <p:cond evt="onNext" delay="0">
+                  <p:tgtEl>
+                    <p:sldTgt/>
+                  </p:tgtEl>
+                </p:cond>
+              </p:nextCondLst>
+            </p:seq>
+          </p:childTnLst>
+        </p:cTn>
       </p:par>
     </p:tnLst>
   </p:timing>
@@ -10297,7 +13217,177 @@
   <p:timing>
     <p:tnLst>
       <p:par>
-        <p:cTn id="1" dur="indefinite" restart="never" nodeType="tmRoot"/>
+        <p:cTn id="1" dur="indefinite" restart="never" nodeType="tmRoot">
+          <p:childTnLst>
+            <p:seq concurrent="1" nextAc="seek">
+              <p:cTn id="2" dur="indefinite" nodeType="mainSeq">
+                <p:childTnLst>
+                  <p:par>
+                    <p:cTn id="3" fill="hold">
+                      <p:stCondLst>
+                        <p:cond delay="indefinite"/>
+                      </p:stCondLst>
+                      <p:childTnLst>
+                        <p:par>
+                          <p:cTn id="4" fill="hold">
+                            <p:stCondLst>
+                              <p:cond delay="0"/>
+                            </p:stCondLst>
+                            <p:childTnLst>
+                              <p:par>
+                                <p:cTn id="5" presetID="1" presetClass="entr" presetSubtype="0" fill="hold" nodeType="clickEffect">
+                                  <p:stCondLst>
+                                    <p:cond delay="0"/>
+                                  </p:stCondLst>
+                                  <p:childTnLst>
+                                    <p:set>
+                                      <p:cBhvr>
+                                        <p:cTn id="6" dur="1" fill="hold">
+                                          <p:stCondLst>
+                                            <p:cond delay="0"/>
+                                          </p:stCondLst>
+                                        </p:cTn>
+                                        <p:tgtEl>
+                                          <p:spTgt spid="5">
+                                            <p:txEl>
+                                              <p:pRg st="0" end="0"/>
+                                            </p:txEl>
+                                          </p:spTgt>
+                                        </p:tgtEl>
+                                        <p:attrNameLst>
+                                          <p:attrName>style.visibility</p:attrName>
+                                        </p:attrNameLst>
+                                      </p:cBhvr>
+                                      <p:to>
+                                        <p:strVal val="visible"/>
+                                      </p:to>
+                                    </p:set>
+                                  </p:childTnLst>
+                                </p:cTn>
+                              </p:par>
+                            </p:childTnLst>
+                          </p:cTn>
+                        </p:par>
+                      </p:childTnLst>
+                    </p:cTn>
+                  </p:par>
+                  <p:par>
+                    <p:cTn id="7" fill="hold">
+                      <p:stCondLst>
+                        <p:cond delay="indefinite"/>
+                      </p:stCondLst>
+                      <p:childTnLst>
+                        <p:par>
+                          <p:cTn id="8" fill="hold">
+                            <p:stCondLst>
+                              <p:cond delay="0"/>
+                            </p:stCondLst>
+                            <p:childTnLst>
+                              <p:par>
+                                <p:cTn id="9" presetID="1" presetClass="entr" presetSubtype="0" fill="hold" nodeType="clickEffect">
+                                  <p:stCondLst>
+                                    <p:cond delay="0"/>
+                                  </p:stCondLst>
+                                  <p:childTnLst>
+                                    <p:set>
+                                      <p:cBhvr>
+                                        <p:cTn id="10" dur="1" fill="hold">
+                                          <p:stCondLst>
+                                            <p:cond delay="0"/>
+                                          </p:stCondLst>
+                                        </p:cTn>
+                                        <p:tgtEl>
+                                          <p:spTgt spid="5">
+                                            <p:txEl>
+                                              <p:pRg st="1" end="1"/>
+                                            </p:txEl>
+                                          </p:spTgt>
+                                        </p:tgtEl>
+                                        <p:attrNameLst>
+                                          <p:attrName>style.visibility</p:attrName>
+                                        </p:attrNameLst>
+                                      </p:cBhvr>
+                                      <p:to>
+                                        <p:strVal val="visible"/>
+                                      </p:to>
+                                    </p:set>
+                                  </p:childTnLst>
+                                </p:cTn>
+                              </p:par>
+                            </p:childTnLst>
+                          </p:cTn>
+                        </p:par>
+                      </p:childTnLst>
+                    </p:cTn>
+                  </p:par>
+                  <p:par>
+                    <p:cTn id="11" fill="hold">
+                      <p:stCondLst>
+                        <p:cond delay="indefinite"/>
+                      </p:stCondLst>
+                      <p:childTnLst>
+                        <p:par>
+                          <p:cTn id="12" fill="hold">
+                            <p:stCondLst>
+                              <p:cond delay="0"/>
+                            </p:stCondLst>
+                            <p:childTnLst>
+                              <p:par>
+                                <p:cTn id="13" presetID="1" presetClass="entr" presetSubtype="0" fill="hold" nodeType="clickEffect">
+                                  <p:stCondLst>
+                                    <p:cond delay="0"/>
+                                  </p:stCondLst>
+                                  <p:childTnLst>
+                                    <p:set>
+                                      <p:cBhvr>
+                                        <p:cTn id="14" dur="1" fill="hold">
+                                          <p:stCondLst>
+                                            <p:cond delay="0"/>
+                                          </p:stCondLst>
+                                        </p:cTn>
+                                        <p:tgtEl>
+                                          <p:spTgt spid="5">
+                                            <p:txEl>
+                                              <p:pRg st="2" end="2"/>
+                                            </p:txEl>
+                                          </p:spTgt>
+                                        </p:tgtEl>
+                                        <p:attrNameLst>
+                                          <p:attrName>style.visibility</p:attrName>
+                                        </p:attrNameLst>
+                                      </p:cBhvr>
+                                      <p:to>
+                                        <p:strVal val="visible"/>
+                                      </p:to>
+                                    </p:set>
+                                  </p:childTnLst>
+                                </p:cTn>
+                              </p:par>
+                            </p:childTnLst>
+                          </p:cTn>
+                        </p:par>
+                      </p:childTnLst>
+                    </p:cTn>
+                  </p:par>
+                </p:childTnLst>
+              </p:cTn>
+              <p:prevCondLst>
+                <p:cond evt="onPrev" delay="0">
+                  <p:tgtEl>
+                    <p:sldTgt/>
+                  </p:tgtEl>
+                </p:cond>
+              </p:prevCondLst>
+              <p:nextCondLst>
+                <p:cond evt="onNext" delay="0">
+                  <p:tgtEl>
+                    <p:sldTgt/>
+                  </p:tgtEl>
+                </p:cond>
+              </p:nextCondLst>
+            </p:seq>
+          </p:childTnLst>
+        </p:cTn>
       </p:par>
     </p:tnLst>
   </p:timing>
@@ -10430,31 +13520,15 @@
                 <a:latin typeface="Arial" panose="020B0604020202020204" pitchFamily="34" charset="0"/>
                 <a:cs typeface="Arial" panose="020B0604020202020204" pitchFamily="34" charset="0"/>
               </a:rPr>
-              <a:t>U skorijoj budućnosti se mogu očekivati dalji ubrzani razvoj</a:t>
+              <a:t>Kotlin</a:t>
             </a:r>
             <a:endParaRPr lang="sr-Latn-RS" sz="2000" smtClean="0">
               <a:solidFill>
                 <a:schemeClr val="bg1"/>
               </a:solidFill>
-              <a:latin typeface="Courier New" panose="02070309020205020404" pitchFamily="49" charset="0"/>
-              <a:cs typeface="Courier New" panose="02070309020205020404" pitchFamily="49" charset="0"/>
+              <a:latin typeface="Arial" panose="020B0604020202020204" pitchFamily="34" charset="0"/>
+              <a:cs typeface="Arial" panose="020B0604020202020204" pitchFamily="34" charset="0"/>
             </a:endParaRPr>
-          </a:p>
-          <a:p>
-            <a:pPr marL="342900" indent="-342900">
-              <a:buFont typeface="Arial" panose="020B0604020202020204" pitchFamily="34" charset="0"/>
-              <a:buChar char="•"/>
-            </a:pPr>
-            <a:r>
-              <a:rPr lang="sr-Latn-RS" sz="2000" smtClean="0">
-                <a:solidFill>
-                  <a:schemeClr val="bg1"/>
-                </a:solidFill>
-                <a:latin typeface="Arial" panose="020B0604020202020204" pitchFamily="34" charset="0"/>
-                <a:cs typeface="Arial" panose="020B0604020202020204" pitchFamily="34" charset="0"/>
-              </a:rPr>
-              <a:t>Kotlin</a:t>
-            </a:r>
           </a:p>
           <a:p>
             <a:pPr marL="342900" indent="-342900">
@@ -10529,7 +13603,275 @@
   <p:timing>
     <p:tnLst>
       <p:par>
-        <p:cTn id="1" dur="indefinite" restart="never" nodeType="tmRoot"/>
+        <p:cTn id="1" dur="indefinite" restart="never" nodeType="tmRoot">
+          <p:childTnLst>
+            <p:seq concurrent="1" nextAc="seek">
+              <p:cTn id="2" dur="indefinite" nodeType="mainSeq">
+                <p:childTnLst>
+                  <p:par>
+                    <p:cTn id="3" fill="hold">
+                      <p:stCondLst>
+                        <p:cond delay="indefinite"/>
+                      </p:stCondLst>
+                      <p:childTnLst>
+                        <p:par>
+                          <p:cTn id="4" fill="hold">
+                            <p:stCondLst>
+                              <p:cond delay="0"/>
+                            </p:stCondLst>
+                            <p:childTnLst>
+                              <p:par>
+                                <p:cTn id="5" presetID="1" presetClass="entr" presetSubtype="0" fill="hold" nodeType="clickEffect">
+                                  <p:stCondLst>
+                                    <p:cond delay="0"/>
+                                  </p:stCondLst>
+                                  <p:childTnLst>
+                                    <p:set>
+                                      <p:cBhvr>
+                                        <p:cTn id="6" dur="1" fill="hold">
+                                          <p:stCondLst>
+                                            <p:cond delay="0"/>
+                                          </p:stCondLst>
+                                        </p:cTn>
+                                        <p:tgtEl>
+                                          <p:spTgt spid="5">
+                                            <p:txEl>
+                                              <p:pRg st="0" end="0"/>
+                                            </p:txEl>
+                                          </p:spTgt>
+                                        </p:tgtEl>
+                                        <p:attrNameLst>
+                                          <p:attrName>style.visibility</p:attrName>
+                                        </p:attrNameLst>
+                                      </p:cBhvr>
+                                      <p:to>
+                                        <p:strVal val="visible"/>
+                                      </p:to>
+                                    </p:set>
+                                  </p:childTnLst>
+                                </p:cTn>
+                              </p:par>
+                            </p:childTnLst>
+                          </p:cTn>
+                        </p:par>
+                      </p:childTnLst>
+                    </p:cTn>
+                  </p:par>
+                  <p:par>
+                    <p:cTn id="7" fill="hold">
+                      <p:stCondLst>
+                        <p:cond delay="indefinite"/>
+                      </p:stCondLst>
+                      <p:childTnLst>
+                        <p:par>
+                          <p:cTn id="8" fill="hold">
+                            <p:stCondLst>
+                              <p:cond delay="0"/>
+                            </p:stCondLst>
+                            <p:childTnLst>
+                              <p:par>
+                                <p:cTn id="9" presetID="1" presetClass="entr" presetSubtype="0" fill="hold" nodeType="clickEffect">
+                                  <p:stCondLst>
+                                    <p:cond delay="0"/>
+                                  </p:stCondLst>
+                                  <p:childTnLst>
+                                    <p:set>
+                                      <p:cBhvr>
+                                        <p:cTn id="10" dur="1" fill="hold">
+                                          <p:stCondLst>
+                                            <p:cond delay="0"/>
+                                          </p:stCondLst>
+                                        </p:cTn>
+                                        <p:tgtEl>
+                                          <p:spTgt spid="5">
+                                            <p:txEl>
+                                              <p:pRg st="1" end="1"/>
+                                            </p:txEl>
+                                          </p:spTgt>
+                                        </p:tgtEl>
+                                        <p:attrNameLst>
+                                          <p:attrName>style.visibility</p:attrName>
+                                        </p:attrNameLst>
+                                      </p:cBhvr>
+                                      <p:to>
+                                        <p:strVal val="visible"/>
+                                      </p:to>
+                                    </p:set>
+                                  </p:childTnLst>
+                                </p:cTn>
+                              </p:par>
+                            </p:childTnLst>
+                          </p:cTn>
+                        </p:par>
+                      </p:childTnLst>
+                    </p:cTn>
+                  </p:par>
+                  <p:par>
+                    <p:cTn id="11" fill="hold">
+                      <p:stCondLst>
+                        <p:cond delay="indefinite"/>
+                      </p:stCondLst>
+                      <p:childTnLst>
+                        <p:par>
+                          <p:cTn id="12" fill="hold">
+                            <p:stCondLst>
+                              <p:cond delay="0"/>
+                            </p:stCondLst>
+                            <p:childTnLst>
+                              <p:par>
+                                <p:cTn id="13" presetID="1" presetClass="entr" presetSubtype="0" fill="hold" nodeType="clickEffect">
+                                  <p:stCondLst>
+                                    <p:cond delay="0"/>
+                                  </p:stCondLst>
+                                  <p:childTnLst>
+                                    <p:set>
+                                      <p:cBhvr>
+                                        <p:cTn id="14" dur="1" fill="hold">
+                                          <p:stCondLst>
+                                            <p:cond delay="0"/>
+                                          </p:stCondLst>
+                                        </p:cTn>
+                                        <p:tgtEl>
+                                          <p:spTgt spid="5">
+                                            <p:txEl>
+                                              <p:pRg st="2" end="2"/>
+                                            </p:txEl>
+                                          </p:spTgt>
+                                        </p:tgtEl>
+                                        <p:attrNameLst>
+                                          <p:attrName>style.visibility</p:attrName>
+                                        </p:attrNameLst>
+                                      </p:cBhvr>
+                                      <p:to>
+                                        <p:strVal val="visible"/>
+                                      </p:to>
+                                    </p:set>
+                                  </p:childTnLst>
+                                </p:cTn>
+                              </p:par>
+                            </p:childTnLst>
+                          </p:cTn>
+                        </p:par>
+                      </p:childTnLst>
+                    </p:cTn>
+                  </p:par>
+                  <p:par>
+                    <p:cTn id="15" fill="hold">
+                      <p:stCondLst>
+                        <p:cond delay="indefinite"/>
+                      </p:stCondLst>
+                      <p:childTnLst>
+                        <p:par>
+                          <p:cTn id="16" fill="hold">
+                            <p:stCondLst>
+                              <p:cond delay="0"/>
+                            </p:stCondLst>
+                            <p:childTnLst>
+                              <p:par>
+                                <p:cTn id="17" presetID="1" presetClass="entr" presetSubtype="0" fill="hold" nodeType="clickEffect">
+                                  <p:stCondLst>
+                                    <p:cond delay="0"/>
+                                  </p:stCondLst>
+                                  <p:childTnLst>
+                                    <p:set>
+                                      <p:cBhvr>
+                                        <p:cTn id="18" dur="1" fill="hold">
+                                          <p:stCondLst>
+                                            <p:cond delay="0"/>
+                                          </p:stCondLst>
+                                        </p:cTn>
+                                        <p:tgtEl>
+                                          <p:spTgt spid="5">
+                                            <p:txEl>
+                                              <p:pRg st="3" end="3"/>
+                                            </p:txEl>
+                                          </p:spTgt>
+                                        </p:tgtEl>
+                                        <p:attrNameLst>
+                                          <p:attrName>style.visibility</p:attrName>
+                                        </p:attrNameLst>
+                                      </p:cBhvr>
+                                      <p:to>
+                                        <p:strVal val="visible"/>
+                                      </p:to>
+                                    </p:set>
+                                  </p:childTnLst>
+                                </p:cTn>
+                              </p:par>
+                            </p:childTnLst>
+                          </p:cTn>
+                        </p:par>
+                      </p:childTnLst>
+                    </p:cTn>
+                  </p:par>
+                  <p:par>
+                    <p:cTn id="19" fill="hold">
+                      <p:stCondLst>
+                        <p:cond delay="indefinite"/>
+                      </p:stCondLst>
+                      <p:childTnLst>
+                        <p:par>
+                          <p:cTn id="20" fill="hold">
+                            <p:stCondLst>
+                              <p:cond delay="0"/>
+                            </p:stCondLst>
+                            <p:childTnLst>
+                              <p:par>
+                                <p:cTn id="21" presetID="1" presetClass="entr" presetSubtype="0" fill="hold" nodeType="clickEffect">
+                                  <p:stCondLst>
+                                    <p:cond delay="0"/>
+                                  </p:stCondLst>
+                                  <p:childTnLst>
+                                    <p:set>
+                                      <p:cBhvr>
+                                        <p:cTn id="22" dur="1" fill="hold">
+                                          <p:stCondLst>
+                                            <p:cond delay="0"/>
+                                          </p:stCondLst>
+                                        </p:cTn>
+                                        <p:tgtEl>
+                                          <p:spTgt spid="5">
+                                            <p:txEl>
+                                              <p:pRg st="4" end="4"/>
+                                            </p:txEl>
+                                          </p:spTgt>
+                                        </p:tgtEl>
+                                        <p:attrNameLst>
+                                          <p:attrName>style.visibility</p:attrName>
+                                        </p:attrNameLst>
+                                      </p:cBhvr>
+                                      <p:to>
+                                        <p:strVal val="visible"/>
+                                      </p:to>
+                                    </p:set>
+                                  </p:childTnLst>
+                                </p:cTn>
+                              </p:par>
+                            </p:childTnLst>
+                          </p:cTn>
+                        </p:par>
+                      </p:childTnLst>
+                    </p:cTn>
+                  </p:par>
+                </p:childTnLst>
+              </p:cTn>
+              <p:prevCondLst>
+                <p:cond evt="onPrev" delay="0">
+                  <p:tgtEl>
+                    <p:sldTgt/>
+                  </p:tgtEl>
+                </p:cond>
+              </p:prevCondLst>
+              <p:nextCondLst>
+                <p:cond evt="onNext" delay="0">
+                  <p:tgtEl>
+                    <p:sldTgt/>
+                  </p:tgtEl>
+                </p:cond>
+              </p:nextCondLst>
+            </p:seq>
+          </p:childTnLst>
+        </p:cTn>
       </p:par>
     </p:tnLst>
   </p:timing>
@@ -10596,13 +13938,6 @@
               </a:rPr>
               <a:t>?</a:t>
             </a:r>
-            <a:endParaRPr lang="en-US" sz="8000" cap="none">
-              <a:solidFill>
-                <a:schemeClr val="bg1"/>
-              </a:solidFill>
-              <a:latin typeface="Arial" panose="020B0604020202020204" pitchFamily="34" charset="0"/>
-              <a:cs typeface="Arial" panose="020B0604020202020204" pitchFamily="34" charset="0"/>
-            </a:endParaRPr>
           </a:p>
         </p:txBody>
       </p:sp>
@@ -10849,7 +14184,120 @@
   <p:timing>
     <p:tnLst>
       <p:par>
-        <p:cTn id="1" dur="indefinite" restart="never" nodeType="tmRoot"/>
+        <p:cTn id="1" dur="indefinite" restart="never" nodeType="tmRoot">
+          <p:childTnLst>
+            <p:seq concurrent="1" nextAc="seek">
+              <p:cTn id="2" dur="indefinite" nodeType="mainSeq">
+                <p:childTnLst>
+                  <p:par>
+                    <p:cTn id="3" fill="hold">
+                      <p:stCondLst>
+                        <p:cond delay="indefinite"/>
+                      </p:stCondLst>
+                      <p:childTnLst>
+                        <p:par>
+                          <p:cTn id="4" fill="hold">
+                            <p:stCondLst>
+                              <p:cond delay="0"/>
+                            </p:stCondLst>
+                            <p:childTnLst>
+                              <p:par>
+                                <p:cTn id="5" presetID="1" presetClass="entr" presetSubtype="0" fill="hold" nodeType="clickEffect">
+                                  <p:stCondLst>
+                                    <p:cond delay="0"/>
+                                  </p:stCondLst>
+                                  <p:childTnLst>
+                                    <p:set>
+                                      <p:cBhvr>
+                                        <p:cTn id="6" dur="1" fill="hold">
+                                          <p:stCondLst>
+                                            <p:cond delay="0"/>
+                                          </p:stCondLst>
+                                        </p:cTn>
+                                        <p:tgtEl>
+                                          <p:spTgt spid="4"/>
+                                        </p:tgtEl>
+                                        <p:attrNameLst>
+                                          <p:attrName>style.visibility</p:attrName>
+                                        </p:attrNameLst>
+                                      </p:cBhvr>
+                                      <p:to>
+                                        <p:strVal val="visible"/>
+                                      </p:to>
+                                    </p:set>
+                                  </p:childTnLst>
+                                </p:cTn>
+                              </p:par>
+                            </p:childTnLst>
+                          </p:cTn>
+                        </p:par>
+                      </p:childTnLst>
+                    </p:cTn>
+                  </p:par>
+                  <p:par>
+                    <p:cTn id="7" fill="hold">
+                      <p:stCondLst>
+                        <p:cond delay="indefinite"/>
+                      </p:stCondLst>
+                      <p:childTnLst>
+                        <p:par>
+                          <p:cTn id="8" fill="hold">
+                            <p:stCondLst>
+                              <p:cond delay="0"/>
+                            </p:stCondLst>
+                            <p:childTnLst>
+                              <p:par>
+                                <p:cTn id="9" presetID="1" presetClass="entr" presetSubtype="0" fill="hold" nodeType="clickEffect">
+                                  <p:stCondLst>
+                                    <p:cond delay="0"/>
+                                  </p:stCondLst>
+                                  <p:childTnLst>
+                                    <p:set>
+                                      <p:cBhvr>
+                                        <p:cTn id="10" dur="1" fill="hold">
+                                          <p:stCondLst>
+                                            <p:cond delay="0"/>
+                                          </p:stCondLst>
+                                        </p:cTn>
+                                        <p:tgtEl>
+                                          <p:spTgt spid="6"/>
+                                        </p:tgtEl>
+                                        <p:attrNameLst>
+                                          <p:attrName>style.visibility</p:attrName>
+                                        </p:attrNameLst>
+                                      </p:cBhvr>
+                                      <p:to>
+                                        <p:strVal val="visible"/>
+                                      </p:to>
+                                    </p:set>
+                                  </p:childTnLst>
+                                </p:cTn>
+                              </p:par>
+                            </p:childTnLst>
+                          </p:cTn>
+                        </p:par>
+                      </p:childTnLst>
+                    </p:cTn>
+                  </p:par>
+                </p:childTnLst>
+              </p:cTn>
+              <p:prevCondLst>
+                <p:cond evt="onPrev" delay="0">
+                  <p:tgtEl>
+                    <p:sldTgt/>
+                  </p:tgtEl>
+                </p:cond>
+              </p:prevCondLst>
+              <p:nextCondLst>
+                <p:cond evt="onNext" delay="0">
+                  <p:tgtEl>
+                    <p:sldTgt/>
+                  </p:tgtEl>
+                </p:cond>
+              </p:nextCondLst>
+            </p:seq>
+          </p:childTnLst>
+        </p:cTn>
       </p:par>
     </p:tnLst>
   </p:timing>
@@ -10989,7 +14437,120 @@
   <p:timing>
     <p:tnLst>
       <p:par>
-        <p:cTn id="1" dur="indefinite" restart="never" nodeType="tmRoot"/>
+        <p:cTn id="1" dur="indefinite" restart="never" nodeType="tmRoot">
+          <p:childTnLst>
+            <p:seq concurrent="1" nextAc="seek">
+              <p:cTn id="2" dur="indefinite" nodeType="mainSeq">
+                <p:childTnLst>
+                  <p:par>
+                    <p:cTn id="3" fill="hold">
+                      <p:stCondLst>
+                        <p:cond delay="indefinite"/>
+                      </p:stCondLst>
+                      <p:childTnLst>
+                        <p:par>
+                          <p:cTn id="4" fill="hold">
+                            <p:stCondLst>
+                              <p:cond delay="0"/>
+                            </p:stCondLst>
+                            <p:childTnLst>
+                              <p:par>
+                                <p:cTn id="5" presetID="1" presetClass="entr" presetSubtype="0" fill="hold" nodeType="clickEffect">
+                                  <p:stCondLst>
+                                    <p:cond delay="0"/>
+                                  </p:stCondLst>
+                                  <p:childTnLst>
+                                    <p:set>
+                                      <p:cBhvr>
+                                        <p:cTn id="6" dur="1" fill="hold">
+                                          <p:stCondLst>
+                                            <p:cond delay="0"/>
+                                          </p:stCondLst>
+                                        </p:cTn>
+                                        <p:tgtEl>
+                                          <p:spTgt spid="4"/>
+                                        </p:tgtEl>
+                                        <p:attrNameLst>
+                                          <p:attrName>style.visibility</p:attrName>
+                                        </p:attrNameLst>
+                                      </p:cBhvr>
+                                      <p:to>
+                                        <p:strVal val="visible"/>
+                                      </p:to>
+                                    </p:set>
+                                  </p:childTnLst>
+                                </p:cTn>
+                              </p:par>
+                            </p:childTnLst>
+                          </p:cTn>
+                        </p:par>
+                      </p:childTnLst>
+                    </p:cTn>
+                  </p:par>
+                  <p:par>
+                    <p:cTn id="7" fill="hold">
+                      <p:stCondLst>
+                        <p:cond delay="indefinite"/>
+                      </p:stCondLst>
+                      <p:childTnLst>
+                        <p:par>
+                          <p:cTn id="8" fill="hold">
+                            <p:stCondLst>
+                              <p:cond delay="0"/>
+                            </p:stCondLst>
+                            <p:childTnLst>
+                              <p:par>
+                                <p:cTn id="9" presetID="1" presetClass="entr" presetSubtype="0" fill="hold" nodeType="clickEffect">
+                                  <p:stCondLst>
+                                    <p:cond delay="0"/>
+                                  </p:stCondLst>
+                                  <p:childTnLst>
+                                    <p:set>
+                                      <p:cBhvr>
+                                        <p:cTn id="10" dur="1" fill="hold">
+                                          <p:stCondLst>
+                                            <p:cond delay="0"/>
+                                          </p:stCondLst>
+                                        </p:cTn>
+                                        <p:tgtEl>
+                                          <p:spTgt spid="6"/>
+                                        </p:tgtEl>
+                                        <p:attrNameLst>
+                                          <p:attrName>style.visibility</p:attrName>
+                                        </p:attrNameLst>
+                                      </p:cBhvr>
+                                      <p:to>
+                                        <p:strVal val="visible"/>
+                                      </p:to>
+                                    </p:set>
+                                  </p:childTnLst>
+                                </p:cTn>
+                              </p:par>
+                            </p:childTnLst>
+                          </p:cTn>
+                        </p:par>
+                      </p:childTnLst>
+                    </p:cTn>
+                  </p:par>
+                </p:childTnLst>
+              </p:cTn>
+              <p:prevCondLst>
+                <p:cond evt="onPrev" delay="0">
+                  <p:tgtEl>
+                    <p:sldTgt/>
+                  </p:tgtEl>
+                </p:cond>
+              </p:prevCondLst>
+              <p:nextCondLst>
+                <p:cond evt="onNext" delay="0">
+                  <p:tgtEl>
+                    <p:sldTgt/>
+                  </p:tgtEl>
+                </p:cond>
+              </p:nextCondLst>
+            </p:seq>
+          </p:childTnLst>
+        </p:cTn>
       </p:par>
     </p:tnLst>
   </p:timing>
@@ -11106,7 +14667,7 @@
                 <a:latin typeface="Arial" panose="020B0604020202020204" pitchFamily="34" charset="0"/>
                 <a:cs typeface="Arial" panose="020B0604020202020204" pitchFamily="34" charset="0"/>
               </a:rPr>
-              <a:t>Server napisan u programskom jeziku java</a:t>
+              <a:t>Server napisan u programskom jeziku </a:t>
             </a:r>
             <a:r>
               <a:rPr lang="sr-Latn-RS" sz="2200" cap="none" smtClean="0">
@@ -11116,6 +14677,26 @@
                 <a:latin typeface="Arial" panose="020B0604020202020204" pitchFamily="34" charset="0"/>
                 <a:cs typeface="Arial" panose="020B0604020202020204" pitchFamily="34" charset="0"/>
               </a:rPr>
+              <a:t>J</a:t>
+            </a:r>
+            <a:r>
+              <a:rPr lang="en-US" sz="2200" cap="none" smtClean="0">
+                <a:solidFill>
+                  <a:schemeClr val="bg1"/>
+                </a:solidFill>
+                <a:latin typeface="Arial" panose="020B0604020202020204" pitchFamily="34" charset="0"/>
+                <a:cs typeface="Arial" panose="020B0604020202020204" pitchFamily="34" charset="0"/>
+              </a:rPr>
+              <a:t>ava</a:t>
+            </a:r>
+            <a:r>
+              <a:rPr lang="sr-Latn-RS" sz="2200" cap="none" smtClean="0">
+                <a:solidFill>
+                  <a:schemeClr val="bg1"/>
+                </a:solidFill>
+                <a:latin typeface="Arial" panose="020B0604020202020204" pitchFamily="34" charset="0"/>
+                <a:cs typeface="Arial" panose="020B0604020202020204" pitchFamily="34" charset="0"/>
+              </a:rPr>
               <a:t>s</a:t>
             </a:r>
             <a:r>
@@ -11136,8 +14717,45 @@
                 <a:latin typeface="Arial" panose="020B0604020202020204" pitchFamily="34" charset="0"/>
                 <a:cs typeface="Arial" panose="020B0604020202020204" pitchFamily="34" charset="0"/>
               </a:rPr>
-              <a:t>ći programski okvir express koji se izvršava na izvršnom okruženju nodejs</a:t>
-            </a:r>
+              <a:t>ći programski okvir </a:t>
+            </a:r>
+            <a:r>
+              <a:rPr lang="sr-Latn-RS" sz="2200" cap="none" smtClean="0">
+                <a:solidFill>
+                  <a:schemeClr val="bg1"/>
+                </a:solidFill>
+                <a:latin typeface="Arial" panose="020B0604020202020204" pitchFamily="34" charset="0"/>
+                <a:cs typeface="Arial" panose="020B0604020202020204" pitchFamily="34" charset="0"/>
+              </a:rPr>
+              <a:t>Express </a:t>
+            </a:r>
+            <a:r>
+              <a:rPr lang="sr-Latn-RS" sz="2200" cap="none" smtClean="0">
+                <a:solidFill>
+                  <a:schemeClr val="bg1"/>
+                </a:solidFill>
+                <a:latin typeface="Arial" panose="020B0604020202020204" pitchFamily="34" charset="0"/>
+                <a:cs typeface="Arial" panose="020B0604020202020204" pitchFamily="34" charset="0"/>
+              </a:rPr>
+              <a:t>koji se izvršava na izvršnom okruženju </a:t>
+            </a:r>
+            <a:r>
+              <a:rPr lang="sr-Latn-RS" sz="2200" cap="none" smtClean="0">
+                <a:solidFill>
+                  <a:schemeClr val="bg1"/>
+                </a:solidFill>
+                <a:latin typeface="Arial" panose="020B0604020202020204" pitchFamily="34" charset="0"/>
+                <a:cs typeface="Arial" panose="020B0604020202020204" pitchFamily="34" charset="0"/>
+              </a:rPr>
+              <a:t>NodeJS</a:t>
+            </a:r>
+            <a:endParaRPr lang="sr-Latn-RS" sz="2200" cap="none" smtClean="0">
+              <a:solidFill>
+                <a:schemeClr val="bg1"/>
+              </a:solidFill>
+              <a:latin typeface="Arial" panose="020B0604020202020204" pitchFamily="34" charset="0"/>
+              <a:cs typeface="Arial" panose="020B0604020202020204" pitchFamily="34" charset="0"/>
+            </a:endParaRPr>
           </a:p>
           <a:p>
             <a:pPr marL="342900" indent="-342900">
@@ -11246,7 +14864,275 @@
   <p:timing>
     <p:tnLst>
       <p:par>
-        <p:cTn id="1" dur="indefinite" restart="never" nodeType="tmRoot"/>
+        <p:cTn id="1" dur="indefinite" restart="never" nodeType="tmRoot">
+          <p:childTnLst>
+            <p:seq concurrent="1" nextAc="seek">
+              <p:cTn id="2" dur="indefinite" nodeType="mainSeq">
+                <p:childTnLst>
+                  <p:par>
+                    <p:cTn id="3" fill="hold">
+                      <p:stCondLst>
+                        <p:cond delay="indefinite"/>
+                      </p:stCondLst>
+                      <p:childTnLst>
+                        <p:par>
+                          <p:cTn id="4" fill="hold">
+                            <p:stCondLst>
+                              <p:cond delay="0"/>
+                            </p:stCondLst>
+                            <p:childTnLst>
+                              <p:par>
+                                <p:cTn id="5" presetID="1" presetClass="entr" presetSubtype="0" fill="hold" nodeType="clickEffect">
+                                  <p:stCondLst>
+                                    <p:cond delay="0"/>
+                                  </p:stCondLst>
+                                  <p:childTnLst>
+                                    <p:set>
+                                      <p:cBhvr>
+                                        <p:cTn id="6" dur="1" fill="hold">
+                                          <p:stCondLst>
+                                            <p:cond delay="0"/>
+                                          </p:stCondLst>
+                                        </p:cTn>
+                                        <p:tgtEl>
+                                          <p:spTgt spid="5">
+                                            <p:txEl>
+                                              <p:pRg st="0" end="0"/>
+                                            </p:txEl>
+                                          </p:spTgt>
+                                        </p:tgtEl>
+                                        <p:attrNameLst>
+                                          <p:attrName>style.visibility</p:attrName>
+                                        </p:attrNameLst>
+                                      </p:cBhvr>
+                                      <p:to>
+                                        <p:strVal val="visible"/>
+                                      </p:to>
+                                    </p:set>
+                                  </p:childTnLst>
+                                </p:cTn>
+                              </p:par>
+                            </p:childTnLst>
+                          </p:cTn>
+                        </p:par>
+                      </p:childTnLst>
+                    </p:cTn>
+                  </p:par>
+                  <p:par>
+                    <p:cTn id="7" fill="hold">
+                      <p:stCondLst>
+                        <p:cond delay="indefinite"/>
+                      </p:stCondLst>
+                      <p:childTnLst>
+                        <p:par>
+                          <p:cTn id="8" fill="hold">
+                            <p:stCondLst>
+                              <p:cond delay="0"/>
+                            </p:stCondLst>
+                            <p:childTnLst>
+                              <p:par>
+                                <p:cTn id="9" presetID="1" presetClass="entr" presetSubtype="0" fill="hold" nodeType="clickEffect">
+                                  <p:stCondLst>
+                                    <p:cond delay="0"/>
+                                  </p:stCondLst>
+                                  <p:childTnLst>
+                                    <p:set>
+                                      <p:cBhvr>
+                                        <p:cTn id="10" dur="1" fill="hold">
+                                          <p:stCondLst>
+                                            <p:cond delay="0"/>
+                                          </p:stCondLst>
+                                        </p:cTn>
+                                        <p:tgtEl>
+                                          <p:spTgt spid="5">
+                                            <p:txEl>
+                                              <p:pRg st="1" end="1"/>
+                                            </p:txEl>
+                                          </p:spTgt>
+                                        </p:tgtEl>
+                                        <p:attrNameLst>
+                                          <p:attrName>style.visibility</p:attrName>
+                                        </p:attrNameLst>
+                                      </p:cBhvr>
+                                      <p:to>
+                                        <p:strVal val="visible"/>
+                                      </p:to>
+                                    </p:set>
+                                  </p:childTnLst>
+                                </p:cTn>
+                              </p:par>
+                            </p:childTnLst>
+                          </p:cTn>
+                        </p:par>
+                      </p:childTnLst>
+                    </p:cTn>
+                  </p:par>
+                  <p:par>
+                    <p:cTn id="11" fill="hold">
+                      <p:stCondLst>
+                        <p:cond delay="indefinite"/>
+                      </p:stCondLst>
+                      <p:childTnLst>
+                        <p:par>
+                          <p:cTn id="12" fill="hold">
+                            <p:stCondLst>
+                              <p:cond delay="0"/>
+                            </p:stCondLst>
+                            <p:childTnLst>
+                              <p:par>
+                                <p:cTn id="13" presetID="1" presetClass="entr" presetSubtype="0" fill="hold" nodeType="clickEffect">
+                                  <p:stCondLst>
+                                    <p:cond delay="0"/>
+                                  </p:stCondLst>
+                                  <p:childTnLst>
+                                    <p:set>
+                                      <p:cBhvr>
+                                        <p:cTn id="14" dur="1" fill="hold">
+                                          <p:stCondLst>
+                                            <p:cond delay="0"/>
+                                          </p:stCondLst>
+                                        </p:cTn>
+                                        <p:tgtEl>
+                                          <p:spTgt spid="5">
+                                            <p:txEl>
+                                              <p:pRg st="2" end="2"/>
+                                            </p:txEl>
+                                          </p:spTgt>
+                                        </p:tgtEl>
+                                        <p:attrNameLst>
+                                          <p:attrName>style.visibility</p:attrName>
+                                        </p:attrNameLst>
+                                      </p:cBhvr>
+                                      <p:to>
+                                        <p:strVal val="visible"/>
+                                      </p:to>
+                                    </p:set>
+                                  </p:childTnLst>
+                                </p:cTn>
+                              </p:par>
+                            </p:childTnLst>
+                          </p:cTn>
+                        </p:par>
+                      </p:childTnLst>
+                    </p:cTn>
+                  </p:par>
+                  <p:par>
+                    <p:cTn id="15" fill="hold">
+                      <p:stCondLst>
+                        <p:cond delay="indefinite"/>
+                      </p:stCondLst>
+                      <p:childTnLst>
+                        <p:par>
+                          <p:cTn id="16" fill="hold">
+                            <p:stCondLst>
+                              <p:cond delay="0"/>
+                            </p:stCondLst>
+                            <p:childTnLst>
+                              <p:par>
+                                <p:cTn id="17" presetID="1" presetClass="entr" presetSubtype="0" fill="hold" nodeType="clickEffect">
+                                  <p:stCondLst>
+                                    <p:cond delay="0"/>
+                                  </p:stCondLst>
+                                  <p:childTnLst>
+                                    <p:set>
+                                      <p:cBhvr>
+                                        <p:cTn id="18" dur="1" fill="hold">
+                                          <p:stCondLst>
+                                            <p:cond delay="0"/>
+                                          </p:stCondLst>
+                                        </p:cTn>
+                                        <p:tgtEl>
+                                          <p:spTgt spid="5">
+                                            <p:txEl>
+                                              <p:pRg st="3" end="3"/>
+                                            </p:txEl>
+                                          </p:spTgt>
+                                        </p:tgtEl>
+                                        <p:attrNameLst>
+                                          <p:attrName>style.visibility</p:attrName>
+                                        </p:attrNameLst>
+                                      </p:cBhvr>
+                                      <p:to>
+                                        <p:strVal val="visible"/>
+                                      </p:to>
+                                    </p:set>
+                                  </p:childTnLst>
+                                </p:cTn>
+                              </p:par>
+                            </p:childTnLst>
+                          </p:cTn>
+                        </p:par>
+                      </p:childTnLst>
+                    </p:cTn>
+                  </p:par>
+                  <p:par>
+                    <p:cTn id="19" fill="hold">
+                      <p:stCondLst>
+                        <p:cond delay="indefinite"/>
+                      </p:stCondLst>
+                      <p:childTnLst>
+                        <p:par>
+                          <p:cTn id="20" fill="hold">
+                            <p:stCondLst>
+                              <p:cond delay="0"/>
+                            </p:stCondLst>
+                            <p:childTnLst>
+                              <p:par>
+                                <p:cTn id="21" presetID="1" presetClass="entr" presetSubtype="0" fill="hold" nodeType="clickEffect">
+                                  <p:stCondLst>
+                                    <p:cond delay="0"/>
+                                  </p:stCondLst>
+                                  <p:childTnLst>
+                                    <p:set>
+                                      <p:cBhvr>
+                                        <p:cTn id="22" dur="1" fill="hold">
+                                          <p:stCondLst>
+                                            <p:cond delay="0"/>
+                                          </p:stCondLst>
+                                        </p:cTn>
+                                        <p:tgtEl>
+                                          <p:spTgt spid="5">
+                                            <p:txEl>
+                                              <p:pRg st="4" end="4"/>
+                                            </p:txEl>
+                                          </p:spTgt>
+                                        </p:tgtEl>
+                                        <p:attrNameLst>
+                                          <p:attrName>style.visibility</p:attrName>
+                                        </p:attrNameLst>
+                                      </p:cBhvr>
+                                      <p:to>
+                                        <p:strVal val="visible"/>
+                                      </p:to>
+                                    </p:set>
+                                  </p:childTnLst>
+                                </p:cTn>
+                              </p:par>
+                            </p:childTnLst>
+                          </p:cTn>
+                        </p:par>
+                      </p:childTnLst>
+                    </p:cTn>
+                  </p:par>
+                </p:childTnLst>
+              </p:cTn>
+              <p:prevCondLst>
+                <p:cond evt="onPrev" delay="0">
+                  <p:tgtEl>
+                    <p:sldTgt/>
+                  </p:tgtEl>
+                </p:cond>
+              </p:prevCondLst>
+              <p:nextCondLst>
+                <p:cond evt="onNext" delay="0">
+                  <p:tgtEl>
+                    <p:sldTgt/>
+                  </p:tgtEl>
+                </p:cond>
+              </p:nextCondLst>
+            </p:seq>
+          </p:childTnLst>
+        </p:cTn>
       </p:par>
     </p:tnLst>
   </p:timing>
@@ -11483,7 +15369,324 @@
   <p:timing>
     <p:tnLst>
       <p:par>
-        <p:cTn id="1" dur="indefinite" restart="never" nodeType="tmRoot"/>
+        <p:cTn id="1" dur="indefinite" restart="never" nodeType="tmRoot">
+          <p:childTnLst>
+            <p:seq concurrent="1" nextAc="seek">
+              <p:cTn id="2" dur="indefinite" nodeType="mainSeq">
+                <p:childTnLst>
+                  <p:par>
+                    <p:cTn id="3" fill="hold">
+                      <p:stCondLst>
+                        <p:cond delay="indefinite"/>
+                      </p:stCondLst>
+                      <p:childTnLst>
+                        <p:par>
+                          <p:cTn id="4" fill="hold">
+                            <p:stCondLst>
+                              <p:cond delay="0"/>
+                            </p:stCondLst>
+                            <p:childTnLst>
+                              <p:par>
+                                <p:cTn id="5" presetID="1" presetClass="entr" presetSubtype="0" fill="hold" nodeType="clickEffect">
+                                  <p:stCondLst>
+                                    <p:cond delay="0"/>
+                                  </p:stCondLst>
+                                  <p:childTnLst>
+                                    <p:set>
+                                      <p:cBhvr>
+                                        <p:cTn id="6" dur="1" fill="hold">
+                                          <p:stCondLst>
+                                            <p:cond delay="0"/>
+                                          </p:stCondLst>
+                                        </p:cTn>
+                                        <p:tgtEl>
+                                          <p:spTgt spid="5">
+                                            <p:txEl>
+                                              <p:pRg st="0" end="0"/>
+                                            </p:txEl>
+                                          </p:spTgt>
+                                        </p:tgtEl>
+                                        <p:attrNameLst>
+                                          <p:attrName>style.visibility</p:attrName>
+                                        </p:attrNameLst>
+                                      </p:cBhvr>
+                                      <p:to>
+                                        <p:strVal val="visible"/>
+                                      </p:to>
+                                    </p:set>
+                                  </p:childTnLst>
+                                </p:cTn>
+                              </p:par>
+                            </p:childTnLst>
+                          </p:cTn>
+                        </p:par>
+                      </p:childTnLst>
+                    </p:cTn>
+                  </p:par>
+                  <p:par>
+                    <p:cTn id="7" fill="hold">
+                      <p:stCondLst>
+                        <p:cond delay="indefinite"/>
+                      </p:stCondLst>
+                      <p:childTnLst>
+                        <p:par>
+                          <p:cTn id="8" fill="hold">
+                            <p:stCondLst>
+                              <p:cond delay="0"/>
+                            </p:stCondLst>
+                            <p:childTnLst>
+                              <p:par>
+                                <p:cTn id="9" presetID="1" presetClass="entr" presetSubtype="0" fill="hold" nodeType="clickEffect">
+                                  <p:stCondLst>
+                                    <p:cond delay="0"/>
+                                  </p:stCondLst>
+                                  <p:childTnLst>
+                                    <p:set>
+                                      <p:cBhvr>
+                                        <p:cTn id="10" dur="1" fill="hold">
+                                          <p:stCondLst>
+                                            <p:cond delay="0"/>
+                                          </p:stCondLst>
+                                        </p:cTn>
+                                        <p:tgtEl>
+                                          <p:spTgt spid="5">
+                                            <p:txEl>
+                                              <p:pRg st="1" end="1"/>
+                                            </p:txEl>
+                                          </p:spTgt>
+                                        </p:tgtEl>
+                                        <p:attrNameLst>
+                                          <p:attrName>style.visibility</p:attrName>
+                                        </p:attrNameLst>
+                                      </p:cBhvr>
+                                      <p:to>
+                                        <p:strVal val="visible"/>
+                                      </p:to>
+                                    </p:set>
+                                  </p:childTnLst>
+                                </p:cTn>
+                              </p:par>
+                            </p:childTnLst>
+                          </p:cTn>
+                        </p:par>
+                      </p:childTnLst>
+                    </p:cTn>
+                  </p:par>
+                  <p:par>
+                    <p:cTn id="11" fill="hold">
+                      <p:stCondLst>
+                        <p:cond delay="indefinite"/>
+                      </p:stCondLst>
+                      <p:childTnLst>
+                        <p:par>
+                          <p:cTn id="12" fill="hold">
+                            <p:stCondLst>
+                              <p:cond delay="0"/>
+                            </p:stCondLst>
+                            <p:childTnLst>
+                              <p:par>
+                                <p:cTn id="13" presetID="1" presetClass="entr" presetSubtype="0" fill="hold" nodeType="clickEffect">
+                                  <p:stCondLst>
+                                    <p:cond delay="0"/>
+                                  </p:stCondLst>
+                                  <p:childTnLst>
+                                    <p:set>
+                                      <p:cBhvr>
+                                        <p:cTn id="14" dur="1" fill="hold">
+                                          <p:stCondLst>
+                                            <p:cond delay="0"/>
+                                          </p:stCondLst>
+                                        </p:cTn>
+                                        <p:tgtEl>
+                                          <p:spTgt spid="5">
+                                            <p:txEl>
+                                              <p:pRg st="2" end="2"/>
+                                            </p:txEl>
+                                          </p:spTgt>
+                                        </p:tgtEl>
+                                        <p:attrNameLst>
+                                          <p:attrName>style.visibility</p:attrName>
+                                        </p:attrNameLst>
+                                      </p:cBhvr>
+                                      <p:to>
+                                        <p:strVal val="visible"/>
+                                      </p:to>
+                                    </p:set>
+                                  </p:childTnLst>
+                                </p:cTn>
+                              </p:par>
+                            </p:childTnLst>
+                          </p:cTn>
+                        </p:par>
+                      </p:childTnLst>
+                    </p:cTn>
+                  </p:par>
+                  <p:par>
+                    <p:cTn id="15" fill="hold">
+                      <p:stCondLst>
+                        <p:cond delay="indefinite"/>
+                      </p:stCondLst>
+                      <p:childTnLst>
+                        <p:par>
+                          <p:cTn id="16" fill="hold">
+                            <p:stCondLst>
+                              <p:cond delay="0"/>
+                            </p:stCondLst>
+                            <p:childTnLst>
+                              <p:par>
+                                <p:cTn id="17" presetID="1" presetClass="entr" presetSubtype="0" fill="hold" nodeType="clickEffect">
+                                  <p:stCondLst>
+                                    <p:cond delay="0"/>
+                                  </p:stCondLst>
+                                  <p:childTnLst>
+                                    <p:set>
+                                      <p:cBhvr>
+                                        <p:cTn id="18" dur="1" fill="hold">
+                                          <p:stCondLst>
+                                            <p:cond delay="0"/>
+                                          </p:stCondLst>
+                                        </p:cTn>
+                                        <p:tgtEl>
+                                          <p:spTgt spid="5">
+                                            <p:txEl>
+                                              <p:pRg st="3" end="3"/>
+                                            </p:txEl>
+                                          </p:spTgt>
+                                        </p:tgtEl>
+                                        <p:attrNameLst>
+                                          <p:attrName>style.visibility</p:attrName>
+                                        </p:attrNameLst>
+                                      </p:cBhvr>
+                                      <p:to>
+                                        <p:strVal val="visible"/>
+                                      </p:to>
+                                    </p:set>
+                                  </p:childTnLst>
+                                </p:cTn>
+                              </p:par>
+                            </p:childTnLst>
+                          </p:cTn>
+                        </p:par>
+                      </p:childTnLst>
+                    </p:cTn>
+                  </p:par>
+                  <p:par>
+                    <p:cTn id="19" fill="hold">
+                      <p:stCondLst>
+                        <p:cond delay="indefinite"/>
+                      </p:stCondLst>
+                      <p:childTnLst>
+                        <p:par>
+                          <p:cTn id="20" fill="hold">
+                            <p:stCondLst>
+                              <p:cond delay="0"/>
+                            </p:stCondLst>
+                            <p:childTnLst>
+                              <p:par>
+                                <p:cTn id="21" presetID="1" presetClass="entr" presetSubtype="0" fill="hold" nodeType="clickEffect">
+                                  <p:stCondLst>
+                                    <p:cond delay="0"/>
+                                  </p:stCondLst>
+                                  <p:childTnLst>
+                                    <p:set>
+                                      <p:cBhvr>
+                                        <p:cTn id="22" dur="1" fill="hold">
+                                          <p:stCondLst>
+                                            <p:cond delay="0"/>
+                                          </p:stCondLst>
+                                        </p:cTn>
+                                        <p:tgtEl>
+                                          <p:spTgt spid="5">
+                                            <p:txEl>
+                                              <p:pRg st="4" end="4"/>
+                                            </p:txEl>
+                                          </p:spTgt>
+                                        </p:tgtEl>
+                                        <p:attrNameLst>
+                                          <p:attrName>style.visibility</p:attrName>
+                                        </p:attrNameLst>
+                                      </p:cBhvr>
+                                      <p:to>
+                                        <p:strVal val="visible"/>
+                                      </p:to>
+                                    </p:set>
+                                  </p:childTnLst>
+                                </p:cTn>
+                              </p:par>
+                            </p:childTnLst>
+                          </p:cTn>
+                        </p:par>
+                      </p:childTnLst>
+                    </p:cTn>
+                  </p:par>
+                  <p:par>
+                    <p:cTn id="23" fill="hold">
+                      <p:stCondLst>
+                        <p:cond delay="indefinite"/>
+                      </p:stCondLst>
+                      <p:childTnLst>
+                        <p:par>
+                          <p:cTn id="24" fill="hold">
+                            <p:stCondLst>
+                              <p:cond delay="0"/>
+                            </p:stCondLst>
+                            <p:childTnLst>
+                              <p:par>
+                                <p:cTn id="25" presetID="1" presetClass="entr" presetSubtype="0" fill="hold" nodeType="clickEffect">
+                                  <p:stCondLst>
+                                    <p:cond delay="0"/>
+                                  </p:stCondLst>
+                                  <p:childTnLst>
+                                    <p:set>
+                                      <p:cBhvr>
+                                        <p:cTn id="26" dur="1" fill="hold">
+                                          <p:stCondLst>
+                                            <p:cond delay="0"/>
+                                          </p:stCondLst>
+                                        </p:cTn>
+                                        <p:tgtEl>
+                                          <p:spTgt spid="5">
+                                            <p:txEl>
+                                              <p:pRg st="5" end="5"/>
+                                            </p:txEl>
+                                          </p:spTgt>
+                                        </p:tgtEl>
+                                        <p:attrNameLst>
+                                          <p:attrName>style.visibility</p:attrName>
+                                        </p:attrNameLst>
+                                      </p:cBhvr>
+                                      <p:to>
+                                        <p:strVal val="visible"/>
+                                      </p:to>
+                                    </p:set>
+                                  </p:childTnLst>
+                                </p:cTn>
+                              </p:par>
+                            </p:childTnLst>
+                          </p:cTn>
+                        </p:par>
+                      </p:childTnLst>
+                    </p:cTn>
+                  </p:par>
+                </p:childTnLst>
+              </p:cTn>
+              <p:prevCondLst>
+                <p:cond evt="onPrev" delay="0">
+                  <p:tgtEl>
+                    <p:sldTgt/>
+                  </p:tgtEl>
+                </p:cond>
+              </p:prevCondLst>
+              <p:nextCondLst>
+                <p:cond evt="onNext" delay="0">
+                  <p:tgtEl>
+                    <p:sldTgt/>
+                  </p:tgtEl>
+                </p:cond>
+              </p:nextCondLst>
+            </p:seq>
+          </p:childTnLst>
+        </p:cTn>
       </p:par>
     </p:tnLst>
   </p:timing>
@@ -11857,7 +16060,275 @@
   <p:timing>
     <p:tnLst>
       <p:par>
-        <p:cTn id="1" dur="indefinite" restart="never" nodeType="tmRoot"/>
+        <p:cTn id="1" dur="indefinite" restart="never" nodeType="tmRoot">
+          <p:childTnLst>
+            <p:seq concurrent="1" nextAc="seek">
+              <p:cTn id="2" dur="indefinite" nodeType="mainSeq">
+                <p:childTnLst>
+                  <p:par>
+                    <p:cTn id="3" fill="hold">
+                      <p:stCondLst>
+                        <p:cond delay="indefinite"/>
+                      </p:stCondLst>
+                      <p:childTnLst>
+                        <p:par>
+                          <p:cTn id="4" fill="hold">
+                            <p:stCondLst>
+                              <p:cond delay="0"/>
+                            </p:stCondLst>
+                            <p:childTnLst>
+                              <p:par>
+                                <p:cTn id="5" presetID="1" presetClass="entr" presetSubtype="0" fill="hold" nodeType="clickEffect">
+                                  <p:stCondLst>
+                                    <p:cond delay="0"/>
+                                  </p:stCondLst>
+                                  <p:childTnLst>
+                                    <p:set>
+                                      <p:cBhvr>
+                                        <p:cTn id="6" dur="1" fill="hold">
+                                          <p:stCondLst>
+                                            <p:cond delay="0"/>
+                                          </p:stCondLst>
+                                        </p:cTn>
+                                        <p:tgtEl>
+                                          <p:spTgt spid="5">
+                                            <p:txEl>
+                                              <p:pRg st="0" end="0"/>
+                                            </p:txEl>
+                                          </p:spTgt>
+                                        </p:tgtEl>
+                                        <p:attrNameLst>
+                                          <p:attrName>style.visibility</p:attrName>
+                                        </p:attrNameLst>
+                                      </p:cBhvr>
+                                      <p:to>
+                                        <p:strVal val="visible"/>
+                                      </p:to>
+                                    </p:set>
+                                  </p:childTnLst>
+                                </p:cTn>
+                              </p:par>
+                            </p:childTnLst>
+                          </p:cTn>
+                        </p:par>
+                      </p:childTnLst>
+                    </p:cTn>
+                  </p:par>
+                  <p:par>
+                    <p:cTn id="7" fill="hold">
+                      <p:stCondLst>
+                        <p:cond delay="indefinite"/>
+                      </p:stCondLst>
+                      <p:childTnLst>
+                        <p:par>
+                          <p:cTn id="8" fill="hold">
+                            <p:stCondLst>
+                              <p:cond delay="0"/>
+                            </p:stCondLst>
+                            <p:childTnLst>
+                              <p:par>
+                                <p:cTn id="9" presetID="1" presetClass="entr" presetSubtype="0" fill="hold" nodeType="clickEffect">
+                                  <p:stCondLst>
+                                    <p:cond delay="0"/>
+                                  </p:stCondLst>
+                                  <p:childTnLst>
+                                    <p:set>
+                                      <p:cBhvr>
+                                        <p:cTn id="10" dur="1" fill="hold">
+                                          <p:stCondLst>
+                                            <p:cond delay="0"/>
+                                          </p:stCondLst>
+                                        </p:cTn>
+                                        <p:tgtEl>
+                                          <p:spTgt spid="5">
+                                            <p:txEl>
+                                              <p:pRg st="1" end="1"/>
+                                            </p:txEl>
+                                          </p:spTgt>
+                                        </p:tgtEl>
+                                        <p:attrNameLst>
+                                          <p:attrName>style.visibility</p:attrName>
+                                        </p:attrNameLst>
+                                      </p:cBhvr>
+                                      <p:to>
+                                        <p:strVal val="visible"/>
+                                      </p:to>
+                                    </p:set>
+                                  </p:childTnLst>
+                                </p:cTn>
+                              </p:par>
+                            </p:childTnLst>
+                          </p:cTn>
+                        </p:par>
+                      </p:childTnLst>
+                    </p:cTn>
+                  </p:par>
+                  <p:par>
+                    <p:cTn id="11" fill="hold">
+                      <p:stCondLst>
+                        <p:cond delay="indefinite"/>
+                      </p:stCondLst>
+                      <p:childTnLst>
+                        <p:par>
+                          <p:cTn id="12" fill="hold">
+                            <p:stCondLst>
+                              <p:cond delay="0"/>
+                            </p:stCondLst>
+                            <p:childTnLst>
+                              <p:par>
+                                <p:cTn id="13" presetID="1" presetClass="entr" presetSubtype="0" fill="hold" nodeType="clickEffect">
+                                  <p:stCondLst>
+                                    <p:cond delay="0"/>
+                                  </p:stCondLst>
+                                  <p:childTnLst>
+                                    <p:set>
+                                      <p:cBhvr>
+                                        <p:cTn id="14" dur="1" fill="hold">
+                                          <p:stCondLst>
+                                            <p:cond delay="0"/>
+                                          </p:stCondLst>
+                                        </p:cTn>
+                                        <p:tgtEl>
+                                          <p:spTgt spid="5">
+                                            <p:txEl>
+                                              <p:pRg st="2" end="2"/>
+                                            </p:txEl>
+                                          </p:spTgt>
+                                        </p:tgtEl>
+                                        <p:attrNameLst>
+                                          <p:attrName>style.visibility</p:attrName>
+                                        </p:attrNameLst>
+                                      </p:cBhvr>
+                                      <p:to>
+                                        <p:strVal val="visible"/>
+                                      </p:to>
+                                    </p:set>
+                                  </p:childTnLst>
+                                </p:cTn>
+                              </p:par>
+                            </p:childTnLst>
+                          </p:cTn>
+                        </p:par>
+                      </p:childTnLst>
+                    </p:cTn>
+                  </p:par>
+                  <p:par>
+                    <p:cTn id="15" fill="hold">
+                      <p:stCondLst>
+                        <p:cond delay="indefinite"/>
+                      </p:stCondLst>
+                      <p:childTnLst>
+                        <p:par>
+                          <p:cTn id="16" fill="hold">
+                            <p:stCondLst>
+                              <p:cond delay="0"/>
+                            </p:stCondLst>
+                            <p:childTnLst>
+                              <p:par>
+                                <p:cTn id="17" presetID="1" presetClass="entr" presetSubtype="0" fill="hold" nodeType="clickEffect">
+                                  <p:stCondLst>
+                                    <p:cond delay="0"/>
+                                  </p:stCondLst>
+                                  <p:childTnLst>
+                                    <p:set>
+                                      <p:cBhvr>
+                                        <p:cTn id="18" dur="1" fill="hold">
+                                          <p:stCondLst>
+                                            <p:cond delay="0"/>
+                                          </p:stCondLst>
+                                        </p:cTn>
+                                        <p:tgtEl>
+                                          <p:spTgt spid="5">
+                                            <p:txEl>
+                                              <p:pRg st="3" end="3"/>
+                                            </p:txEl>
+                                          </p:spTgt>
+                                        </p:tgtEl>
+                                        <p:attrNameLst>
+                                          <p:attrName>style.visibility</p:attrName>
+                                        </p:attrNameLst>
+                                      </p:cBhvr>
+                                      <p:to>
+                                        <p:strVal val="visible"/>
+                                      </p:to>
+                                    </p:set>
+                                  </p:childTnLst>
+                                </p:cTn>
+                              </p:par>
+                            </p:childTnLst>
+                          </p:cTn>
+                        </p:par>
+                      </p:childTnLst>
+                    </p:cTn>
+                  </p:par>
+                  <p:par>
+                    <p:cTn id="19" fill="hold">
+                      <p:stCondLst>
+                        <p:cond delay="indefinite"/>
+                      </p:stCondLst>
+                      <p:childTnLst>
+                        <p:par>
+                          <p:cTn id="20" fill="hold">
+                            <p:stCondLst>
+                              <p:cond delay="0"/>
+                            </p:stCondLst>
+                            <p:childTnLst>
+                              <p:par>
+                                <p:cTn id="21" presetID="1" presetClass="entr" presetSubtype="0" fill="hold" nodeType="clickEffect">
+                                  <p:stCondLst>
+                                    <p:cond delay="0"/>
+                                  </p:stCondLst>
+                                  <p:childTnLst>
+                                    <p:set>
+                                      <p:cBhvr>
+                                        <p:cTn id="22" dur="1" fill="hold">
+                                          <p:stCondLst>
+                                            <p:cond delay="0"/>
+                                          </p:stCondLst>
+                                        </p:cTn>
+                                        <p:tgtEl>
+                                          <p:spTgt spid="5">
+                                            <p:txEl>
+                                              <p:pRg st="4" end="4"/>
+                                            </p:txEl>
+                                          </p:spTgt>
+                                        </p:tgtEl>
+                                        <p:attrNameLst>
+                                          <p:attrName>style.visibility</p:attrName>
+                                        </p:attrNameLst>
+                                      </p:cBhvr>
+                                      <p:to>
+                                        <p:strVal val="visible"/>
+                                      </p:to>
+                                    </p:set>
+                                  </p:childTnLst>
+                                </p:cTn>
+                              </p:par>
+                            </p:childTnLst>
+                          </p:cTn>
+                        </p:par>
+                      </p:childTnLst>
+                    </p:cTn>
+                  </p:par>
+                </p:childTnLst>
+              </p:cTn>
+              <p:prevCondLst>
+                <p:cond evt="onPrev" delay="0">
+                  <p:tgtEl>
+                    <p:sldTgt/>
+                  </p:tgtEl>
+                </p:cond>
+              </p:prevCondLst>
+              <p:nextCondLst>
+                <p:cond evt="onNext" delay="0">
+                  <p:tgtEl>
+                    <p:sldTgt/>
+                  </p:tgtEl>
+                </p:cond>
+              </p:nextCondLst>
+            </p:seq>
+          </p:childTnLst>
+        </p:cTn>
       </p:par>
     </p:tnLst>
   </p:timing>

--- a/prezentacija.pptx
+++ b/prezentacija.pptx
@@ -5554,7 +5554,7 @@
         </p:nvSpPr>
         <p:spPr>
           <a:xfrm>
-            <a:off x="6700892" y="5012370"/>
+            <a:off x="7769838" y="5012368"/>
             <a:ext cx="3600406" cy="988540"/>
           </a:xfrm>
           <a:prstGeom prst="rect">
@@ -5845,7 +5845,7 @@
         </p:nvSpPr>
         <p:spPr>
           <a:xfrm>
-            <a:off x="2848291" y="5082391"/>
+            <a:off x="1705232" y="5082390"/>
             <a:ext cx="2734491" cy="848497"/>
           </a:xfrm>
           <a:prstGeom prst="rect">
@@ -7362,7 +7362,27 @@
                 <a:latin typeface="Arial" panose="020B0604020202020204" pitchFamily="34" charset="0"/>
                 <a:cs typeface="Arial" panose="020B0604020202020204" pitchFamily="34" charset="0"/>
               </a:rPr>
-              <a:t>MVP nema jasnih smernica za implementaciju, moguće je napraviti jako složene interfejse između pogleda i prezentera</a:t>
+              <a:t>MVP nema </a:t>
+            </a:r>
+            <a:r>
+              <a:rPr lang="sr-Latn-RS" sz="2200" smtClean="0">
+                <a:solidFill>
+                  <a:schemeClr val="bg1"/>
+                </a:solidFill>
+                <a:latin typeface="Arial" panose="020B0604020202020204" pitchFamily="34" charset="0"/>
+                <a:cs typeface="Arial" panose="020B0604020202020204" pitchFamily="34" charset="0"/>
+              </a:rPr>
+              <a:t>čvrstih smernica </a:t>
+            </a:r>
+            <a:r>
+              <a:rPr lang="sr-Latn-RS" sz="2200" smtClean="0">
+                <a:solidFill>
+                  <a:schemeClr val="bg1"/>
+                </a:solidFill>
+                <a:latin typeface="Arial" panose="020B0604020202020204" pitchFamily="34" charset="0"/>
+                <a:cs typeface="Arial" panose="020B0604020202020204" pitchFamily="34" charset="0"/>
+              </a:rPr>
+              <a:t>za implementaciju, moguće je napraviti jako složene interfejse između pogleda i prezentera</a:t>
             </a:r>
             <a:endParaRPr lang="sr-Latn-RS" sz="2200">
               <a:solidFill>
@@ -7740,7 +7760,33 @@
                 <a:latin typeface="Arial" panose="020B0604020202020204" pitchFamily="34" charset="0"/>
                 <a:cs typeface="Arial" panose="020B0604020202020204" pitchFamily="34" charset="0"/>
               </a:rPr>
-              <a:t>= b + c</a:t>
+              <a:t>= b + </a:t>
+            </a:r>
+            <a:r>
+              <a:rPr lang="en-US" sz="2200" smtClean="0">
+                <a:solidFill>
+                  <a:schemeClr val="bg1"/>
+                </a:solidFill>
+                <a:latin typeface="Arial" panose="020B0604020202020204" pitchFamily="34" charset="0"/>
+                <a:cs typeface="Arial" panose="020B0604020202020204" pitchFamily="34" charset="0"/>
+              </a:rPr>
+              <a:t>c</a:t>
+            </a:r>
+          </a:p>
+          <a:p>
+            <a:pPr marL="342900" indent="-342900">
+              <a:buFont typeface="Arial" panose="020B0604020202020204" pitchFamily="34" charset="0"/>
+              <a:buChar char="•"/>
+            </a:pPr>
+            <a:r>
+              <a:rPr lang="sr-Latn-RS" sz="2200" smtClean="0">
+                <a:solidFill>
+                  <a:schemeClr val="bg1"/>
+                </a:solidFill>
+                <a:latin typeface="Arial" panose="020B0604020202020204" pitchFamily="34" charset="0"/>
+                <a:cs typeface="Arial" panose="020B0604020202020204" pitchFamily="34" charset="0"/>
+              </a:rPr>
+              <a:t>Reaktivno programiranje nalazi svoju primenu u Androidu kao rešenje za neke česte probleme i alternativa AsyncTaskovima</a:t>
             </a:r>
             <a:endParaRPr lang="sr-Latn-RS" sz="2200" cap="none" smtClean="0">
               <a:solidFill>
@@ -7822,15 +7868,18 @@
                 <a:latin typeface="Arial" panose="020B0604020202020204" pitchFamily="34" charset="0"/>
                 <a:cs typeface="Arial" panose="020B0604020202020204" pitchFamily="34" charset="0"/>
               </a:rPr>
-              <a:t>Puna podrška u okviru Android Studija 3.0</a:t>
-            </a:r>
-            <a:endParaRPr lang="sr-Latn-RS" sz="2200">
-              <a:solidFill>
-                <a:schemeClr val="bg1"/>
-              </a:solidFill>
-              <a:latin typeface="Arial" panose="020B0604020202020204" pitchFamily="34" charset="0"/>
-              <a:cs typeface="Arial" panose="020B0604020202020204" pitchFamily="34" charset="0"/>
-            </a:endParaRPr>
+              <a:t>Puna podrška u okviru Android Studija </a:t>
+            </a:r>
+            <a:r>
+              <a:rPr lang="sr-Latn-RS" sz="2200" smtClean="0">
+                <a:solidFill>
+                  <a:schemeClr val="bg1"/>
+                </a:solidFill>
+                <a:latin typeface="Arial" panose="020B0604020202020204" pitchFamily="34" charset="0"/>
+                <a:cs typeface="Arial" panose="020B0604020202020204" pitchFamily="34" charset="0"/>
+              </a:rPr>
+              <a:t>3.0</a:t>
+            </a:r>
           </a:p>
         </p:txBody>
       </p:sp>
@@ -8097,6 +8146,55 @@
                       </p:childTnLst>
                     </p:cTn>
                   </p:par>
+                  <p:par>
+                    <p:cTn id="23" fill="hold">
+                      <p:stCondLst>
+                        <p:cond delay="indefinite"/>
+                      </p:stCondLst>
+                      <p:childTnLst>
+                        <p:par>
+                          <p:cTn id="24" fill="hold">
+                            <p:stCondLst>
+                              <p:cond delay="0"/>
+                            </p:stCondLst>
+                            <p:childTnLst>
+                              <p:par>
+                                <p:cTn id="25" presetID="1" presetClass="entr" presetSubtype="0" fill="hold" nodeType="clickEffect">
+                                  <p:stCondLst>
+                                    <p:cond delay="0"/>
+                                  </p:stCondLst>
+                                  <p:childTnLst>
+                                    <p:set>
+                                      <p:cBhvr>
+                                        <p:cTn id="26" dur="1" fill="hold">
+                                          <p:stCondLst>
+                                            <p:cond delay="0"/>
+                                          </p:stCondLst>
+                                        </p:cTn>
+                                        <p:tgtEl>
+                                          <p:spTgt spid="5">
+                                            <p:txEl>
+                                              <p:pRg st="5" end="5"/>
+                                            </p:txEl>
+                                          </p:spTgt>
+                                        </p:tgtEl>
+                                        <p:attrNameLst>
+                                          <p:attrName>style.visibility</p:attrName>
+                                        </p:attrNameLst>
+                                      </p:cBhvr>
+                                      <p:to>
+                                        <p:strVal val="visible"/>
+                                      </p:to>
+                                    </p:set>
+                                  </p:childTnLst>
+                                </p:cTn>
+                              </p:par>
+                            </p:childTnLst>
+                          </p:cTn>
+                        </p:par>
+                      </p:childTnLst>
+                    </p:cTn>
+                  </p:par>
                 </p:childTnLst>
               </p:cTn>
               <p:prevCondLst>
@@ -8420,26 +8518,6 @@
               <a:buFont typeface="Arial" panose="020B0604020202020204" pitchFamily="34" charset="0"/>
               <a:buChar char="•"/>
             </a:pPr>
-            <a:r>
-              <a:rPr lang="en-US" sz="2200" smtClean="0">
-                <a:solidFill>
-                  <a:schemeClr val="bg1"/>
-                </a:solidFill>
-                <a:latin typeface="Arial" panose="020B0604020202020204" pitchFamily="34" charset="0"/>
-                <a:cs typeface="Arial" panose="020B0604020202020204" pitchFamily="34" charset="0"/>
-              </a:rPr>
-              <a:t>Alternativa AsyncTaskovima,</a:t>
-            </a:r>
-            <a:r>
-              <a:rPr lang="en-US" sz="2400">
-                <a:solidFill>
-                  <a:schemeClr val="bg1"/>
-                </a:solidFill>
-                <a:latin typeface="Courier New" panose="02070309020205020404" pitchFamily="49" charset="0"/>
-                <a:cs typeface="Courier New" panose="02070309020205020404" pitchFamily="49" charset="0"/>
-              </a:rPr>
-              <a:t> </a:t>
-            </a:r>
             <a:r>
               <a:rPr lang="en-US" sz="2400" smtClean="0">
                 <a:solidFill>
@@ -9207,8 +9285,81 @@
                 <a:latin typeface="Arial" panose="020B0604020202020204" pitchFamily="34" charset="0"/>
                 <a:cs typeface="Arial" panose="020B0604020202020204" pitchFamily="34" charset="0"/>
               </a:rPr>
-              <a:t>prihvata objekte jednog emitera, transformiše svaki objekat u emitera i spaja u jedno emitovanje</a:t>
-            </a:r>
+              <a:t>prihvata objekte jednog emitera, transformiše svaki objekat u emitera i spaja u jedno </a:t>
+            </a:r>
+            <a:r>
+              <a:rPr lang="sr-Latn-RS" sz="2000" smtClean="0">
+                <a:solidFill>
+                  <a:schemeClr val="bg1"/>
+                </a:solidFill>
+                <a:latin typeface="Arial" panose="020B0604020202020204" pitchFamily="34" charset="0"/>
+                <a:cs typeface="Arial" panose="020B0604020202020204" pitchFamily="34" charset="0"/>
+              </a:rPr>
+              <a:t>emitovanje</a:t>
+            </a:r>
+          </a:p>
+          <a:p>
+            <a:pPr marL="342900" indent="-342900">
+              <a:buFont typeface="Arial" panose="020B0604020202020204" pitchFamily="34" charset="0"/>
+              <a:buChar char="•"/>
+            </a:pPr>
+            <a:r>
+              <a:rPr lang="sr-Latn-RS" sz="2000" smtClean="0">
+                <a:solidFill>
+                  <a:schemeClr val="bg1"/>
+                </a:solidFill>
+                <a:latin typeface="Courier New" panose="02070309020205020404" pitchFamily="49" charset="0"/>
+                <a:cs typeface="Courier New" panose="02070309020205020404" pitchFamily="49" charset="0"/>
+              </a:rPr>
+              <a:t>doOnNext</a:t>
+            </a:r>
+            <a:r>
+              <a:rPr lang="sr-Latn-RS" sz="2000" b="1" smtClean="0">
+                <a:solidFill>
+                  <a:schemeClr val="bg1"/>
+                </a:solidFill>
+                <a:latin typeface="Courier New" panose="02070309020205020404" pitchFamily="49" charset="0"/>
+                <a:cs typeface="Courier New" panose="02070309020205020404" pitchFamily="49" charset="0"/>
+              </a:rPr>
+              <a:t> </a:t>
+            </a:r>
+            <a:r>
+              <a:rPr lang="sr-Latn-RS" sz="2000">
+                <a:solidFill>
+                  <a:schemeClr val="bg1"/>
+                </a:solidFill>
+                <a:latin typeface="Arial" panose="020B0604020202020204" pitchFamily="34" charset="0"/>
+                <a:cs typeface="Arial" panose="020B0604020202020204" pitchFamily="34" charset="0"/>
+              </a:rPr>
+              <a:t>–</a:t>
+            </a:r>
+            <a:r>
+              <a:rPr lang="sr-Latn-RS" sz="2000" b="1">
+                <a:solidFill>
+                  <a:schemeClr val="bg1"/>
+                </a:solidFill>
+                <a:latin typeface="Courier New" panose="02070309020205020404" pitchFamily="49" charset="0"/>
+                <a:cs typeface="Courier New" panose="02070309020205020404" pitchFamily="49" charset="0"/>
+              </a:rPr>
+              <a:t> </a:t>
+            </a:r>
+            <a:r>
+              <a:rPr lang="sr-Latn-RS" sz="2000" smtClean="0">
+                <a:solidFill>
+                  <a:schemeClr val="bg1"/>
+                </a:solidFill>
+                <a:latin typeface="Arial" panose="020B0604020202020204" pitchFamily="34" charset="0"/>
+                <a:cs typeface="Arial" panose="020B0604020202020204" pitchFamily="34" charset="0"/>
+              </a:rPr>
+              <a:t>izvršavanje neke akcije pri svakom emitovanju</a:t>
+            </a:r>
+            <a:endParaRPr lang="sr-Latn-RS" sz="2000" smtClean="0">
+              <a:solidFill>
+                <a:schemeClr val="bg1"/>
+              </a:solidFill>
+              <a:latin typeface="Arial" panose="020B0604020202020204" pitchFamily="34" charset="0"/>
+              <a:cs typeface="Arial" panose="020B0604020202020204" pitchFamily="34" charset="0"/>
+            </a:endParaRPr>
           </a:p>
           <a:p>
             <a:pPr marL="342900" indent="-342900">
@@ -9676,6 +9827,55 @@
                                           <p:spTgt spid="5">
                                             <p:txEl>
                                               <p:pRg st="5" end="5"/>
+                                            </p:txEl>
+                                          </p:spTgt>
+                                        </p:tgtEl>
+                                        <p:attrNameLst>
+                                          <p:attrName>style.visibility</p:attrName>
+                                        </p:attrNameLst>
+                                      </p:cBhvr>
+                                      <p:to>
+                                        <p:strVal val="visible"/>
+                                      </p:to>
+                                    </p:set>
+                                  </p:childTnLst>
+                                </p:cTn>
+                              </p:par>
+                            </p:childTnLst>
+                          </p:cTn>
+                        </p:par>
+                      </p:childTnLst>
+                    </p:cTn>
+                  </p:par>
+                  <p:par>
+                    <p:cTn id="27" fill="hold">
+                      <p:stCondLst>
+                        <p:cond delay="indefinite"/>
+                      </p:stCondLst>
+                      <p:childTnLst>
+                        <p:par>
+                          <p:cTn id="28" fill="hold">
+                            <p:stCondLst>
+                              <p:cond delay="0"/>
+                            </p:stCondLst>
+                            <p:childTnLst>
+                              <p:par>
+                                <p:cTn id="29" presetID="1" presetClass="entr" presetSubtype="0" fill="hold" nodeType="clickEffect">
+                                  <p:stCondLst>
+                                    <p:cond delay="0"/>
+                                  </p:stCondLst>
+                                  <p:childTnLst>
+                                    <p:set>
+                                      <p:cBhvr>
+                                        <p:cTn id="30" dur="1" fill="hold">
+                                          <p:stCondLst>
+                                            <p:cond delay="0"/>
+                                          </p:stCondLst>
+                                        </p:cTn>
+                                        <p:tgtEl>
+                                          <p:spTgt spid="5">
+                                            <p:txEl>
+                                              <p:pRg st="6" end="6"/>
                                             </p:txEl>
                                           </p:spTgt>
                                         </p:tgtEl>
@@ -12602,8 +12802,15 @@
                 <a:latin typeface="Arial" panose="020B0604020202020204" pitchFamily="34" charset="0"/>
                 <a:cs typeface="Arial" panose="020B0604020202020204" pitchFamily="34" charset="0"/>
               </a:rPr>
-              <a:t>Graf zavisnosti može biti jako složen</a:t>
-            </a:r>
+              <a:t>Implementacija i graf zavisnosti mogu biti jako složeni</a:t>
+            </a:r>
+            <a:endParaRPr lang="sr-Latn-RS" sz="2000" smtClean="0">
+              <a:solidFill>
+                <a:schemeClr val="bg1"/>
+              </a:solidFill>
+              <a:latin typeface="Arial" panose="020B0604020202020204" pitchFamily="34" charset="0"/>
+              <a:cs typeface="Arial" panose="020B0604020202020204" pitchFamily="34" charset="0"/>
+            </a:endParaRPr>
           </a:p>
           <a:p>
             <a:endParaRPr lang="sr-Latn-RS" sz="2000" smtClean="0">
@@ -13522,13 +13729,6 @@
               </a:rPr>
               <a:t>Kotlin</a:t>
             </a:r>
-            <a:endParaRPr lang="sr-Latn-RS" sz="2000" smtClean="0">
-              <a:solidFill>
-                <a:schemeClr val="bg1"/>
-              </a:solidFill>
-              <a:latin typeface="Arial" panose="020B0604020202020204" pitchFamily="34" charset="0"/>
-              <a:cs typeface="Arial" panose="020B0604020202020204" pitchFamily="34" charset="0"/>
-            </a:endParaRPr>
           </a:p>
           <a:p>
             <a:pPr marL="342900" indent="-342900">
@@ -14717,45 +14917,8 @@
                 <a:latin typeface="Arial" panose="020B0604020202020204" pitchFamily="34" charset="0"/>
                 <a:cs typeface="Arial" panose="020B0604020202020204" pitchFamily="34" charset="0"/>
               </a:rPr>
-              <a:t>ći programski okvir </a:t>
-            </a:r>
-            <a:r>
-              <a:rPr lang="sr-Latn-RS" sz="2200" cap="none" smtClean="0">
-                <a:solidFill>
-                  <a:schemeClr val="bg1"/>
-                </a:solidFill>
-                <a:latin typeface="Arial" panose="020B0604020202020204" pitchFamily="34" charset="0"/>
-                <a:cs typeface="Arial" panose="020B0604020202020204" pitchFamily="34" charset="0"/>
-              </a:rPr>
-              <a:t>Express </a:t>
-            </a:r>
-            <a:r>
-              <a:rPr lang="sr-Latn-RS" sz="2200" cap="none" smtClean="0">
-                <a:solidFill>
-                  <a:schemeClr val="bg1"/>
-                </a:solidFill>
-                <a:latin typeface="Arial" panose="020B0604020202020204" pitchFamily="34" charset="0"/>
-                <a:cs typeface="Arial" panose="020B0604020202020204" pitchFamily="34" charset="0"/>
-              </a:rPr>
-              <a:t>koji se izvršava na izvršnom okruženju </a:t>
-            </a:r>
-            <a:r>
-              <a:rPr lang="sr-Latn-RS" sz="2200" cap="none" smtClean="0">
-                <a:solidFill>
-                  <a:schemeClr val="bg1"/>
-                </a:solidFill>
-                <a:latin typeface="Arial" panose="020B0604020202020204" pitchFamily="34" charset="0"/>
-                <a:cs typeface="Arial" panose="020B0604020202020204" pitchFamily="34" charset="0"/>
-              </a:rPr>
-              <a:t>NodeJS</a:t>
-            </a:r>
-            <a:endParaRPr lang="sr-Latn-RS" sz="2200" cap="none" smtClean="0">
-              <a:solidFill>
-                <a:schemeClr val="bg1"/>
-              </a:solidFill>
-              <a:latin typeface="Arial" panose="020B0604020202020204" pitchFamily="34" charset="0"/>
-              <a:cs typeface="Arial" panose="020B0604020202020204" pitchFamily="34" charset="0"/>
-            </a:endParaRPr>
+              <a:t>ći programski okvir Express koji se izvršava na izvršnom okruženju NodeJS</a:t>
+            </a:r>
           </a:p>
           <a:p>
             <a:pPr marL="342900" indent="-342900">
